--- a/Test Driven Development/materials/pptx/13. TDD-Evangelists.pptx
+++ b/Test Driven Development/materials/pptx/13. TDD-Evangelists.pptx
@@ -7,28 +7,27 @@
     <p:sldMasterId id="2147483694" r:id="rId3"/>
   </p:sldMasterIdLst>
   <p:notesMasterIdLst>
-    <p:notesMasterId r:id="rId23"/>
+    <p:notesMasterId r:id="rId22"/>
   </p:notesMasterIdLst>
   <p:sldIdLst>
     <p:sldId id="355" r:id="rId4"/>
-    <p:sldId id="257" r:id="rId5"/>
-    <p:sldId id="375" r:id="rId6"/>
-    <p:sldId id="389" r:id="rId7"/>
-    <p:sldId id="391" r:id="rId8"/>
-    <p:sldId id="393" r:id="rId9"/>
-    <p:sldId id="394" r:id="rId10"/>
-    <p:sldId id="395" r:id="rId11"/>
-    <p:sldId id="396" r:id="rId12"/>
-    <p:sldId id="397" r:id="rId13"/>
-    <p:sldId id="398" r:id="rId14"/>
-    <p:sldId id="399" r:id="rId15"/>
-    <p:sldId id="400" r:id="rId16"/>
-    <p:sldId id="401" r:id="rId17"/>
-    <p:sldId id="402" r:id="rId18"/>
-    <p:sldId id="403" r:id="rId19"/>
-    <p:sldId id="404" r:id="rId20"/>
-    <p:sldId id="357" r:id="rId21"/>
-    <p:sldId id="356" r:id="rId22"/>
+    <p:sldId id="375" r:id="rId5"/>
+    <p:sldId id="389" r:id="rId6"/>
+    <p:sldId id="391" r:id="rId7"/>
+    <p:sldId id="393" r:id="rId8"/>
+    <p:sldId id="394" r:id="rId9"/>
+    <p:sldId id="395" r:id="rId10"/>
+    <p:sldId id="396" r:id="rId11"/>
+    <p:sldId id="397" r:id="rId12"/>
+    <p:sldId id="398" r:id="rId13"/>
+    <p:sldId id="399" r:id="rId14"/>
+    <p:sldId id="400" r:id="rId15"/>
+    <p:sldId id="401" r:id="rId16"/>
+    <p:sldId id="402" r:id="rId17"/>
+    <p:sldId id="403" r:id="rId18"/>
+    <p:sldId id="404" r:id="rId19"/>
+    <p:sldId id="357" r:id="rId20"/>
+    <p:sldId id="356" r:id="rId21"/>
   </p:sldIdLst>
   <p:sldSz cx="9144000" cy="6858000" type="screen4x3"/>
   <p:notesSz cx="6858000" cy="9144000"/>
@@ -212,7 +211,7 @@
           <a:p>
             <a:fld id="{B946ECE3-FD69-FE4C-B5B3-E9526994F809}" type="datetimeFigureOut">
               <a:rPr lang="en-US" smtClean="0"/>
-              <a:t>11/1/12</a:t>
+              <a:t>12/10/2012</a:t>
             </a:fld>
             <a:endParaRPr lang="en-US"/>
           </a:p>
@@ -562,7 +561,7 @@
           <a:p>
             <a:fld id="{3A3568CC-110C-4346-A0AE-B1FBECAA9176}" type="slidenum">
               <a:rPr lang="en-US" smtClean="0"/>
-              <a:t>3</a:t>
+              <a:t>2</a:t>
             </a:fld>
             <a:endParaRPr lang="en-US" dirty="0"/>
           </a:p>
@@ -646,7 +645,7 @@
           <a:p>
             <a:fld id="{3A3568CC-110C-4346-A0AE-B1FBECAA9176}" type="slidenum">
               <a:rPr lang="en-US" smtClean="0"/>
-              <a:t>12</a:t>
+              <a:t>11</a:t>
             </a:fld>
             <a:endParaRPr lang="en-US"/>
           </a:p>
@@ -730,7 +729,7 @@
           <a:p>
             <a:fld id="{3A3568CC-110C-4346-A0AE-B1FBECAA9176}" type="slidenum">
               <a:rPr lang="en-US" smtClean="0"/>
-              <a:t>13</a:t>
+              <a:t>12</a:t>
             </a:fld>
             <a:endParaRPr lang="en-US"/>
           </a:p>
@@ -814,7 +813,7 @@
           <a:p>
             <a:fld id="{3A3568CC-110C-4346-A0AE-B1FBECAA9176}" type="slidenum">
               <a:rPr lang="en-US" smtClean="0"/>
-              <a:t>14</a:t>
+              <a:t>13</a:t>
             </a:fld>
             <a:endParaRPr lang="en-US"/>
           </a:p>
@@ -898,7 +897,7 @@
           <a:p>
             <a:fld id="{3A3568CC-110C-4346-A0AE-B1FBECAA9176}" type="slidenum">
               <a:rPr lang="en-US" smtClean="0"/>
-              <a:t>15</a:t>
+              <a:t>14</a:t>
             </a:fld>
             <a:endParaRPr lang="en-US"/>
           </a:p>
@@ -982,7 +981,7 @@
           <a:p>
             <a:fld id="{3A3568CC-110C-4346-A0AE-B1FBECAA9176}" type="slidenum">
               <a:rPr lang="en-US" smtClean="0"/>
-              <a:t>16</a:t>
+              <a:t>15</a:t>
             </a:fld>
             <a:endParaRPr lang="en-US"/>
           </a:p>
@@ -1066,7 +1065,7 @@
           <a:p>
             <a:fld id="{3A3568CC-110C-4346-A0AE-B1FBECAA9176}" type="slidenum">
               <a:rPr lang="en-US" smtClean="0"/>
-              <a:t>17</a:t>
+              <a:t>16</a:t>
             </a:fld>
             <a:endParaRPr lang="en-US"/>
           </a:p>
@@ -1150,7 +1149,7 @@
           <a:p>
             <a:fld id="{3A3568CC-110C-4346-A0AE-B1FBECAA9176}" type="slidenum">
               <a:rPr lang="en-US" smtClean="0"/>
-              <a:t>4</a:t>
+              <a:t>3</a:t>
             </a:fld>
             <a:endParaRPr lang="en-US"/>
           </a:p>
@@ -1234,7 +1233,7 @@
           <a:p>
             <a:fld id="{3A3568CC-110C-4346-A0AE-B1FBECAA9176}" type="slidenum">
               <a:rPr lang="en-US" smtClean="0"/>
-              <a:t>5</a:t>
+              <a:t>4</a:t>
             </a:fld>
             <a:endParaRPr lang="en-US"/>
           </a:p>
@@ -1318,7 +1317,7 @@
           <a:p>
             <a:fld id="{3A3568CC-110C-4346-A0AE-B1FBECAA9176}" type="slidenum">
               <a:rPr lang="en-US" smtClean="0"/>
-              <a:t>6</a:t>
+              <a:t>5</a:t>
             </a:fld>
             <a:endParaRPr lang="en-US"/>
           </a:p>
@@ -1402,7 +1401,7 @@
           <a:p>
             <a:fld id="{3A3568CC-110C-4346-A0AE-B1FBECAA9176}" type="slidenum">
               <a:rPr lang="en-US" smtClean="0"/>
-              <a:t>7</a:t>
+              <a:t>6</a:t>
             </a:fld>
             <a:endParaRPr lang="en-US"/>
           </a:p>
@@ -1486,7 +1485,7 @@
           <a:p>
             <a:fld id="{3A3568CC-110C-4346-A0AE-B1FBECAA9176}" type="slidenum">
               <a:rPr lang="en-US" smtClean="0"/>
-              <a:t>8</a:t>
+              <a:t>7</a:t>
             </a:fld>
             <a:endParaRPr lang="en-US"/>
           </a:p>
@@ -1570,7 +1569,7 @@
           <a:p>
             <a:fld id="{3A3568CC-110C-4346-A0AE-B1FBECAA9176}" type="slidenum">
               <a:rPr lang="en-US" smtClean="0"/>
-              <a:t>9</a:t>
+              <a:t>8</a:t>
             </a:fld>
             <a:endParaRPr lang="en-US"/>
           </a:p>
@@ -1654,7 +1653,7 @@
           <a:p>
             <a:fld id="{3A3568CC-110C-4346-A0AE-B1FBECAA9176}" type="slidenum">
               <a:rPr lang="en-US" smtClean="0"/>
-              <a:t>10</a:t>
+              <a:t>9</a:t>
             </a:fld>
             <a:endParaRPr lang="en-US"/>
           </a:p>
@@ -1738,7 +1737,7 @@
           <a:p>
             <a:fld id="{3A3568CC-110C-4346-A0AE-B1FBECAA9176}" type="slidenum">
               <a:rPr lang="en-US" smtClean="0"/>
-              <a:t>11</a:t>
+              <a:t>10</a:t>
             </a:fld>
             <a:endParaRPr lang="en-US"/>
           </a:p>
@@ -1938,7 +1937,7 @@
           <a:p>
             <a:fld id="{7793EDCB-5B64-3143-AFED-AA1357A092FA}" type="datetimeFigureOut">
               <a:rPr lang="en-US" smtClean="0"/>
-              <a:t>11/1/12</a:t>
+              <a:t>12/10/2012</a:t>
             </a:fld>
             <a:endParaRPr lang="en-US"/>
           </a:p>
@@ -2108,7 +2107,7 @@
           <a:p>
             <a:fld id="{7793EDCB-5B64-3143-AFED-AA1357A092FA}" type="datetimeFigureOut">
               <a:rPr lang="en-US" smtClean="0"/>
-              <a:t>11/1/12</a:t>
+              <a:t>12/10/2012</a:t>
             </a:fld>
             <a:endParaRPr lang="en-US"/>
           </a:p>
@@ -2288,7 +2287,7 @@
           <a:p>
             <a:fld id="{7793EDCB-5B64-3143-AFED-AA1357A092FA}" type="datetimeFigureOut">
               <a:rPr lang="en-US" smtClean="0"/>
-              <a:t>11/1/12</a:t>
+              <a:t>12/10/2012</a:t>
             </a:fld>
             <a:endParaRPr lang="en-US"/>
           </a:p>
@@ -2400,14 +2399,14 @@
             <a:noFill/>
           </a:ln>
           <a:extLst>
-            <a:ext uri="{909E8E84-426E-40dd-AFC4-6F175D3DCCD1}">
+            <a:ext uri="{909E8E84-426E-40DD-AFC4-6F175D3DCCD1}">
               <a14:hiddenFill xmlns:a14="http://schemas.microsoft.com/office/drawing/2010/main">
                 <a:solidFill>
                   <a:srgbClr val="FFFFFF"/>
                 </a:solidFill>
               </a14:hiddenFill>
             </a:ext>
-            <a:ext uri="{91240B29-F687-4f45-9708-019B960494DF}">
+            <a:ext uri="{91240B29-F687-4F45-9708-019B960494DF}">
               <a14:hiddenLine xmlns:a14="http://schemas.microsoft.com/office/drawing/2010/main" w="9525">
                 <a:solidFill>
                   <a:srgbClr val="000000"/>
@@ -2454,14 +2453,14 @@
             <a:noFill/>
           </a:ln>
           <a:extLst>
-            <a:ext uri="{909E8E84-426E-40dd-AFC4-6F175D3DCCD1}">
+            <a:ext uri="{909E8E84-426E-40DD-AFC4-6F175D3DCCD1}">
               <a14:hiddenFill xmlns:a14="http://schemas.microsoft.com/office/drawing/2010/main">
                 <a:solidFill>
                   <a:srgbClr val="FFFFFF"/>
                 </a:solidFill>
               </a14:hiddenFill>
             </a:ext>
-            <a:ext uri="{91240B29-F687-4f45-9708-019B960494DF}">
+            <a:ext uri="{91240B29-F687-4F45-9708-019B960494DF}">
               <a14:hiddenLine xmlns:a14="http://schemas.microsoft.com/office/drawing/2010/main" w="9525">
                 <a:solidFill>
                   <a:srgbClr val="000000"/>
@@ -2556,7 +2555,7 @@
   <p:clrMapOvr>
     <a:masterClrMapping/>
   </p:clrMapOvr>
-  <p:transition xmlns:p14="http://schemas.microsoft.com/office/powerpoint/2010/main" spd="slow">
+  <p:transition spd="slow">
     <p:fade/>
   </p:transition>
 </p:sldLayout>
@@ -2785,7 +2784,7 @@
   <p:clrMapOvr>
     <a:masterClrMapping/>
   </p:clrMapOvr>
-  <p:transition xmlns:p14="http://schemas.microsoft.com/office/powerpoint/2010/main" spd="slow">
+  <p:transition spd="slow">
     <p:fade/>
   </p:transition>
 </p:sldLayout>
@@ -3027,7 +3026,7 @@
   <p:clrMapOvr>
     <a:masterClrMapping/>
   </p:clrMapOvr>
-  <p:transition xmlns:p14="http://schemas.microsoft.com/office/powerpoint/2010/main" spd="slow">
+  <p:transition spd="slow">
     <p:fade/>
   </p:transition>
 </p:sldLayout>
@@ -3441,7 +3440,7 @@
   <p:clrMapOvr>
     <a:masterClrMapping/>
   </p:clrMapOvr>
-  <p:transition xmlns:p14="http://schemas.microsoft.com/office/powerpoint/2010/main" spd="slow">
+  <p:transition spd="slow">
     <p:fade/>
   </p:transition>
 </p:sldLayout>
@@ -3811,7 +3810,7 @@
   <p:clrMapOvr>
     <a:masterClrMapping/>
   </p:clrMapOvr>
-  <p:transition xmlns:p14="http://schemas.microsoft.com/office/powerpoint/2010/main" spd="slow">
+  <p:transition spd="slow">
     <p:fade/>
   </p:transition>
 </p:sldLayout>
@@ -4481,7 +4480,7 @@
   <p:clrMapOvr>
     <a:masterClrMapping/>
   </p:clrMapOvr>
-  <p:transition xmlns:p14="http://schemas.microsoft.com/office/powerpoint/2010/main" spd="slow">
+  <p:transition spd="slow">
     <p:fade/>
   </p:transition>
 </p:sldLayout>
@@ -4806,7 +4805,7 @@
   <p:clrMapOvr>
     <a:masterClrMapping/>
   </p:clrMapOvr>
-  <p:transition xmlns:p14="http://schemas.microsoft.com/office/powerpoint/2010/main" spd="slow">
+  <p:transition spd="slow">
     <p:fade/>
   </p:transition>
 </p:sldLayout>
@@ -5216,7 +5215,7 @@
   <p:clrMapOvr>
     <a:masterClrMapping/>
   </p:clrMapOvr>
-  <p:transition xmlns:p14="http://schemas.microsoft.com/office/powerpoint/2010/main" spd="slow">
+  <p:transition spd="slow">
     <p:fade/>
   </p:transition>
 </p:sldLayout>
@@ -5331,7 +5330,7 @@
           <a:p>
             <a:fld id="{7793EDCB-5B64-3143-AFED-AA1357A092FA}" type="datetimeFigureOut">
               <a:rPr lang="en-US" smtClean="0"/>
-              <a:t>11/1/12</a:t>
+              <a:t>12/10/2012</a:t>
             </a:fld>
             <a:endParaRPr lang="en-US"/>
           </a:p>
@@ -5711,7 +5710,7 @@
   <p:clrMapOvr>
     <a:masterClrMapping/>
   </p:clrMapOvr>
-  <p:transition xmlns:p14="http://schemas.microsoft.com/office/powerpoint/2010/main" spd="slow">
+  <p:transition spd="slow">
     <p:fade/>
   </p:transition>
 </p:sldLayout>
@@ -6121,7 +6120,7 @@
   <p:clrMapOvr>
     <a:masterClrMapping/>
   </p:clrMapOvr>
-  <p:transition xmlns:p14="http://schemas.microsoft.com/office/powerpoint/2010/main" spd="slow">
+  <p:transition spd="slow">
     <p:fade/>
   </p:transition>
 </p:sldLayout>
@@ -6446,7 +6445,7 @@
   <p:clrMapOvr>
     <a:masterClrMapping/>
   </p:clrMapOvr>
-  <p:transition xmlns:p14="http://schemas.microsoft.com/office/powerpoint/2010/main" spd="slow">
+  <p:transition spd="slow">
     <p:fade/>
   </p:transition>
 </p:sldLayout>
@@ -6771,7 +6770,7 @@
   <p:clrMapOvr>
     <a:masterClrMapping/>
   </p:clrMapOvr>
-  <p:transition xmlns:p14="http://schemas.microsoft.com/office/powerpoint/2010/main" spd="slow">
+  <p:transition spd="slow">
     <p:fade/>
   </p:transition>
 </p:sldLayout>
@@ -7181,7 +7180,7 @@
   <p:clrMapOvr>
     <a:masterClrMapping/>
   </p:clrMapOvr>
-  <p:transition xmlns:p14="http://schemas.microsoft.com/office/powerpoint/2010/main" spd="slow">
+  <p:transition spd="slow">
     <p:fade/>
   </p:transition>
 </p:sldLayout>
@@ -7591,7 +7590,7 @@
   <p:clrMapOvr>
     <a:masterClrMapping/>
   </p:clrMapOvr>
-  <p:transition xmlns:p14="http://schemas.microsoft.com/office/powerpoint/2010/main" spd="slow">
+  <p:transition spd="slow">
     <p:fade/>
   </p:transition>
 </p:sldLayout>
@@ -7783,7 +7782,7 @@
   <p:clrMapOvr>
     <a:masterClrMapping/>
   </p:clrMapOvr>
-  <p:transition xmlns:p14="http://schemas.microsoft.com/office/powerpoint/2010/main" spd="slow">
+  <p:transition spd="slow">
     <p:fade/>
   </p:transition>
 </p:sldLayout>
@@ -7869,7 +7868,7 @@
   <p:clrMapOvr>
     <a:masterClrMapping/>
   </p:clrMapOvr>
-  <p:transition xmlns:p14="http://schemas.microsoft.com/office/powerpoint/2010/main" spd="slow">
+  <p:transition spd="slow">
     <p:fade/>
   </p:transition>
 </p:sldLayout>
@@ -8023,7 +8022,7 @@
                   <a:spcPct val="0"/>
                 </a:spcAft>
               </a:pPr>
-              <a:t>11/1/12</a:t>
+              <a:t>10.12.2012</a:t>
             </a:fld>
             <a:endParaRPr lang="ru-RU">
               <a:solidFill>
@@ -8193,7 +8192,7 @@
   <p:clrMapOvr>
     <a:masterClrMapping/>
   </p:clrMapOvr>
-  <p:transition xmlns:p14="http://schemas.microsoft.com/office/powerpoint/2010/main" spd="slow">
+  <p:transition spd="slow">
     <p:fade/>
   </p:transition>
 </p:sldLayout>
@@ -8384,7 +8383,7 @@
           <a:p>
             <a:fld id="{7793EDCB-5B64-3143-AFED-AA1357A092FA}" type="datetimeFigureOut">
               <a:rPr lang="en-US" smtClean="0"/>
-              <a:t>11/1/12</a:t>
+              <a:t>12/10/2012</a:t>
             </a:fld>
             <a:endParaRPr lang="en-US"/>
           </a:p>
@@ -8627,14 +8626,14 @@
             <a:noFill/>
           </a:ln>
           <a:extLst>
-            <a:ext uri="{909E8E84-426E-40dd-AFC4-6F175D3DCCD1}">
+            <a:ext uri="{909E8E84-426E-40DD-AFC4-6F175D3DCCD1}">
               <a14:hiddenFill xmlns:a14="http://schemas.microsoft.com/office/drawing/2010/main">
                 <a:solidFill>
                   <a:srgbClr val="FFFFFF"/>
                 </a:solidFill>
               </a14:hiddenFill>
             </a:ext>
-            <a:ext uri="{91240B29-F687-4f45-9708-019B960494DF}">
+            <a:ext uri="{91240B29-F687-4F45-9708-019B960494DF}">
               <a14:hiddenLine xmlns:a14="http://schemas.microsoft.com/office/drawing/2010/main" w="9525">
                 <a:solidFill>
                   <a:srgbClr val="000000"/>
@@ -8770,14 +8769,14 @@
             <a:noFill/>
           </a:ln>
           <a:extLst>
-            <a:ext uri="{909E8E84-426E-40dd-AFC4-6F175D3DCCD1}">
+            <a:ext uri="{909E8E84-426E-40DD-AFC4-6F175D3DCCD1}">
               <a14:hiddenFill xmlns:a14="http://schemas.microsoft.com/office/drawing/2010/main">
                 <a:solidFill>
                   <a:srgbClr val="FFFFFF"/>
                 </a:solidFill>
               </a14:hiddenFill>
             </a:ext>
-            <a:ext uri="{91240B29-F687-4f45-9708-019B960494DF}">
+            <a:ext uri="{91240B29-F687-4F45-9708-019B960494DF}">
               <a14:hiddenLine xmlns:a14="http://schemas.microsoft.com/office/drawing/2010/main" w="9525">
                 <a:solidFill>
                   <a:srgbClr val="000000"/>
@@ -8824,14 +8823,14 @@
             <a:noFill/>
           </a:ln>
           <a:extLst>
-            <a:ext uri="{909E8E84-426E-40dd-AFC4-6F175D3DCCD1}">
+            <a:ext uri="{909E8E84-426E-40DD-AFC4-6F175D3DCCD1}">
               <a14:hiddenFill xmlns:a14="http://schemas.microsoft.com/office/drawing/2010/main">
                 <a:solidFill>
                   <a:srgbClr val="FFFFFF"/>
                 </a:solidFill>
               </a14:hiddenFill>
             </a:ext>
-            <a:ext uri="{91240B29-F687-4f45-9708-019B960494DF}">
+            <a:ext uri="{91240B29-F687-4F45-9708-019B960494DF}">
               <a14:hiddenLine xmlns:a14="http://schemas.microsoft.com/office/drawing/2010/main" w="9525">
                 <a:solidFill>
                   <a:srgbClr val="000000"/>
@@ -9100,7 +9099,7 @@
   <p:clrMapOvr>
     <a:masterClrMapping/>
   </p:clrMapOvr>
-  <p:transition xmlns:p14="http://schemas.microsoft.com/office/powerpoint/2010/main">
+  <p:transition>
     <p:zoom/>
   </p:transition>
 </p:sldLayout>
@@ -9329,7 +9328,7 @@
   <p:clrMapOvr>
     <a:masterClrMapping/>
   </p:clrMapOvr>
-  <p:transition xmlns:p14="http://schemas.microsoft.com/office/powerpoint/2010/main" spd="slow">
+  <p:transition spd="slow">
     <p:fade/>
   </p:transition>
 </p:sldLayout>
@@ -9386,14 +9385,14 @@
             <a:noFill/>
           </a:ln>
           <a:extLst>
-            <a:ext uri="{909E8E84-426E-40dd-AFC4-6F175D3DCCD1}">
+            <a:ext uri="{909E8E84-426E-40DD-AFC4-6F175D3DCCD1}">
               <a14:hiddenFill xmlns:a14="http://schemas.microsoft.com/office/drawing/2010/main">
                 <a:solidFill>
                   <a:srgbClr val="FFFFFF"/>
                 </a:solidFill>
               </a14:hiddenFill>
             </a:ext>
-            <a:ext uri="{91240B29-F687-4f45-9708-019B960494DF}">
+            <a:ext uri="{91240B29-F687-4F45-9708-019B960494DF}">
               <a14:hiddenLine xmlns:a14="http://schemas.microsoft.com/office/drawing/2010/main" w="9525">
                 <a:solidFill>
                   <a:srgbClr val="000000"/>
@@ -9529,14 +9528,14 @@
             <a:noFill/>
           </a:ln>
           <a:extLst>
-            <a:ext uri="{909E8E84-426E-40dd-AFC4-6F175D3DCCD1}">
+            <a:ext uri="{909E8E84-426E-40DD-AFC4-6F175D3DCCD1}">
               <a14:hiddenFill xmlns:a14="http://schemas.microsoft.com/office/drawing/2010/main">
                 <a:solidFill>
                   <a:srgbClr val="FFFFFF"/>
                 </a:solidFill>
               </a14:hiddenFill>
             </a:ext>
-            <a:ext uri="{91240B29-F687-4f45-9708-019B960494DF}">
+            <a:ext uri="{91240B29-F687-4F45-9708-019B960494DF}">
               <a14:hiddenLine xmlns:a14="http://schemas.microsoft.com/office/drawing/2010/main" w="9525">
                 <a:solidFill>
                   <a:srgbClr val="000000"/>
@@ -9583,14 +9582,14 @@
             <a:noFill/>
           </a:ln>
           <a:extLst>
-            <a:ext uri="{909E8E84-426E-40dd-AFC4-6F175D3DCCD1}">
+            <a:ext uri="{909E8E84-426E-40DD-AFC4-6F175D3DCCD1}">
               <a14:hiddenFill xmlns:a14="http://schemas.microsoft.com/office/drawing/2010/main">
                 <a:solidFill>
                   <a:srgbClr val="FFFFFF"/>
                 </a:solidFill>
               </a14:hiddenFill>
             </a:ext>
-            <a:ext uri="{91240B29-F687-4f45-9708-019B960494DF}">
+            <a:ext uri="{91240B29-F687-4F45-9708-019B960494DF}">
               <a14:hiddenLine xmlns:a14="http://schemas.microsoft.com/office/drawing/2010/main" w="9525">
                 <a:solidFill>
                   <a:srgbClr val="000000"/>
@@ -9859,7 +9858,7 @@
   <p:clrMapOvr>
     <a:masterClrMapping/>
   </p:clrMapOvr>
-  <p:transition xmlns:p14="http://schemas.microsoft.com/office/powerpoint/2010/main">
+  <p:transition>
     <p:zoom/>
   </p:transition>
 </p:sldLayout>
@@ -9916,14 +9915,14 @@
             <a:noFill/>
           </a:ln>
           <a:extLst>
-            <a:ext uri="{909E8E84-426E-40dd-AFC4-6F175D3DCCD1}">
+            <a:ext uri="{909E8E84-426E-40DD-AFC4-6F175D3DCCD1}">
               <a14:hiddenFill xmlns:a14="http://schemas.microsoft.com/office/drawing/2010/main">
                 <a:solidFill>
                   <a:srgbClr val="FFFFFF"/>
                 </a:solidFill>
               </a14:hiddenFill>
             </a:ext>
-            <a:ext uri="{91240B29-F687-4f45-9708-019B960494DF}">
+            <a:ext uri="{91240B29-F687-4F45-9708-019B960494DF}">
               <a14:hiddenLine xmlns:a14="http://schemas.microsoft.com/office/drawing/2010/main" w="9525">
                 <a:solidFill>
                   <a:srgbClr val="000000"/>
@@ -10059,14 +10058,14 @@
             <a:noFill/>
           </a:ln>
           <a:extLst>
-            <a:ext uri="{909E8E84-426E-40dd-AFC4-6F175D3DCCD1}">
+            <a:ext uri="{909E8E84-426E-40DD-AFC4-6F175D3DCCD1}">
               <a14:hiddenFill xmlns:a14="http://schemas.microsoft.com/office/drawing/2010/main">
                 <a:solidFill>
                   <a:srgbClr val="FFFFFF"/>
                 </a:solidFill>
               </a14:hiddenFill>
             </a:ext>
-            <a:ext uri="{91240B29-F687-4f45-9708-019B960494DF}">
+            <a:ext uri="{91240B29-F687-4F45-9708-019B960494DF}">
               <a14:hiddenLine xmlns:a14="http://schemas.microsoft.com/office/drawing/2010/main" w="9525">
                 <a:solidFill>
                   <a:srgbClr val="000000"/>
@@ -10113,14 +10112,14 @@
             <a:noFill/>
           </a:ln>
           <a:extLst>
-            <a:ext uri="{909E8E84-426E-40dd-AFC4-6F175D3DCCD1}">
+            <a:ext uri="{909E8E84-426E-40DD-AFC4-6F175D3DCCD1}">
               <a14:hiddenFill xmlns:a14="http://schemas.microsoft.com/office/drawing/2010/main">
                 <a:solidFill>
                   <a:srgbClr val="FFFFFF"/>
                 </a:solidFill>
               </a14:hiddenFill>
             </a:ext>
-            <a:ext uri="{91240B29-F687-4f45-9708-019B960494DF}">
+            <a:ext uri="{91240B29-F687-4F45-9708-019B960494DF}">
               <a14:hiddenLine xmlns:a14="http://schemas.microsoft.com/office/drawing/2010/main" w="9525">
                 <a:solidFill>
                   <a:srgbClr val="000000"/>
@@ -10389,7 +10388,7 @@
   <p:clrMapOvr>
     <a:masterClrMapping/>
   </p:clrMapOvr>
-  <p:transition xmlns:p14="http://schemas.microsoft.com/office/powerpoint/2010/main">
+  <p:transition>
     <p:zoom/>
   </p:transition>
   <p:hf hdr="0" ftr="0" dt="0"/>
@@ -10501,14 +10500,14 @@
             <a:noFill/>
           </a:ln>
           <a:extLst>
-            <a:ext uri="{909E8E84-426E-40dd-AFC4-6F175D3DCCD1}">
+            <a:ext uri="{909E8E84-426E-40DD-AFC4-6F175D3DCCD1}">
               <a14:hiddenFill xmlns:a14="http://schemas.microsoft.com/office/drawing/2010/main">
                 <a:solidFill>
                   <a:srgbClr val="FFFFFF"/>
                 </a:solidFill>
               </a14:hiddenFill>
             </a:ext>
-            <a:ext uri="{91240B29-F687-4f45-9708-019B960494DF}">
+            <a:ext uri="{91240B29-F687-4F45-9708-019B960494DF}">
               <a14:hiddenLine xmlns:a14="http://schemas.microsoft.com/office/drawing/2010/main" w="9525">
                 <a:solidFill>
                   <a:srgbClr val="000000"/>
@@ -10555,14 +10554,14 @@
             <a:noFill/>
           </a:ln>
           <a:extLst>
-            <a:ext uri="{909E8E84-426E-40dd-AFC4-6F175D3DCCD1}">
+            <a:ext uri="{909E8E84-426E-40DD-AFC4-6F175D3DCCD1}">
               <a14:hiddenFill xmlns:a14="http://schemas.microsoft.com/office/drawing/2010/main">
                 <a:solidFill>
                   <a:srgbClr val="FFFFFF"/>
                 </a:solidFill>
               </a14:hiddenFill>
             </a:ext>
-            <a:ext uri="{91240B29-F687-4f45-9708-019B960494DF}">
+            <a:ext uri="{91240B29-F687-4F45-9708-019B960494DF}">
               <a14:hiddenLine xmlns:a14="http://schemas.microsoft.com/office/drawing/2010/main" w="9525">
                 <a:solidFill>
                   <a:srgbClr val="000000"/>
@@ -10666,14 +10665,14 @@
             <a:noFill/>
           </a:ln>
           <a:extLst>
-            <a:ext uri="{909E8E84-426E-40dd-AFC4-6F175D3DCCD1}">
+            <a:ext uri="{909E8E84-426E-40DD-AFC4-6F175D3DCCD1}">
               <a14:hiddenFill xmlns:a14="http://schemas.microsoft.com/office/drawing/2010/main">
                 <a:solidFill>
                   <a:srgbClr val="FFFFFF"/>
                 </a:solidFill>
               </a14:hiddenFill>
             </a:ext>
-            <a:ext uri="{91240B29-F687-4f45-9708-019B960494DF}">
+            <a:ext uri="{91240B29-F687-4F45-9708-019B960494DF}">
               <a14:hiddenLine xmlns:a14="http://schemas.microsoft.com/office/drawing/2010/main" w="9525">
                 <a:solidFill>
                   <a:srgbClr val="000000"/>
@@ -10785,7 +10784,7 @@
   <p:clrMapOvr>
     <a:masterClrMapping/>
   </p:clrMapOvr>
-  <p:transition xmlns:p14="http://schemas.microsoft.com/office/powerpoint/2010/main">
+  <p:transition>
     <p:zoom/>
   </p:transition>
   <p:hf hdr="0" ftr="0" dt="0"/>
@@ -10899,7 +10898,7 @@
   <p:clrMapOvr>
     <a:masterClrMapping/>
   </p:clrMapOvr>
-  <p:transition xmlns:p14="http://schemas.microsoft.com/office/powerpoint/2010/main">
+  <p:transition>
     <p:zoom/>
   </p:transition>
   <p:hf hdr="0" ftr="0" dt="0"/>
@@ -12176,7 +12175,7 @@
   <p:clrMapOvr>
     <a:masterClrMapping/>
   </p:clrMapOvr>
-  <p:transition xmlns:p14="http://schemas.microsoft.com/office/powerpoint/2010/main">
+  <p:transition>
     <p:zoom/>
   </p:transition>
   <p:hf hdr="0" ftr="0" dt="0"/>
@@ -12977,7 +12976,7 @@
   <p:clrMapOvr>
     <a:masterClrMapping/>
   </p:clrMapOvr>
-  <p:transition xmlns:p14="http://schemas.microsoft.com/office/powerpoint/2010/main">
+  <p:transition>
     <p:zoom/>
   </p:transition>
   <p:hf hdr="0" ftr="0" dt="0"/>
@@ -13120,7 +13119,7 @@
   <p:clrMapOvr>
     <a:masterClrMapping/>
   </p:clrMapOvr>
-  <p:transition xmlns:p14="http://schemas.microsoft.com/office/powerpoint/2010/main">
+  <p:transition>
     <p:zoom/>
   </p:transition>
   <p:hf hdr="0" ftr="0" dt="0"/>
@@ -13354,7 +13353,7 @@
           <a:p>
             <a:fld id="{7793EDCB-5B64-3143-AFED-AA1357A092FA}" type="datetimeFigureOut">
               <a:rPr lang="en-US" smtClean="0"/>
-              <a:t>11/1/12</a:t>
+              <a:t>12/10/2012</a:t>
             </a:fld>
             <a:endParaRPr lang="en-US"/>
           </a:p>
@@ -13561,7 +13560,7 @@
   <p:clrMapOvr>
     <a:masterClrMapping/>
   </p:clrMapOvr>
-  <p:transition xmlns:p14="http://schemas.microsoft.com/office/powerpoint/2010/main">
+  <p:transition>
     <p:zoom/>
   </p:transition>
   <p:hf hdr="0" ftr="0" dt="0"/>
@@ -13712,7 +13711,7 @@
   <p:clrMapOvr>
     <a:masterClrMapping/>
   </p:clrMapOvr>
-  <p:transition xmlns:p14="http://schemas.microsoft.com/office/powerpoint/2010/main">
+  <p:transition>
     <p:zoom/>
   </p:transition>
   <p:hf hdr="0" ftr="0" dt="0"/>
@@ -13770,14 +13769,14 @@
             <a:noFill/>
           </a:ln>
           <a:extLst>
-            <a:ext uri="{909E8E84-426E-40dd-AFC4-6F175D3DCCD1}">
+            <a:ext uri="{909E8E84-426E-40DD-AFC4-6F175D3DCCD1}">
               <a14:hiddenFill xmlns:a14="http://schemas.microsoft.com/office/drawing/2010/main">
                 <a:solidFill>
                   <a:srgbClr val="FFFFFF"/>
                 </a:solidFill>
               </a14:hiddenFill>
             </a:ext>
-            <a:ext uri="{91240B29-F687-4f45-9708-019B960494DF}">
+            <a:ext uri="{91240B29-F687-4F45-9708-019B960494DF}">
               <a14:hiddenLine xmlns:a14="http://schemas.microsoft.com/office/drawing/2010/main" w="9525">
                 <a:solidFill>
                   <a:srgbClr val="000000"/>
@@ -13880,14 +13879,14 @@
             <a:noFill/>
           </a:ln>
           <a:extLst>
-            <a:ext uri="{909E8E84-426E-40dd-AFC4-6F175D3DCCD1}">
+            <a:ext uri="{909E8E84-426E-40DD-AFC4-6F175D3DCCD1}">
               <a14:hiddenFill xmlns:a14="http://schemas.microsoft.com/office/drawing/2010/main">
                 <a:solidFill>
                   <a:srgbClr val="FFFFFF"/>
                 </a:solidFill>
               </a14:hiddenFill>
             </a:ext>
-            <a:ext uri="{91240B29-F687-4f45-9708-019B960494DF}">
+            <a:ext uri="{91240B29-F687-4F45-9708-019B960494DF}">
               <a14:hiddenLine xmlns:a14="http://schemas.microsoft.com/office/drawing/2010/main" w="9525">
                 <a:solidFill>
                   <a:srgbClr val="000000"/>
@@ -13934,14 +13933,14 @@
             <a:noFill/>
           </a:ln>
           <a:extLst>
-            <a:ext uri="{909E8E84-426E-40dd-AFC4-6F175D3DCCD1}">
+            <a:ext uri="{909E8E84-426E-40DD-AFC4-6F175D3DCCD1}">
               <a14:hiddenFill xmlns:a14="http://schemas.microsoft.com/office/drawing/2010/main">
                 <a:solidFill>
                   <a:srgbClr val="FFFFFF"/>
                 </a:solidFill>
               </a14:hiddenFill>
             </a:ext>
-            <a:ext uri="{91240B29-F687-4f45-9708-019B960494DF}">
+            <a:ext uri="{91240B29-F687-4F45-9708-019B960494DF}">
               <a14:hiddenLine xmlns:a14="http://schemas.microsoft.com/office/drawing/2010/main" w="9525">
                 <a:solidFill>
                   <a:srgbClr val="000000"/>
@@ -14244,7 +14243,7 @@
   <p:clrMapOvr>
     <a:masterClrMapping/>
   </p:clrMapOvr>
-  <p:transition xmlns:p14="http://schemas.microsoft.com/office/powerpoint/2010/main">
+  <p:transition>
     <p:zoom/>
   </p:transition>
   <p:hf hdr="0" ftr="0" dt="0"/>
@@ -14474,7 +14473,7 @@
   <p:clrMapOvr>
     <a:masterClrMapping/>
   </p:clrMapOvr>
-  <p:transition xmlns:p14="http://schemas.microsoft.com/office/powerpoint/2010/main" spd="slow">
+  <p:transition spd="slow">
     <p:fade/>
   </p:transition>
 </p:sldLayout>
@@ -14972,7 +14971,7 @@
           <a:p>
             <a:fld id="{7793EDCB-5B64-3143-AFED-AA1357A092FA}" type="datetimeFigureOut">
               <a:rPr lang="en-US" smtClean="0"/>
-              <a:t>11/1/12</a:t>
+              <a:t>12/10/2012</a:t>
             </a:fld>
             <a:endParaRPr lang="en-US"/>
           </a:p>
@@ -15090,7 +15089,7 @@
           <a:p>
             <a:fld id="{7793EDCB-5B64-3143-AFED-AA1357A092FA}" type="datetimeFigureOut">
               <a:rPr lang="en-US" smtClean="0"/>
-              <a:t>11/1/12</a:t>
+              <a:t>12/10/2012</a:t>
             </a:fld>
             <a:endParaRPr lang="en-US"/>
           </a:p>
@@ -15185,7 +15184,7 @@
           <a:p>
             <a:fld id="{7793EDCB-5B64-3143-AFED-AA1357A092FA}" type="datetimeFigureOut">
               <a:rPr lang="en-US" smtClean="0"/>
-              <a:t>11/1/12</a:t>
+              <a:t>12/10/2012</a:t>
             </a:fld>
             <a:endParaRPr lang="en-US"/>
           </a:p>
@@ -15462,7 +15461,7 @@
           <a:p>
             <a:fld id="{7793EDCB-5B64-3143-AFED-AA1357A092FA}" type="datetimeFigureOut">
               <a:rPr lang="en-US" smtClean="0"/>
-              <a:t>11/1/12</a:t>
+              <a:t>12/10/2012</a:t>
             </a:fld>
             <a:endParaRPr lang="en-US"/>
           </a:p>
@@ -15715,7 +15714,7 @@
           <a:p>
             <a:fld id="{7793EDCB-5B64-3143-AFED-AA1357A092FA}" type="datetimeFigureOut">
               <a:rPr lang="en-US" smtClean="0"/>
-              <a:t>11/1/12</a:t>
+              <a:t>12/10/2012</a:t>
             </a:fld>
             <a:endParaRPr lang="en-US"/>
           </a:p>
@@ -15928,7 +15927,7 @@
           <a:p>
             <a:fld id="{7793EDCB-5B64-3143-AFED-AA1357A092FA}" type="datetimeFigureOut">
               <a:rPr lang="en-US" smtClean="0"/>
-              <a:t>11/1/12</a:t>
+              <a:t>12/10/2012</a:t>
             </a:fld>
             <a:endParaRPr lang="en-US"/>
           </a:p>
@@ -16345,14 +16344,14 @@
             <a:noFill/>
           </a:ln>
           <a:extLst>
-            <a:ext uri="{909E8E84-426E-40dd-AFC4-6F175D3DCCD1}">
+            <a:ext uri="{909E8E84-426E-40DD-AFC4-6F175D3DCCD1}">
               <a14:hiddenFill xmlns:a14="http://schemas.microsoft.com/office/drawing/2010/main">
                 <a:solidFill>
                   <a:srgbClr val="FFFFFF"/>
                 </a:solidFill>
               </a14:hiddenFill>
             </a:ext>
-            <a:ext uri="{91240B29-F687-4f45-9708-019B960494DF}">
+            <a:ext uri="{91240B29-F687-4F45-9708-019B960494DF}">
               <a14:hiddenLine xmlns:a14="http://schemas.microsoft.com/office/drawing/2010/main" w="9525">
                 <a:solidFill>
                   <a:srgbClr val="000000"/>
@@ -16388,14 +16387,14 @@
             <a:noFill/>
           </a:ln>
           <a:extLst>
-            <a:ext uri="{909E8E84-426E-40dd-AFC4-6F175D3DCCD1}">
+            <a:ext uri="{909E8E84-426E-40DD-AFC4-6F175D3DCCD1}">
               <a14:hiddenFill xmlns:a14="http://schemas.microsoft.com/office/drawing/2010/main">
                 <a:solidFill>
                   <a:srgbClr val="FFFFFF"/>
                 </a:solidFill>
               </a14:hiddenFill>
             </a:ext>
-            <a:ext uri="{91240B29-F687-4f45-9708-019B960494DF}">
+            <a:ext uri="{91240B29-F687-4F45-9708-019B960494DF}">
               <a14:hiddenLine xmlns:a14="http://schemas.microsoft.com/office/drawing/2010/main" w="9525">
                 <a:solidFill>
                   <a:srgbClr val="000000"/>
@@ -16406,7 +16405,7 @@
               </a14:hiddenLine>
             </a:ext>
             <a:ext uri="{FAA26D3D-D897-4be2-8F04-BA451C77F1D7}">
-              <ma14:placeholderFlag xmlns:ma14="http://schemas.microsoft.com/office/mac/drawingml/2011/main" val="1"/>
+              <ma14:placeholderFlag xmlns:ma14="http://schemas.microsoft.com/office/mac/drawingml/2011/main" xmlns="" val="1"/>
             </a:ext>
           </a:extLst>
         </p:spPr>
@@ -16449,14 +16448,14 @@
             <a:noFill/>
           </a:ln>
           <a:extLst>
-            <a:ext uri="{909E8E84-426E-40dd-AFC4-6F175D3DCCD1}">
+            <a:ext uri="{909E8E84-426E-40DD-AFC4-6F175D3DCCD1}">
               <a14:hiddenFill xmlns:a14="http://schemas.microsoft.com/office/drawing/2010/main">
                 <a:solidFill>
                   <a:srgbClr val="FFFFFF"/>
                 </a:solidFill>
               </a14:hiddenFill>
             </a:ext>
-            <a:ext uri="{91240B29-F687-4f45-9708-019B960494DF}">
+            <a:ext uri="{91240B29-F687-4F45-9708-019B960494DF}">
               <a14:hiddenLine xmlns:a14="http://schemas.microsoft.com/office/drawing/2010/main" w="9525">
                 <a:solidFill>
                   <a:srgbClr val="000000"/>
@@ -16467,7 +16466,7 @@
               </a14:hiddenLine>
             </a:ext>
             <a:ext uri="{FAA26D3D-D897-4be2-8F04-BA451C77F1D7}">
-              <ma14:placeholderFlag xmlns:ma14="http://schemas.microsoft.com/office/mac/drawingml/2011/main" val="1"/>
+              <ma14:placeholderFlag xmlns:ma14="http://schemas.microsoft.com/office/mac/drawingml/2011/main" xmlns="" val="1"/>
             </a:ext>
           </a:extLst>
         </p:spPr>
@@ -16549,14 +16548,14 @@
             <a:noFill/>
           </a:ln>
           <a:extLst>
-            <a:ext uri="{909E8E84-426E-40dd-AFC4-6F175D3DCCD1}">
+            <a:ext uri="{909E8E84-426E-40DD-AFC4-6F175D3DCCD1}">
               <a14:hiddenFill xmlns:a14="http://schemas.microsoft.com/office/drawing/2010/main">
                 <a:solidFill>
                   <a:srgbClr val="FFFFFF"/>
                 </a:solidFill>
               </a14:hiddenFill>
             </a:ext>
-            <a:ext uri="{91240B29-F687-4f45-9708-019B960494DF}">
+            <a:ext uri="{91240B29-F687-4F45-9708-019B960494DF}">
               <a14:hiddenLine xmlns:a14="http://schemas.microsoft.com/office/drawing/2010/main" w="9525">
                 <a:solidFill>
                   <a:srgbClr val="000000"/>
@@ -16782,14 +16781,14 @@
             <a:noFill/>
           </a:ln>
           <a:extLst>
-            <a:ext uri="{909E8E84-426E-40dd-AFC4-6F175D3DCCD1}">
+            <a:ext uri="{909E8E84-426E-40DD-AFC4-6F175D3DCCD1}">
               <a14:hiddenFill xmlns:a14="http://schemas.microsoft.com/office/drawing/2010/main">
                 <a:solidFill>
                   <a:srgbClr val="FFFFFF"/>
                 </a:solidFill>
               </a14:hiddenFill>
             </a:ext>
-            <a:ext uri="{91240B29-F687-4f45-9708-019B960494DF}">
+            <a:ext uri="{91240B29-F687-4F45-9708-019B960494DF}">
               <a14:hiddenLine xmlns:a14="http://schemas.microsoft.com/office/drawing/2010/main" w="9525">
                 <a:solidFill>
                   <a:srgbClr val="000000"/>
@@ -16833,7 +16832,7 @@
     <p:sldLayoutId id="2147483681" r:id="rId20"/>
     <p:sldLayoutId id="2147483693" r:id="rId21"/>
   </p:sldLayoutIdLst>
-  <p:transition xmlns:p14="http://schemas.microsoft.com/office/powerpoint/2010/main" spd="slow">
+  <p:transition spd="slow">
     <p:fade/>
   </p:transition>
   <p:hf hdr="0" ftr="0" dt="0"/>
@@ -17375,14 +17374,14 @@
             <a:noFill/>
           </a:ln>
           <a:extLst>
-            <a:ext uri="{909E8E84-426E-40dd-AFC4-6F175D3DCCD1}">
+            <a:ext uri="{909E8E84-426E-40DD-AFC4-6F175D3DCCD1}">
               <a14:hiddenFill xmlns:a14="http://schemas.microsoft.com/office/drawing/2010/main">
                 <a:solidFill>
                   <a:srgbClr val="FFFFFF"/>
                 </a:solidFill>
               </a14:hiddenFill>
             </a:ext>
-            <a:ext uri="{91240B29-F687-4f45-9708-019B960494DF}">
+            <a:ext uri="{91240B29-F687-4F45-9708-019B960494DF}">
               <a14:hiddenLine xmlns:a14="http://schemas.microsoft.com/office/drawing/2010/main" w="9525">
                 <a:solidFill>
                   <a:srgbClr val="000000"/>
@@ -17393,7 +17392,7 @@
               </a14:hiddenLine>
             </a:ext>
             <a:ext uri="{FAA26D3D-D897-4be2-8F04-BA451C77F1D7}">
-              <ma14:placeholderFlag xmlns:ma14="http://schemas.microsoft.com/office/mac/drawingml/2011/main" val="1"/>
+              <ma14:placeholderFlag xmlns:ma14="http://schemas.microsoft.com/office/mac/drawingml/2011/main" xmlns="" val="1"/>
             </a:ext>
           </a:extLst>
         </p:spPr>
@@ -17614,14 +17613,14 @@
             <a:noFill/>
           </a:ln>
           <a:extLst>
-            <a:ext uri="{909E8E84-426E-40dd-AFC4-6F175D3DCCD1}">
+            <a:ext uri="{909E8E84-426E-40DD-AFC4-6F175D3DCCD1}">
               <a14:hiddenFill xmlns:a14="http://schemas.microsoft.com/office/drawing/2010/main">
                 <a:solidFill>
                   <a:srgbClr val="FFFFFF"/>
                 </a:solidFill>
               </a14:hiddenFill>
             </a:ext>
-            <a:ext uri="{91240B29-F687-4f45-9708-019B960494DF}">
+            <a:ext uri="{91240B29-F687-4F45-9708-019B960494DF}">
               <a14:hiddenLine xmlns:a14="http://schemas.microsoft.com/office/drawing/2010/main" w="9525">
                 <a:solidFill>
                   <a:srgbClr val="000000"/>
@@ -17783,14 +17782,14 @@
             <a:noFill/>
           </a:ln>
           <a:extLst>
-            <a:ext uri="{909E8E84-426E-40dd-AFC4-6F175D3DCCD1}">
+            <a:ext uri="{909E8E84-426E-40DD-AFC4-6F175D3DCCD1}">
               <a14:hiddenFill xmlns:a14="http://schemas.microsoft.com/office/drawing/2010/main">
                 <a:solidFill>
                   <a:srgbClr val="FFFFFF"/>
                 </a:solidFill>
               </a14:hiddenFill>
             </a:ext>
-            <a:ext uri="{91240B29-F687-4f45-9708-019B960494DF}">
+            <a:ext uri="{91240B29-F687-4F45-9708-019B960494DF}">
               <a14:hiddenLine xmlns:a14="http://schemas.microsoft.com/office/drawing/2010/main" w="9525">
                 <a:solidFill>
                   <a:srgbClr val="000000"/>
@@ -17801,7 +17800,7 @@
               </a14:hiddenLine>
             </a:ext>
             <a:ext uri="{FAA26D3D-D897-4be2-8F04-BA451C77F1D7}">
-              <ma14:placeholderFlag xmlns:ma14="http://schemas.microsoft.com/office/mac/drawingml/2011/main" val="1"/>
+              <ma14:placeholderFlag xmlns:ma14="http://schemas.microsoft.com/office/mac/drawingml/2011/main" xmlns="" val="1"/>
             </a:ext>
           </a:extLst>
         </p:spPr>
@@ -18035,14 +18034,14 @@
             <a:noFill/>
           </a:ln>
           <a:extLst>
-            <a:ext uri="{909E8E84-426E-40dd-AFC4-6F175D3DCCD1}">
+            <a:ext uri="{909E8E84-426E-40DD-AFC4-6F175D3DCCD1}">
               <a14:hiddenFill xmlns:a14="http://schemas.microsoft.com/office/drawing/2010/main">
                 <a:solidFill>
                   <a:srgbClr val="FFFFFF"/>
                 </a:solidFill>
               </a14:hiddenFill>
             </a:ext>
-            <a:ext uri="{91240B29-F687-4f45-9708-019B960494DF}">
+            <a:ext uri="{91240B29-F687-4F45-9708-019B960494DF}">
               <a14:hiddenLine xmlns:a14="http://schemas.microsoft.com/office/drawing/2010/main" w="9525">
                 <a:solidFill>
                   <a:srgbClr val="000000"/>
@@ -18072,13 +18071,13 @@
     <p:sldLayoutId id="2147483705" r:id="rId11"/>
     <p:sldLayoutId id="2147483706" r:id="rId12"/>
   </p:sldLayoutIdLst>
-  <p:transition xmlns:p14="http://schemas.microsoft.com/office/powerpoint/2010/main" spd="slow">
+  <p:transition spd="slow">
     <p:fade/>
   </p:transition>
   <p:timing>
     <p:tnLst>
       <p:par>
-        <p:cTn xmlns:p14="http://schemas.microsoft.com/office/powerpoint/2010/main" id="1" dur="indefinite" restart="never" nodeType="tmRoot"/>
+        <p:cTn id="1" dur="indefinite" restart="never" nodeType="tmRoot"/>
       </p:par>
     </p:tnLst>
   </p:timing>
@@ -18502,11 +18501,7 @@
           <a:p>
             <a:r>
               <a:rPr lang="en-US" dirty="0" smtClean="0"/>
-              <a:t>Module </a:t>
-            </a:r>
-            <a:r>
-              <a:rPr lang="en-US" dirty="0" smtClean="0"/>
-              <a:t>13</a:t>
+              <a:t>Module 13</a:t>
             </a:r>
             <a:endParaRPr lang="en-US" dirty="0"/>
           </a:p>
@@ -18582,13 +18577,13 @@
   <p:clrMapOvr>
     <a:masterClrMapping/>
   </p:clrMapOvr>
-  <p:transition xmlns:p14="http://schemas.microsoft.com/office/powerpoint/2010/main">
+  <p:transition>
     <p:zoom/>
   </p:transition>
   <p:timing>
     <p:tnLst>
       <p:par>
-        <p:cTn xmlns:p14="http://schemas.microsoft.com/office/powerpoint/2010/main" id="1" dur="indefinite" restart="never" nodeType="tmRoot"/>
+        <p:cTn id="1" dur="indefinite" restart="never" nodeType="tmRoot"/>
       </p:par>
     </p:tnLst>
   </p:timing>
@@ -18683,7 +18678,7 @@
                   <a:schemeClr val="accent4"/>
                 </a:solidFill>
               </a:rPr>
-              <a:t>При наличии модульных тестов, пишется только тот код, который необходим для их успешного </a:t>
+              <a:t>Разрабатывая небольшими шагами, вы всегда знаете, что вас ждет дальше – вы двигаетесь без </a:t>
             </a:r>
             <a:r>
               <a:rPr lang="ru-RU" dirty="0" smtClean="0">
@@ -18691,7 +18686,7 @@
                   <a:schemeClr val="accent4"/>
                 </a:solidFill>
               </a:rPr>
-              <a:t>выполнения</a:t>
+              <a:t>промедления</a:t>
             </a:r>
             <a:endParaRPr lang="en-US" dirty="0" smtClean="0">
               <a:solidFill>
@@ -18729,7 +18724,7 @@
                   <a:schemeClr val="accent4"/>
                 </a:solidFill>
               </a:rPr>
-              <a:t>Классы становятся меньше по размеру и выполняют четко определенный набор </a:t>
+              <a:t>Использование unit-тестов существенно сокращает время, проводимое в </a:t>
             </a:r>
             <a:r>
               <a:rPr lang="ru-RU" dirty="0" smtClean="0">
@@ -18737,7 +18732,7 @@
                   <a:schemeClr val="accent4"/>
                 </a:solidFill>
               </a:rPr>
-              <a:t>функций</a:t>
+              <a:t>отладчике</a:t>
             </a:r>
             <a:endParaRPr lang="en-US" dirty="0" smtClean="0">
               <a:solidFill>
@@ -18770,20 +18765,20 @@
               <a:buChar char="§"/>
             </a:pPr>
             <a:r>
+              <a:rPr lang="ru-RU" dirty="0" smtClean="0">
+                <a:solidFill>
+                  <a:schemeClr val="accent4"/>
+                </a:solidFill>
+              </a:rPr>
+              <a:t>Добавив </a:t>
+            </a:r>
+            <a:r>
               <a:rPr lang="ru-RU" dirty="0">
                 <a:solidFill>
                   <a:schemeClr val="accent4"/>
                 </a:solidFill>
               </a:rPr>
-              <a:t>Таким образом, </a:t>
-            </a:r>
-            <a:r>
-              <a:rPr lang="ru-RU" b="1" dirty="0">
-                <a:solidFill>
-                  <a:schemeClr val="accent4"/>
-                </a:solidFill>
-              </a:rPr>
-              <a:t>пишется меньше кода</a:t>
+              <a:t>небольшую порцию кода, мы тут же убеждаемся в его работоспособности</a:t>
             </a:r>
           </a:p>
         </p:txBody>
@@ -18791,7 +18786,7 @@
     </p:spTree>
     <p:extLst>
       <p:ext uri="{BB962C8B-B14F-4D97-AF65-F5344CB8AC3E}">
-        <p14:creationId xmlns:p14="http://schemas.microsoft.com/office/powerpoint/2010/main" val="680117490"/>
+        <p14:creationId xmlns:p14="http://schemas.microsoft.com/office/powerpoint/2010/main" val="2661150"/>
       </p:ext>
     </p:extLst>
   </p:cSld>
@@ -18801,7 +18796,7 @@
   <p:timing>
     <p:tnLst>
       <p:par>
-        <p:cTn xmlns:p14="http://schemas.microsoft.com/office/powerpoint/2010/main" id="1" dur="indefinite" restart="never" nodeType="tmRoot"/>
+        <p:cTn id="1" dur="indefinite" restart="never" nodeType="tmRoot"/>
       </p:par>
     </p:tnLst>
   </p:timing>
@@ -18862,8 +18857,8 @@
         </p:nvSpPr>
         <p:spPr bwMode="auto">
           <a:xfrm>
-            <a:off x="2000878" y="2339697"/>
-            <a:ext cx="5023841" cy="2732604"/>
+            <a:off x="2000878" y="1924199"/>
+            <a:ext cx="5023841" cy="3009602"/>
           </a:xfrm>
           <a:prstGeom prst="rect">
             <a:avLst/>
@@ -18891,12 +18886,20 @@
               <a:buChar char="§"/>
             </a:pPr>
             <a:r>
+              <a:rPr lang="ru-RU" dirty="0" smtClean="0">
+                <a:solidFill>
+                  <a:schemeClr val="accent4"/>
+                </a:solidFill>
+              </a:rPr>
+              <a:t>Внеся </a:t>
+            </a:r>
+            <a:r>
               <a:rPr lang="ru-RU" dirty="0">
                 <a:solidFill>
                   <a:schemeClr val="accent4"/>
                 </a:solidFill>
               </a:rPr>
-              <a:t>Разрабатывая небольшими шагами, вы всегда знаете, что вас ждет дальше – вы двигаетесь без </a:t>
+              <a:t>изменения в классы, мы тут же убеждаемся, что не нарушили работы остальных </a:t>
             </a:r>
             <a:r>
               <a:rPr lang="ru-RU" dirty="0" smtClean="0">
@@ -18904,13 +18907,8 @@
                   <a:schemeClr val="accent4"/>
                 </a:solidFill>
               </a:rPr>
-              <a:t>промедления</a:t>
-            </a:r>
-            <a:endParaRPr lang="en-US" dirty="0" smtClean="0">
-              <a:solidFill>
-                <a:schemeClr val="accent4"/>
-              </a:solidFill>
-            </a:endParaRPr>
+              <a:t>классов</a:t>
+            </a:r>
           </a:p>
           <a:p>
             <a:pPr marL="287338" indent="-287338" defTabSz="803275">
@@ -18942,7 +18940,7 @@
                   <a:schemeClr val="accent4"/>
                 </a:solidFill>
               </a:rPr>
-              <a:t>Использование unit-тестов существенно сокращает время, проводимое в </a:t>
+              <a:t>Интеграция модулей проходит легче и быстрее, поскольку каждый из них хорошо </a:t>
             </a:r>
             <a:r>
               <a:rPr lang="ru-RU" dirty="0" smtClean="0">
@@ -18950,13 +18948,8 @@
                   <a:schemeClr val="accent4"/>
                 </a:solidFill>
               </a:rPr>
-              <a:t>отладчике</a:t>
-            </a:r>
-            <a:endParaRPr lang="en-US" dirty="0" smtClean="0">
-              <a:solidFill>
-                <a:schemeClr val="accent4"/>
-              </a:solidFill>
-            </a:endParaRPr>
+              <a:t>оттестирован</a:t>
+            </a:r>
           </a:p>
           <a:p>
             <a:pPr marL="287338" indent="-287338" defTabSz="803275">
@@ -18983,20 +18976,12 @@
               <a:buChar char="§"/>
             </a:pPr>
             <a:r>
-              <a:rPr lang="ru-RU" dirty="0" smtClean="0">
+              <a:rPr lang="ru-RU" dirty="0">
                 <a:solidFill>
                   <a:schemeClr val="accent4"/>
                 </a:solidFill>
               </a:rPr>
-              <a:t>Добавив </a:t>
-            </a:r>
-            <a:r>
-              <a:rPr lang="ru-RU" dirty="0">
-                <a:solidFill>
-                  <a:schemeClr val="accent4"/>
-                </a:solidFill>
-              </a:rPr>
-              <a:t>небольшую порцию кода, мы тут же убеждаемся в его работоспособности</a:t>
+              <a:t>Уменьшается количество ошибок в коде, а так же время на их поиск и исправление</a:t>
             </a:r>
           </a:p>
         </p:txBody>
@@ -19004,7 +18989,7 @@
     </p:spTree>
     <p:extLst>
       <p:ext uri="{BB962C8B-B14F-4D97-AF65-F5344CB8AC3E}">
-        <p14:creationId xmlns:p14="http://schemas.microsoft.com/office/powerpoint/2010/main" val="2661150"/>
+        <p14:creationId xmlns:p14="http://schemas.microsoft.com/office/powerpoint/2010/main" val="3920707513"/>
       </p:ext>
     </p:extLst>
   </p:cSld>
@@ -19014,7 +18999,7 @@
   <p:timing>
     <p:tnLst>
       <p:par>
-        <p:cTn xmlns:p14="http://schemas.microsoft.com/office/powerpoint/2010/main" id="1" dur="indefinite" restart="never" nodeType="tmRoot"/>
+        <p:cTn id="1" dur="indefinite" restart="never" nodeType="tmRoot"/>
       </p:par>
     </p:tnLst>
   </p:timing>
@@ -19075,8 +19060,8 @@
         </p:nvSpPr>
         <p:spPr bwMode="auto">
           <a:xfrm>
-            <a:off x="2000878" y="1924199"/>
-            <a:ext cx="5023841" cy="3009602"/>
+            <a:off x="2000878" y="2755196"/>
+            <a:ext cx="5023841" cy="1347609"/>
           </a:xfrm>
           <a:prstGeom prst="rect">
             <a:avLst/>
@@ -19104,102 +19089,12 @@
               <a:buChar char="§"/>
             </a:pPr>
             <a:r>
-              <a:rPr lang="ru-RU" dirty="0" smtClean="0">
+              <a:rPr lang="ru-RU" dirty="0">
                 <a:solidFill>
                   <a:schemeClr val="accent4"/>
                 </a:solidFill>
               </a:rPr>
-              <a:t>Внеся </a:t>
-            </a:r>
-            <a:r>
-              <a:rPr lang="ru-RU" dirty="0">
-                <a:solidFill>
-                  <a:schemeClr val="accent4"/>
-                </a:solidFill>
-              </a:rPr>
-              <a:t>изменения в классы, мы тут же убеждаемся, что не нарушили работы остальных </a:t>
-            </a:r>
-            <a:r>
-              <a:rPr lang="ru-RU" dirty="0" smtClean="0">
-                <a:solidFill>
-                  <a:schemeClr val="accent4"/>
-                </a:solidFill>
-              </a:rPr>
-              <a:t>классов</a:t>
-            </a:r>
-          </a:p>
-          <a:p>
-            <a:pPr marL="287338" indent="-287338" defTabSz="803275">
-              <a:buClr>
-                <a:srgbClr val="FF6600"/>
-              </a:buClr>
-              <a:buSzPct val="125000"/>
-              <a:buFont typeface="Wingdings" charset="0"/>
-              <a:buChar char="§"/>
-            </a:pPr>
-            <a:endParaRPr lang="ru-RU" dirty="0">
-              <a:solidFill>
-                <a:schemeClr val="accent4"/>
-              </a:solidFill>
-            </a:endParaRPr>
-          </a:p>
-          <a:p>
-            <a:pPr marL="287338" indent="-287338" defTabSz="803275">
-              <a:buClr>
-                <a:srgbClr val="FF6600"/>
-              </a:buClr>
-              <a:buSzPct val="125000"/>
-              <a:buFont typeface="Wingdings" charset="0"/>
-              <a:buChar char="§"/>
-            </a:pPr>
-            <a:r>
-              <a:rPr lang="ru-RU" dirty="0">
-                <a:solidFill>
-                  <a:schemeClr val="accent4"/>
-                </a:solidFill>
-              </a:rPr>
-              <a:t>Интеграция модулей проходит легче и быстрее, поскольку каждый из них хорошо </a:t>
-            </a:r>
-            <a:r>
-              <a:rPr lang="ru-RU" dirty="0" smtClean="0">
-                <a:solidFill>
-                  <a:schemeClr val="accent4"/>
-                </a:solidFill>
-              </a:rPr>
-              <a:t>оттестирован</a:t>
-            </a:r>
-          </a:p>
-          <a:p>
-            <a:pPr marL="287338" indent="-287338" defTabSz="803275">
-              <a:buClr>
-                <a:srgbClr val="FF6600"/>
-              </a:buClr>
-              <a:buSzPct val="125000"/>
-              <a:buFont typeface="Wingdings" charset="0"/>
-              <a:buChar char="§"/>
-            </a:pPr>
-            <a:endParaRPr lang="ru-RU" dirty="0">
-              <a:solidFill>
-                <a:schemeClr val="accent4"/>
-              </a:solidFill>
-            </a:endParaRPr>
-          </a:p>
-          <a:p>
-            <a:pPr marL="287338" indent="-287338" defTabSz="803275">
-              <a:buClr>
-                <a:srgbClr val="FF6600"/>
-              </a:buClr>
-              <a:buSzPct val="125000"/>
-              <a:buFont typeface="Wingdings" charset="0"/>
-              <a:buChar char="§"/>
-            </a:pPr>
-            <a:r>
-              <a:rPr lang="ru-RU" dirty="0">
-                <a:solidFill>
-                  <a:schemeClr val="accent4"/>
-                </a:solidFill>
-              </a:rPr>
-              <a:t>Уменьшается количество ошибок в коде, а так же время на их поиск и исправление</a:t>
+              <a:t>Более качественный дизайн полученный в ходе такой разработки, помогает в дальнейшем улучшать код, делая это очень быстро</a:t>
             </a:r>
           </a:p>
         </p:txBody>
@@ -19207,7 +19102,7 @@
     </p:spTree>
     <p:extLst>
       <p:ext uri="{BB962C8B-B14F-4D97-AF65-F5344CB8AC3E}">
-        <p14:creationId xmlns:p14="http://schemas.microsoft.com/office/powerpoint/2010/main" val="3920707513"/>
+        <p14:creationId xmlns:p14="http://schemas.microsoft.com/office/powerpoint/2010/main" val="4090662534"/>
       </p:ext>
     </p:extLst>
   </p:cSld>
@@ -19217,7 +19112,7 @@
   <p:timing>
     <p:tnLst>
       <p:par>
-        <p:cTn xmlns:p14="http://schemas.microsoft.com/office/powerpoint/2010/main" id="1" dur="indefinite" restart="never" nodeType="tmRoot"/>
+        <p:cTn id="1" dur="indefinite" restart="never" nodeType="tmRoot"/>
       </p:par>
     </p:tnLst>
   </p:timing>
@@ -19258,7 +19153,15 @@
           <a:p>
             <a:r>
               <a:rPr lang="ru-RU" dirty="0"/>
-              <a:t>Недостаточно времени</a:t>
+              <a:t>Не </a:t>
+            </a:r>
+            <a:r>
+              <a:rPr lang="ru-RU" dirty="0" smtClean="0"/>
+              <a:t>умею </a:t>
+            </a:r>
+            <a:r>
+              <a:rPr lang="ru-RU" dirty="0"/>
+              <a:t>писать тесты</a:t>
             </a:r>
             <a:endParaRPr lang="en-US" dirty="0"/>
           </a:p>
@@ -19278,8 +19181,8 @@
         </p:nvSpPr>
         <p:spPr bwMode="auto">
           <a:xfrm>
-            <a:off x="2000878" y="2755196"/>
-            <a:ext cx="5023841" cy="1347609"/>
+            <a:off x="2000878" y="2062698"/>
+            <a:ext cx="5023841" cy="2732604"/>
           </a:xfrm>
           <a:prstGeom prst="rect">
             <a:avLst/>
@@ -19312,7 +19215,48 @@
                   <a:schemeClr val="accent4"/>
                 </a:solidFill>
               </a:rPr>
-              <a:t>Более качественный дизайн полученный в ходе такой разработки, помогает в дальнейшем улучшать код, делая это очень быстро</a:t>
+              <a:t>В этом нет ничего страшного, т.к. не обязательно сразу начинать тестировать сложные компоненты, используя все возможности xUnit и </a:t>
+            </a:r>
+            <a:r>
+              <a:rPr lang="ru-RU" dirty="0" smtClean="0">
+                <a:solidFill>
+                  <a:schemeClr val="accent4"/>
+                </a:solidFill>
+              </a:rPr>
+              <a:t>mock-фреймворков</a:t>
+            </a:r>
+          </a:p>
+          <a:p>
+            <a:pPr marL="287338" indent="-287338" defTabSz="803275">
+              <a:buClr>
+                <a:srgbClr val="FF6600"/>
+              </a:buClr>
+              <a:buSzPct val="125000"/>
+              <a:buFont typeface="Wingdings" charset="0"/>
+              <a:buChar char="§"/>
+            </a:pPr>
+            <a:endParaRPr lang="ru-RU" dirty="0">
+              <a:solidFill>
+                <a:schemeClr val="accent4"/>
+              </a:solidFill>
+            </a:endParaRPr>
+          </a:p>
+          <a:p>
+            <a:pPr marL="287338" indent="-287338" defTabSz="803275">
+              <a:buClr>
+                <a:srgbClr val="FF6600"/>
+              </a:buClr>
+              <a:buSzPct val="125000"/>
+              <a:buFont typeface="Wingdings" charset="0"/>
+              <a:buChar char="§"/>
+            </a:pPr>
+            <a:r>
+              <a:rPr lang="ru-RU" dirty="0">
+                <a:solidFill>
+                  <a:schemeClr val="accent4"/>
+                </a:solidFill>
+              </a:rPr>
+              <a:t>Для начала можно попытаться воспроизвести в тестах действия, которые разработчик делает вручную при тестировании модуля</a:t>
             </a:r>
           </a:p>
         </p:txBody>
@@ -19320,7 +19264,7 @@
     </p:spTree>
     <p:extLst>
       <p:ext uri="{BB962C8B-B14F-4D97-AF65-F5344CB8AC3E}">
-        <p14:creationId xmlns:p14="http://schemas.microsoft.com/office/powerpoint/2010/main" val="4090662534"/>
+        <p14:creationId xmlns:p14="http://schemas.microsoft.com/office/powerpoint/2010/main" val="1916239440"/>
       </p:ext>
     </p:extLst>
   </p:cSld>
@@ -19330,7 +19274,7 @@
   <p:timing>
     <p:tnLst>
       <p:par>
-        <p:cTn xmlns:p14="http://schemas.microsoft.com/office/powerpoint/2010/main" id="1" dur="indefinite" restart="never" nodeType="tmRoot"/>
+        <p:cTn id="1" dur="indefinite" restart="never" nodeType="tmRoot"/>
       </p:par>
     </p:tnLst>
   </p:timing>
@@ -19433,7 +19377,7 @@
                   <a:schemeClr val="accent4"/>
                 </a:solidFill>
               </a:rPr>
-              <a:t>В этом нет ничего страшного, т.к. не обязательно сразу начинать тестировать сложные компоненты, используя все возможности xUnit и </a:t>
+              <a:t>Даже небольшая и «неуклюжая» тестовая обвязка намного лучше, чем еще не написанная «гибкая система модульного тестирования, покрывающая 100% функционала</a:t>
             </a:r>
             <a:r>
               <a:rPr lang="ru-RU" dirty="0" smtClean="0">
@@ -19441,7 +19385,7 @@
                   <a:schemeClr val="accent4"/>
                 </a:solidFill>
               </a:rPr>
-              <a:t>mock-фреймворков</a:t>
+              <a:t>»</a:t>
             </a:r>
           </a:p>
           <a:p>
@@ -19474,7 +19418,7 @@
                   <a:schemeClr val="accent4"/>
                 </a:solidFill>
               </a:rPr>
-              <a:t>Для начала можно попытаться воспроизвести в тестах действия, которые разработчик делает вручную при тестировании модуля</a:t>
+              <a:t>Начинайте с простых приемочных тестов или тестирования классов низших уровней и продвигайтесь далее в глубь системы</a:t>
             </a:r>
           </a:p>
         </p:txBody>
@@ -19482,7 +19426,7 @@
     </p:spTree>
     <p:extLst>
       <p:ext uri="{BB962C8B-B14F-4D97-AF65-F5344CB8AC3E}">
-        <p14:creationId xmlns:p14="http://schemas.microsoft.com/office/powerpoint/2010/main" val="1916239440"/>
+        <p14:creationId xmlns:p14="http://schemas.microsoft.com/office/powerpoint/2010/main" val="654728997"/>
       </p:ext>
     </p:extLst>
   </p:cSld>
@@ -19492,7 +19436,7 @@
   <p:timing>
     <p:tnLst>
       <p:par>
-        <p:cTn xmlns:p14="http://schemas.microsoft.com/office/powerpoint/2010/main" id="1" dur="indefinite" restart="never" nodeType="tmRoot"/>
+        <p:cTn id="1" dur="indefinite" restart="never" nodeType="tmRoot"/>
       </p:par>
     </p:tnLst>
   </p:timing>
@@ -19533,15 +19477,7 @@
           <a:p>
             <a:r>
               <a:rPr lang="ru-RU" dirty="0"/>
-              <a:t>Не </a:t>
-            </a:r>
-            <a:r>
-              <a:rPr lang="ru-RU" dirty="0" smtClean="0"/>
-              <a:t>умею </a:t>
-            </a:r>
-            <a:r>
-              <a:rPr lang="ru-RU" dirty="0"/>
-              <a:t>писать тесты</a:t>
+              <a:t>Двукратное увеличение кода</a:t>
             </a:r>
             <a:endParaRPr lang="en-US" dirty="0"/>
           </a:p>
@@ -19561,8 +19497,8 @@
         </p:nvSpPr>
         <p:spPr bwMode="auto">
           <a:xfrm>
-            <a:off x="2000878" y="2062698"/>
-            <a:ext cx="5023841" cy="2732604"/>
+            <a:off x="1371600" y="2062698"/>
+            <a:ext cx="6477000" cy="2732604"/>
           </a:xfrm>
           <a:prstGeom prst="rect">
             <a:avLst/>
@@ -19595,7 +19531,7 @@
                   <a:schemeClr val="accent4"/>
                 </a:solidFill>
               </a:rPr>
-              <a:t>Даже небольшая и «неуклюжая» тестовая обвязка намного лучше, чем еще не написанная «гибкая система модульного тестирования, покрывающая 100% функционала</a:t>
+              <a:t>По мнению некоторых разработчиков, модульные тесты – это двукратное увеличение кода</a:t>
             </a:r>
             <a:r>
               <a:rPr lang="ru-RU" dirty="0" smtClean="0">
@@ -19603,7 +19539,7 @@
                   <a:schemeClr val="accent4"/>
                 </a:solidFill>
               </a:rPr>
-              <a:t>»</a:t>
+              <a:t>!</a:t>
             </a:r>
           </a:p>
           <a:p>
@@ -19636,7 +19572,89 @@
                   <a:schemeClr val="accent4"/>
                 </a:solidFill>
               </a:rPr>
-              <a:t>Начинайте с простых приемочных тестов или тестирования классов низших уровней и продвигайтесь далее в глубь системы</a:t>
+              <a:t>Это не </a:t>
+            </a:r>
+            <a:r>
+              <a:rPr lang="ru-RU" dirty="0" smtClean="0">
+                <a:solidFill>
+                  <a:schemeClr val="accent4"/>
+                </a:solidFill>
+              </a:rPr>
+              <a:t>так</a:t>
+            </a:r>
+          </a:p>
+          <a:p>
+            <a:pPr marL="287338" indent="-287338" defTabSz="803275">
+              <a:buClr>
+                <a:srgbClr val="FF6600"/>
+              </a:buClr>
+              <a:buSzPct val="125000"/>
+              <a:buFont typeface="Wingdings" charset="0"/>
+              <a:buChar char="§"/>
+            </a:pPr>
+            <a:endParaRPr lang="ru-RU" dirty="0">
+              <a:solidFill>
+                <a:schemeClr val="accent4"/>
+              </a:solidFill>
+            </a:endParaRPr>
+          </a:p>
+          <a:p>
+            <a:pPr marL="287338" indent="-287338" defTabSz="803275">
+              <a:buClr>
+                <a:srgbClr val="FF6600"/>
+              </a:buClr>
+              <a:buSzPct val="125000"/>
+              <a:buFont typeface="Wingdings" charset="0"/>
+              <a:buChar char="§"/>
+            </a:pPr>
+            <a:r>
+              <a:rPr lang="ru-RU" dirty="0">
+                <a:solidFill>
+                  <a:schemeClr val="accent4"/>
+                </a:solidFill>
+              </a:rPr>
+              <a:t>На самом деле оно троекратное (или даже больше</a:t>
+            </a:r>
+            <a:r>
+              <a:rPr lang="ru-RU" dirty="0" smtClean="0">
+                <a:solidFill>
+                  <a:schemeClr val="accent4"/>
+                </a:solidFill>
+              </a:rPr>
+              <a:t>)</a:t>
+            </a:r>
+          </a:p>
+          <a:p>
+            <a:pPr marL="287338" indent="-287338" defTabSz="803275">
+              <a:buClr>
+                <a:srgbClr val="FF6600"/>
+              </a:buClr>
+              <a:buSzPct val="125000"/>
+              <a:buFont typeface="Wingdings" charset="0"/>
+              <a:buChar char="§"/>
+            </a:pPr>
+            <a:endParaRPr lang="ru-RU" dirty="0">
+              <a:solidFill>
+                <a:schemeClr val="accent4"/>
+              </a:solidFill>
+            </a:endParaRPr>
+          </a:p>
+          <a:p>
+            <a:pPr marL="287338" indent="-287338" defTabSz="803275">
+              <a:buClr>
+                <a:srgbClr val="FF6600"/>
+              </a:buClr>
+              <a:buSzPct val="125000"/>
+              <a:buFont typeface="Wingdings" charset="0"/>
+              <a:buChar char="§"/>
+            </a:pPr>
+            <a:r>
+              <a:rPr lang="ru-RU" dirty="0">
+                <a:solidFill>
+                  <a:schemeClr val="accent4"/>
+                </a:solidFill>
+              </a:rPr>
+              <a:t>Однако давайте рассмотрим и другие стороны этого вопроса</a:t>
             </a:r>
           </a:p>
         </p:txBody>
@@ -19644,7 +19662,7 @@
     </p:spTree>
     <p:extLst>
       <p:ext uri="{BB962C8B-B14F-4D97-AF65-F5344CB8AC3E}">
-        <p14:creationId xmlns:p14="http://schemas.microsoft.com/office/powerpoint/2010/main" val="654728997"/>
+        <p14:creationId xmlns:p14="http://schemas.microsoft.com/office/powerpoint/2010/main" val="3179049036"/>
       </p:ext>
     </p:extLst>
   </p:cSld>
@@ -19654,7 +19672,7 @@
   <p:timing>
     <p:tnLst>
       <p:par>
-        <p:cTn xmlns:p14="http://schemas.microsoft.com/office/powerpoint/2010/main" id="1" dur="indefinite" restart="never" nodeType="tmRoot"/>
+        <p:cTn id="1" dur="indefinite" restart="never" nodeType="tmRoot"/>
       </p:par>
     </p:tnLst>
   </p:timing>
@@ -19715,8 +19733,8 @@
         </p:nvSpPr>
         <p:spPr bwMode="auto">
           <a:xfrm>
-            <a:off x="1371600" y="2062698"/>
-            <a:ext cx="6477000" cy="2732604"/>
+            <a:off x="2000878" y="2062698"/>
+            <a:ext cx="5023841" cy="3286601"/>
           </a:xfrm>
           <a:prstGeom prst="rect">
             <a:avLst/>
@@ -19749,7 +19767,7 @@
                   <a:schemeClr val="accent4"/>
                 </a:solidFill>
               </a:rPr>
-              <a:t>По мнению некоторых разработчиков, модульные тесты – это двукратное увеличение кода</a:t>
+              <a:t>Конечно, можно спроектировать систему так, чтобы изначально обязанности классов были распределены оптимальным </a:t>
             </a:r>
             <a:r>
               <a:rPr lang="ru-RU" dirty="0" smtClean="0">
@@ -19757,7 +19775,7 @@
                   <a:schemeClr val="accent4"/>
                 </a:solidFill>
               </a:rPr>
-              <a:t>!</a:t>
+              <a:t>образом</a:t>
             </a:r>
           </a:p>
           <a:p>
@@ -19790,7 +19808,7 @@
                   <a:schemeClr val="accent4"/>
                 </a:solidFill>
               </a:rPr>
-              <a:t>Это не </a:t>
+              <a:t>Однако на практике это практически невозможно</a:t>
             </a:r>
             <a:r>
               <a:rPr lang="ru-RU" dirty="0" smtClean="0">
@@ -19798,7 +19816,7 @@
                   <a:schemeClr val="accent4"/>
                 </a:solidFill>
               </a:rPr>
-              <a:t>так</a:t>
+              <a:t>:</a:t>
             </a:r>
           </a:p>
           <a:p>
@@ -19817,7 +19835,7 @@
             </a:endParaRPr>
           </a:p>
           <a:p>
-            <a:pPr marL="287338" indent="-287338" defTabSz="803275">
+            <a:pPr marL="744538" lvl="1" indent="-287338" defTabSz="803275">
               <a:buClr>
                 <a:srgbClr val="FF6600"/>
               </a:buClr>
@@ -19831,7 +19849,7 @@
                   <a:schemeClr val="accent4"/>
                 </a:solidFill>
               </a:rPr>
-              <a:t>На самом деле оно троекратное (или даже больше</a:t>
+              <a:t>никто не может увидеть всей картины </a:t>
             </a:r>
             <a:r>
               <a:rPr lang="ru-RU" dirty="0" smtClean="0">
@@ -19839,11 +19857,11 @@
                   <a:schemeClr val="accent4"/>
                 </a:solidFill>
               </a:rPr>
-              <a:t>)</a:t>
-            </a:r>
-          </a:p>
-          <a:p>
-            <a:pPr marL="287338" indent="-287338" defTabSz="803275">
+              <a:t>целиком</a:t>
+            </a:r>
+          </a:p>
+          <a:p>
+            <a:pPr marL="744538" lvl="1" indent="-287338" defTabSz="803275">
               <a:buClr>
                 <a:srgbClr val="FF6600"/>
               </a:buClr>
@@ -19858,7 +19876,7 @@
             </a:endParaRPr>
           </a:p>
           <a:p>
-            <a:pPr marL="287338" indent="-287338" defTabSz="803275">
+            <a:pPr marL="744538" lvl="1" indent="-287338" defTabSz="803275">
               <a:buClr>
                 <a:srgbClr val="FF6600"/>
               </a:buClr>
@@ -19872,7 +19890,7 @@
                   <a:schemeClr val="accent4"/>
                 </a:solidFill>
               </a:rPr>
-              <a:t>Однако давайте рассмотрим и другие стороны этого вопроса</a:t>
+              <a:t>требования к системе могут меняться</a:t>
             </a:r>
           </a:p>
         </p:txBody>
@@ -19880,7 +19898,7 @@
     </p:spTree>
     <p:extLst>
       <p:ext uri="{BB962C8B-B14F-4D97-AF65-F5344CB8AC3E}">
-        <p14:creationId xmlns:p14="http://schemas.microsoft.com/office/powerpoint/2010/main" val="3179049036"/>
+        <p14:creationId xmlns:p14="http://schemas.microsoft.com/office/powerpoint/2010/main" val="1233976356"/>
       </p:ext>
     </p:extLst>
   </p:cSld>
@@ -19890,7 +19908,7 @@
   <p:timing>
     <p:tnLst>
       <p:par>
-        <p:cTn xmlns:p14="http://schemas.microsoft.com/office/powerpoint/2010/main" id="1" dur="indefinite" restart="never" nodeType="tmRoot"/>
+        <p:cTn id="1" dur="indefinite" restart="never" nodeType="tmRoot"/>
       </p:par>
     </p:tnLst>
   </p:timing>
@@ -19916,217 +19934,49 @@
       </p:grpSpPr>
       <p:sp>
         <p:nvSpPr>
-          <p:cNvPr id="2" name="Title 1"/>
+          <p:cNvPr id="7" name="Text Placeholder 6"/>
           <p:cNvSpPr>
             <a:spLocks noGrp="1"/>
           </p:cNvSpPr>
           <p:nvPr>
-            <p:ph type="title"/>
-          </p:nvPr>
-        </p:nvSpPr>
-        <p:spPr/>
+            <p:ph type="body" sz="quarter" idx="20"/>
+          </p:nvPr>
+        </p:nvSpPr>
+        <p:spPr>
+          <a:xfrm>
+            <a:off x="2127250" y="2432649"/>
+            <a:ext cx="6467476" cy="576293"/>
+          </a:xfrm>
+        </p:spPr>
         <p:txBody>
           <a:bodyPr/>
           <a:lstStyle/>
           <a:p>
             <a:r>
-              <a:rPr lang="ru-RU" dirty="0"/>
-              <a:t>Двукратное увеличение кода</a:t>
+              <a:rPr lang="ru-RU" dirty="0" smtClean="0"/>
+              <a:t>Вопросы ?</a:t>
             </a:r>
             <a:endParaRPr lang="en-US" dirty="0"/>
-          </a:p>
-        </p:txBody>
-      </p:sp>
-      <p:sp>
-        <p:nvSpPr>
-          <p:cNvPr id="5" name="Rectangle 4"/>
-          <p:cNvSpPr>
-            <a:spLocks noChangeArrowheads="1"/>
-          </p:cNvSpPr>
-          <p:nvPr>
-            <p:custDataLst>
-              <p:tags r:id="rId1"/>
-            </p:custDataLst>
-          </p:nvPr>
-        </p:nvSpPr>
-        <p:spPr bwMode="auto">
-          <a:xfrm>
-            <a:off x="2000878" y="2062698"/>
-            <a:ext cx="5023841" cy="3286601"/>
-          </a:xfrm>
-          <a:prstGeom prst="rect">
-            <a:avLst/>
-          </a:prstGeom>
-          <a:noFill/>
-          <a:ln w="19050">
-            <a:noFill/>
-            <a:miter lim="800000"/>
-            <a:headEnd/>
-            <a:tailEnd/>
-          </a:ln>
-        </p:spPr>
-        <p:txBody>
-          <a:bodyPr wrap="square" lIns="93296" tIns="144000" rIns="93296" bIns="93296">
-            <a:spAutoFit/>
-          </a:bodyPr>
-          <a:lstStyle/>
-          <a:p>
-            <a:pPr marL="287338" indent="-287338" defTabSz="803275">
-              <a:buClr>
-                <a:srgbClr val="FF6600"/>
-              </a:buClr>
-              <a:buSzPct val="125000"/>
-              <a:buFont typeface="Wingdings" charset="0"/>
-              <a:buChar char="§"/>
-            </a:pPr>
-            <a:r>
-              <a:rPr lang="ru-RU" dirty="0">
-                <a:solidFill>
-                  <a:schemeClr val="accent4"/>
-                </a:solidFill>
-              </a:rPr>
-              <a:t>Конечно, можно спроектировать систему так, чтобы изначально обязанности классов были распределены оптимальным </a:t>
-            </a:r>
-            <a:r>
-              <a:rPr lang="ru-RU" dirty="0" smtClean="0">
-                <a:solidFill>
-                  <a:schemeClr val="accent4"/>
-                </a:solidFill>
-              </a:rPr>
-              <a:t>образом</a:t>
-            </a:r>
-          </a:p>
-          <a:p>
-            <a:pPr marL="287338" indent="-287338" defTabSz="803275">
-              <a:buClr>
-                <a:srgbClr val="FF6600"/>
-              </a:buClr>
-              <a:buSzPct val="125000"/>
-              <a:buFont typeface="Wingdings" charset="0"/>
-              <a:buChar char="§"/>
-            </a:pPr>
-            <a:endParaRPr lang="ru-RU" dirty="0">
-              <a:solidFill>
-                <a:schemeClr val="accent4"/>
-              </a:solidFill>
-            </a:endParaRPr>
-          </a:p>
-          <a:p>
-            <a:pPr marL="287338" indent="-287338" defTabSz="803275">
-              <a:buClr>
-                <a:srgbClr val="FF6600"/>
-              </a:buClr>
-              <a:buSzPct val="125000"/>
-              <a:buFont typeface="Wingdings" charset="0"/>
-              <a:buChar char="§"/>
-            </a:pPr>
-            <a:r>
-              <a:rPr lang="ru-RU" dirty="0">
-                <a:solidFill>
-                  <a:schemeClr val="accent4"/>
-                </a:solidFill>
-              </a:rPr>
-              <a:t>Однако на практике это практически невозможно</a:t>
-            </a:r>
-            <a:r>
-              <a:rPr lang="ru-RU" dirty="0" smtClean="0">
-                <a:solidFill>
-                  <a:schemeClr val="accent4"/>
-                </a:solidFill>
-              </a:rPr>
-              <a:t>:</a:t>
-            </a:r>
-          </a:p>
-          <a:p>
-            <a:pPr marL="287338" indent="-287338" defTabSz="803275">
-              <a:buClr>
-                <a:srgbClr val="FF6600"/>
-              </a:buClr>
-              <a:buSzPct val="125000"/>
-              <a:buFont typeface="Wingdings" charset="0"/>
-              <a:buChar char="§"/>
-            </a:pPr>
-            <a:endParaRPr lang="ru-RU" dirty="0">
-              <a:solidFill>
-                <a:schemeClr val="accent4"/>
-              </a:solidFill>
-            </a:endParaRPr>
-          </a:p>
-          <a:p>
-            <a:pPr marL="744538" lvl="1" indent="-287338" defTabSz="803275">
-              <a:buClr>
-                <a:srgbClr val="FF6600"/>
-              </a:buClr>
-              <a:buSzPct val="125000"/>
-              <a:buFont typeface="Wingdings" charset="0"/>
-              <a:buChar char="§"/>
-            </a:pPr>
-            <a:r>
-              <a:rPr lang="ru-RU" dirty="0">
-                <a:solidFill>
-                  <a:schemeClr val="accent4"/>
-                </a:solidFill>
-              </a:rPr>
-              <a:t>никто не может увидеть всей картины </a:t>
-            </a:r>
-            <a:r>
-              <a:rPr lang="ru-RU" dirty="0" smtClean="0">
-                <a:solidFill>
-                  <a:schemeClr val="accent4"/>
-                </a:solidFill>
-              </a:rPr>
-              <a:t>целиком</a:t>
-            </a:r>
-          </a:p>
-          <a:p>
-            <a:pPr marL="744538" lvl="1" indent="-287338" defTabSz="803275">
-              <a:buClr>
-                <a:srgbClr val="FF6600"/>
-              </a:buClr>
-              <a:buSzPct val="125000"/>
-              <a:buFont typeface="Wingdings" charset="0"/>
-              <a:buChar char="§"/>
-            </a:pPr>
-            <a:endParaRPr lang="ru-RU" dirty="0">
-              <a:solidFill>
-                <a:schemeClr val="accent4"/>
-              </a:solidFill>
-            </a:endParaRPr>
-          </a:p>
-          <a:p>
-            <a:pPr marL="744538" lvl="1" indent="-287338" defTabSz="803275">
-              <a:buClr>
-                <a:srgbClr val="FF6600"/>
-              </a:buClr>
-              <a:buSzPct val="125000"/>
-              <a:buFont typeface="Wingdings" charset="0"/>
-              <a:buChar char="§"/>
-            </a:pPr>
-            <a:r>
-              <a:rPr lang="ru-RU" dirty="0">
-                <a:solidFill>
-                  <a:schemeClr val="accent4"/>
-                </a:solidFill>
-              </a:rPr>
-              <a:t>требования к системе могут меняться</a:t>
-            </a:r>
           </a:p>
         </p:txBody>
       </p:sp>
     </p:spTree>
     <p:extLst>
       <p:ext uri="{BB962C8B-B14F-4D97-AF65-F5344CB8AC3E}">
-        <p14:creationId xmlns:p14="http://schemas.microsoft.com/office/powerpoint/2010/main" val="1233976356"/>
+        <p14:creationId xmlns:p14="http://schemas.microsoft.com/office/powerpoint/2010/main" val="2964007123"/>
       </p:ext>
     </p:extLst>
   </p:cSld>
   <p:clrMapOvr>
     <a:masterClrMapping/>
   </p:clrMapOvr>
+  <p:transition>
+    <p:zoom/>
+  </p:transition>
   <p:timing>
     <p:tnLst>
       <p:par>
-        <p:cTn xmlns:p14="http://schemas.microsoft.com/office/powerpoint/2010/main" id="1" dur="indefinite" restart="never" nodeType="tmRoot"/>
+        <p:cTn id="1" dur="indefinite" restart="never" nodeType="tmRoot"/>
       </p:par>
     </p:tnLst>
   </p:timing>
@@ -20152,74 +20002,6 @@
       </p:grpSpPr>
       <p:sp>
         <p:nvSpPr>
-          <p:cNvPr id="7" name="Text Placeholder 6"/>
-          <p:cNvSpPr>
-            <a:spLocks noGrp="1"/>
-          </p:cNvSpPr>
-          <p:nvPr>
-            <p:ph type="body" sz="quarter" idx="20"/>
-          </p:nvPr>
-        </p:nvSpPr>
-        <p:spPr>
-          <a:xfrm>
-            <a:off x="2127250" y="2432649"/>
-            <a:ext cx="6467476" cy="576293"/>
-          </a:xfrm>
-        </p:spPr>
-        <p:txBody>
-          <a:bodyPr/>
-          <a:lstStyle/>
-          <a:p>
-            <a:r>
-              <a:rPr lang="ru-RU" dirty="0" smtClean="0"/>
-              <a:t>Вопросы ?</a:t>
-            </a:r>
-            <a:endParaRPr lang="en-US" dirty="0"/>
-          </a:p>
-        </p:txBody>
-      </p:sp>
-    </p:spTree>
-    <p:extLst>
-      <p:ext uri="{BB962C8B-B14F-4D97-AF65-F5344CB8AC3E}">
-        <p14:creationId xmlns:p14="http://schemas.microsoft.com/office/powerpoint/2010/main" val="2964007123"/>
-      </p:ext>
-    </p:extLst>
-  </p:cSld>
-  <p:clrMapOvr>
-    <a:masterClrMapping/>
-  </p:clrMapOvr>
-  <p:transition xmlns:p14="http://schemas.microsoft.com/office/powerpoint/2010/main">
-    <p:zoom/>
-  </p:transition>
-  <p:timing>
-    <p:tnLst>
-      <p:par>
-        <p:cTn xmlns:p14="http://schemas.microsoft.com/office/powerpoint/2010/main" id="1" dur="indefinite" restart="never" nodeType="tmRoot"/>
-      </p:par>
-    </p:tnLst>
-  </p:timing>
-</p:sld>
-</file>
-
-<file path=ppt/slides/slide19.xml><?xml version="1.0" encoding="utf-8"?>
-<p:sld xmlns:a="http://schemas.openxmlformats.org/drawingml/2006/main" xmlns:r="http://schemas.openxmlformats.org/officeDocument/2006/relationships" xmlns:p="http://schemas.openxmlformats.org/presentationml/2006/main">
-  <p:cSld>
-    <p:spTree>
-      <p:nvGrpSpPr>
-        <p:cNvPr id="1" name=""/>
-        <p:cNvGrpSpPr/>
-        <p:nvPr/>
-      </p:nvGrpSpPr>
-      <p:grpSpPr>
-        <a:xfrm>
-          <a:off x="0" y="0"/>
-          <a:ext cx="0" cy="0"/>
-          <a:chOff x="0" y="0"/>
-          <a:chExt cx="0" cy="0"/>
-        </a:xfrm>
-      </p:grpSpPr>
-      <p:sp>
-        <p:nvSpPr>
           <p:cNvPr id="7" name="Subtitle 6"/>
           <p:cNvSpPr>
             <a:spLocks noGrp="1"/>
@@ -20414,1034 +20196,13 @@
   <p:clrMapOvr>
     <a:masterClrMapping/>
   </p:clrMapOvr>
-  <p:transition xmlns:p14="http://schemas.microsoft.com/office/powerpoint/2010/main">
+  <p:transition>
     <p:zoom/>
   </p:transition>
 </p:sld>
 </file>
 
 <file path=ppt/slides/slide2.xml><?xml version="1.0" encoding="utf-8"?>
-<p:sld xmlns:a="http://schemas.openxmlformats.org/drawingml/2006/main" xmlns:r="http://schemas.openxmlformats.org/officeDocument/2006/relationships" xmlns:p="http://schemas.openxmlformats.org/presentationml/2006/main">
-  <p:cSld>
-    <p:spTree>
-      <p:nvGrpSpPr>
-        <p:cNvPr id="1" name=""/>
-        <p:cNvGrpSpPr/>
-        <p:nvPr/>
-      </p:nvGrpSpPr>
-      <p:grpSpPr>
-        <a:xfrm>
-          <a:off x="0" y="0"/>
-          <a:ext cx="0" cy="0"/>
-          <a:chOff x="0" y="0"/>
-          <a:chExt cx="0" cy="0"/>
-        </a:xfrm>
-      </p:grpSpPr>
-      <p:sp>
-        <p:nvSpPr>
-          <p:cNvPr id="9221" name="Title 1"/>
-          <p:cNvSpPr>
-            <a:spLocks noGrp="1"/>
-          </p:cNvSpPr>
-          <p:nvPr>
-            <p:ph type="title"/>
-          </p:nvPr>
-        </p:nvSpPr>
-        <p:spPr/>
-        <p:txBody>
-          <a:bodyPr/>
-          <a:lstStyle/>
-          <a:p>
-            <a:r>
-              <a:rPr lang="ru-RU" dirty="0" smtClean="0">
-                <a:solidFill>
-                  <a:srgbClr val="161645"/>
-                </a:solidFill>
-                <a:latin typeface="Arial" charset="0"/>
-              </a:rPr>
-              <a:t>Для кого этот тренинг?</a:t>
-            </a:r>
-            <a:endParaRPr lang="ru-RU" dirty="0">
-              <a:solidFill>
-                <a:srgbClr val="161645"/>
-              </a:solidFill>
-              <a:latin typeface="Arial" charset="0"/>
-            </a:endParaRPr>
-          </a:p>
-        </p:txBody>
-      </p:sp>
-      <p:grpSp>
-        <p:nvGrpSpPr>
-          <p:cNvPr id="3" name="Group 2"/>
-          <p:cNvGrpSpPr/>
-          <p:nvPr/>
-        </p:nvGrpSpPr>
-        <p:grpSpPr>
-          <a:xfrm>
-            <a:off x="1362075" y="1988656"/>
-            <a:ext cx="6419850" cy="3229939"/>
-            <a:chOff x="1352550" y="2035583"/>
-            <a:chExt cx="6419850" cy="3229939"/>
-          </a:xfrm>
-        </p:grpSpPr>
-        <p:sp>
-          <p:nvSpPr>
-            <p:cNvPr id="15" name="Rectangle 14"/>
-            <p:cNvSpPr/>
-            <p:nvPr/>
-          </p:nvSpPr>
-          <p:spPr>
-            <a:xfrm>
-              <a:off x="2219325" y="4337787"/>
-              <a:ext cx="5553075" cy="895350"/>
-            </a:xfrm>
-            <a:prstGeom prst="rect">
-              <a:avLst/>
-            </a:prstGeom>
-            <a:solidFill>
-              <a:schemeClr val="accent2"/>
-            </a:solidFill>
-            <a:ln>
-              <a:noFill/>
-            </a:ln>
-          </p:spPr>
-          <p:style>
-            <a:lnRef idx="2">
-              <a:schemeClr val="accent1">
-                <a:shade val="50000"/>
-              </a:schemeClr>
-            </a:lnRef>
-            <a:fillRef idx="1">
-              <a:schemeClr val="accent1"/>
-            </a:fillRef>
-            <a:effectRef idx="0">
-              <a:schemeClr val="accent1"/>
-            </a:effectRef>
-            <a:fontRef idx="minor">
-              <a:schemeClr val="lt1"/>
-            </a:fontRef>
-          </p:style>
-          <p:txBody>
-            <a:bodyPr anchor="ctr"/>
-            <a:lstStyle/>
-            <a:p>
-              <a:pPr algn="ctr">
-                <a:defRPr/>
-              </a:pPr>
-              <a:endParaRPr lang="ru-RU" dirty="0"/>
-            </a:p>
-          </p:txBody>
-        </p:sp>
-        <p:sp>
-          <p:nvSpPr>
-            <p:cNvPr id="14" name="Rectangle 13"/>
-            <p:cNvSpPr/>
-            <p:nvPr/>
-          </p:nvSpPr>
-          <p:spPr>
-            <a:xfrm>
-              <a:off x="2219325" y="3199867"/>
-              <a:ext cx="5553075" cy="895350"/>
-            </a:xfrm>
-            <a:prstGeom prst="rect">
-              <a:avLst/>
-            </a:prstGeom>
-            <a:solidFill>
-              <a:schemeClr val="accent2"/>
-            </a:solidFill>
-            <a:ln>
-              <a:noFill/>
-            </a:ln>
-          </p:spPr>
-          <p:style>
-            <a:lnRef idx="2">
-              <a:schemeClr val="accent1">
-                <a:shade val="50000"/>
-              </a:schemeClr>
-            </a:lnRef>
-            <a:fillRef idx="1">
-              <a:schemeClr val="accent1"/>
-            </a:fillRef>
-            <a:effectRef idx="0">
-              <a:schemeClr val="accent1"/>
-            </a:effectRef>
-            <a:fontRef idx="minor">
-              <a:schemeClr val="lt1"/>
-            </a:fontRef>
-          </p:style>
-          <p:txBody>
-            <a:bodyPr anchor="ctr"/>
-            <a:lstStyle/>
-            <a:p>
-              <a:pPr algn="ctr">
-                <a:defRPr/>
-              </a:pPr>
-              <a:endParaRPr lang="ru-RU" dirty="0"/>
-            </a:p>
-          </p:txBody>
-        </p:sp>
-        <p:sp>
-          <p:nvSpPr>
-            <p:cNvPr id="13" name="Rectangle 12"/>
-            <p:cNvSpPr/>
-            <p:nvPr/>
-          </p:nvSpPr>
-          <p:spPr>
-            <a:xfrm>
-              <a:off x="2219325" y="2035583"/>
-              <a:ext cx="5553075" cy="960120"/>
-            </a:xfrm>
-            <a:prstGeom prst="rect">
-              <a:avLst/>
-            </a:prstGeom>
-            <a:solidFill>
-              <a:schemeClr val="accent2"/>
-            </a:solidFill>
-            <a:ln>
-              <a:noFill/>
-            </a:ln>
-          </p:spPr>
-          <p:style>
-            <a:lnRef idx="2">
-              <a:schemeClr val="accent1">
-                <a:shade val="50000"/>
-              </a:schemeClr>
-            </a:lnRef>
-            <a:fillRef idx="1">
-              <a:schemeClr val="accent1"/>
-            </a:fillRef>
-            <a:effectRef idx="0">
-              <a:schemeClr val="accent1"/>
-            </a:effectRef>
-            <a:fontRef idx="minor">
-              <a:schemeClr val="lt1"/>
-            </a:fontRef>
-          </p:style>
-          <p:txBody>
-            <a:bodyPr anchor="ctr"/>
-            <a:lstStyle/>
-            <a:p>
-              <a:pPr algn="ctr">
-                <a:defRPr/>
-              </a:pPr>
-              <a:endParaRPr lang="ru-RU" dirty="0"/>
-            </a:p>
-          </p:txBody>
-        </p:sp>
-        <p:sp>
-          <p:nvSpPr>
-            <p:cNvPr id="4" name="TextBox 3"/>
-            <p:cNvSpPr txBox="1"/>
-            <p:nvPr/>
-          </p:nvSpPr>
-          <p:spPr>
-            <a:xfrm>
-              <a:off x="2219325" y="3167482"/>
-              <a:ext cx="5553075" cy="960120"/>
-            </a:xfrm>
-            <a:prstGeom prst="rect">
-              <a:avLst/>
-            </a:prstGeom>
-            <a:solidFill>
-              <a:schemeClr val="accent2"/>
-            </a:solidFill>
-          </p:spPr>
-          <p:txBody>
-            <a:bodyPr wrap="square" lIns="108000" tIns="108000" rIns="108000" bIns="108000">
-              <a:spAutoFit/>
-            </a:bodyPr>
-            <a:lstStyle>
-              <a:lvl1pPr eaLnBrk="0" hangingPunct="0">
-                <a:defRPr>
-                  <a:solidFill>
-                    <a:schemeClr val="tx1"/>
-                  </a:solidFill>
-                  <a:latin typeface="Arial" charset="0"/>
-                  <a:ea typeface="ＭＳ Ｐゴシック" charset="0"/>
-                  <a:cs typeface="Arial" charset="0"/>
-                </a:defRPr>
-              </a:lvl1pPr>
-              <a:lvl2pPr marL="742950" indent="-285750" eaLnBrk="0" hangingPunct="0">
-                <a:defRPr>
-                  <a:solidFill>
-                    <a:schemeClr val="tx1"/>
-                  </a:solidFill>
-                  <a:latin typeface="Arial" charset="0"/>
-                  <a:ea typeface="Arial" charset="0"/>
-                  <a:cs typeface="Arial" charset="0"/>
-                </a:defRPr>
-              </a:lvl2pPr>
-              <a:lvl3pPr marL="1143000" indent="-228600" eaLnBrk="0" hangingPunct="0">
-                <a:defRPr>
-                  <a:solidFill>
-                    <a:schemeClr val="tx1"/>
-                  </a:solidFill>
-                  <a:latin typeface="Arial" charset="0"/>
-                  <a:ea typeface="Arial" charset="0"/>
-                  <a:cs typeface="Arial" charset="0"/>
-                </a:defRPr>
-              </a:lvl3pPr>
-              <a:lvl4pPr marL="1600200" indent="-228600" eaLnBrk="0" hangingPunct="0">
-                <a:defRPr>
-                  <a:solidFill>
-                    <a:schemeClr val="tx1"/>
-                  </a:solidFill>
-                  <a:latin typeface="Arial" charset="0"/>
-                  <a:ea typeface="Arial" charset="0"/>
-                  <a:cs typeface="Arial" charset="0"/>
-                </a:defRPr>
-              </a:lvl4pPr>
-              <a:lvl5pPr marL="2057400" indent="-228600" eaLnBrk="0" hangingPunct="0">
-                <a:defRPr>
-                  <a:solidFill>
-                    <a:schemeClr val="tx1"/>
-                  </a:solidFill>
-                  <a:latin typeface="Arial" charset="0"/>
-                  <a:ea typeface="Arial" charset="0"/>
-                  <a:cs typeface="Arial" charset="0"/>
-                </a:defRPr>
-              </a:lvl5pPr>
-              <a:lvl6pPr marL="2514600" indent="-228600" eaLnBrk="0" fontAlgn="base" hangingPunct="0">
-                <a:spcBef>
-                  <a:spcPct val="0"/>
-                </a:spcBef>
-                <a:spcAft>
-                  <a:spcPct val="0"/>
-                </a:spcAft>
-                <a:defRPr>
-                  <a:solidFill>
-                    <a:schemeClr val="tx1"/>
-                  </a:solidFill>
-                  <a:latin typeface="Arial" charset="0"/>
-                  <a:ea typeface="Arial" charset="0"/>
-                  <a:cs typeface="Arial" charset="0"/>
-                </a:defRPr>
-              </a:lvl6pPr>
-              <a:lvl7pPr marL="2971800" indent="-228600" eaLnBrk="0" fontAlgn="base" hangingPunct="0">
-                <a:spcBef>
-                  <a:spcPct val="0"/>
-                </a:spcBef>
-                <a:spcAft>
-                  <a:spcPct val="0"/>
-                </a:spcAft>
-                <a:defRPr>
-                  <a:solidFill>
-                    <a:schemeClr val="tx1"/>
-                  </a:solidFill>
-                  <a:latin typeface="Arial" charset="0"/>
-                  <a:ea typeface="Arial" charset="0"/>
-                  <a:cs typeface="Arial" charset="0"/>
-                </a:defRPr>
-              </a:lvl7pPr>
-              <a:lvl8pPr marL="3429000" indent="-228600" eaLnBrk="0" fontAlgn="base" hangingPunct="0">
-                <a:spcBef>
-                  <a:spcPct val="0"/>
-                </a:spcBef>
-                <a:spcAft>
-                  <a:spcPct val="0"/>
-                </a:spcAft>
-                <a:defRPr>
-                  <a:solidFill>
-                    <a:schemeClr val="tx1"/>
-                  </a:solidFill>
-                  <a:latin typeface="Arial" charset="0"/>
-                  <a:ea typeface="Arial" charset="0"/>
-                  <a:cs typeface="Arial" charset="0"/>
-                </a:defRPr>
-              </a:lvl8pPr>
-              <a:lvl9pPr marL="3886200" indent="-228600" eaLnBrk="0" fontAlgn="base" hangingPunct="0">
-                <a:spcBef>
-                  <a:spcPct val="0"/>
-                </a:spcBef>
-                <a:spcAft>
-                  <a:spcPct val="0"/>
-                </a:spcAft>
-                <a:defRPr>
-                  <a:solidFill>
-                    <a:schemeClr val="tx1"/>
-                  </a:solidFill>
-                  <a:latin typeface="Arial" charset="0"/>
-                  <a:ea typeface="Arial" charset="0"/>
-                  <a:cs typeface="Arial" charset="0"/>
-                </a:defRPr>
-              </a:lvl9pPr>
-            </a:lstStyle>
-            <a:p>
-              <a:pPr eaLnBrk="1" hangingPunct="1">
-                <a:buClr>
-                  <a:srgbClr val="FF6600"/>
-                </a:buClr>
-                <a:buSzPct val="125000"/>
-              </a:pPr>
-              <a:r>
-                <a:rPr lang="en-US" b="1" dirty="0" smtClean="0">
-                  <a:solidFill>
-                    <a:srgbClr val="004080"/>
-                  </a:solidFill>
-                </a:rPr>
-                <a:t>Intermediate</a:t>
-              </a:r>
-              <a:endParaRPr lang="en-US" dirty="0" smtClean="0">
-                <a:solidFill>
-                  <a:srgbClr val="004080"/>
-                </a:solidFill>
-              </a:endParaRPr>
-            </a:p>
-            <a:p>
-              <a:pPr eaLnBrk="1" hangingPunct="1">
-                <a:buClr>
-                  <a:srgbClr val="FF6600"/>
-                </a:buClr>
-                <a:buSzPct val="125000"/>
-              </a:pPr>
-              <a:r>
-                <a:rPr lang="ru-RU" dirty="0" smtClean="0">
-                  <a:solidFill>
-                    <a:srgbClr val="004080"/>
-                  </a:solidFill>
-                </a:rPr>
-                <a:t>Поможет лучше всё структурировать в голове и объяснять коллегам</a:t>
-              </a:r>
-              <a:endParaRPr lang="ru-RU" dirty="0">
-                <a:solidFill>
-                  <a:srgbClr val="004080"/>
-                </a:solidFill>
-              </a:endParaRPr>
-            </a:p>
-          </p:txBody>
-        </p:sp>
-        <p:sp>
-          <p:nvSpPr>
-            <p:cNvPr id="6" name="TextBox 5"/>
-            <p:cNvSpPr txBox="1"/>
-            <p:nvPr/>
-          </p:nvSpPr>
-          <p:spPr>
-            <a:xfrm>
-              <a:off x="2286000" y="2129590"/>
-              <a:ext cx="5438775" cy="772107"/>
-            </a:xfrm>
-            <a:prstGeom prst="rect">
-              <a:avLst/>
-            </a:prstGeom>
-            <a:solidFill>
-              <a:schemeClr val="accent2"/>
-            </a:solidFill>
-          </p:spPr>
-          <p:txBody>
-            <a:bodyPr lIns="108000" tIns="108000" rIns="108000" bIns="108000">
-              <a:spAutoFit/>
-            </a:bodyPr>
-            <a:lstStyle>
-              <a:lvl1pPr eaLnBrk="0" hangingPunct="0">
-                <a:defRPr>
-                  <a:solidFill>
-                    <a:schemeClr val="tx1"/>
-                  </a:solidFill>
-                  <a:latin typeface="Arial" charset="0"/>
-                  <a:ea typeface="ＭＳ Ｐゴシック" charset="0"/>
-                  <a:cs typeface="Arial" charset="0"/>
-                </a:defRPr>
-              </a:lvl1pPr>
-              <a:lvl2pPr marL="742950" indent="-285750" eaLnBrk="0" hangingPunct="0">
-                <a:defRPr>
-                  <a:solidFill>
-                    <a:schemeClr val="tx1"/>
-                  </a:solidFill>
-                  <a:latin typeface="Arial" charset="0"/>
-                  <a:ea typeface="Arial" charset="0"/>
-                  <a:cs typeface="Arial" charset="0"/>
-                </a:defRPr>
-              </a:lvl2pPr>
-              <a:lvl3pPr marL="1143000" indent="-228600" eaLnBrk="0" hangingPunct="0">
-                <a:defRPr>
-                  <a:solidFill>
-                    <a:schemeClr val="tx1"/>
-                  </a:solidFill>
-                  <a:latin typeface="Arial" charset="0"/>
-                  <a:ea typeface="Arial" charset="0"/>
-                  <a:cs typeface="Arial" charset="0"/>
-                </a:defRPr>
-              </a:lvl3pPr>
-              <a:lvl4pPr marL="1600200" indent="-228600" eaLnBrk="0" hangingPunct="0">
-                <a:defRPr>
-                  <a:solidFill>
-                    <a:schemeClr val="tx1"/>
-                  </a:solidFill>
-                  <a:latin typeface="Arial" charset="0"/>
-                  <a:ea typeface="Arial" charset="0"/>
-                  <a:cs typeface="Arial" charset="0"/>
-                </a:defRPr>
-              </a:lvl4pPr>
-              <a:lvl5pPr marL="2057400" indent="-228600" eaLnBrk="0" hangingPunct="0">
-                <a:defRPr>
-                  <a:solidFill>
-                    <a:schemeClr val="tx1"/>
-                  </a:solidFill>
-                  <a:latin typeface="Arial" charset="0"/>
-                  <a:ea typeface="Arial" charset="0"/>
-                  <a:cs typeface="Arial" charset="0"/>
-                </a:defRPr>
-              </a:lvl5pPr>
-              <a:lvl6pPr marL="2514600" indent="-228600" eaLnBrk="0" fontAlgn="base" hangingPunct="0">
-                <a:spcBef>
-                  <a:spcPct val="0"/>
-                </a:spcBef>
-                <a:spcAft>
-                  <a:spcPct val="0"/>
-                </a:spcAft>
-                <a:defRPr>
-                  <a:solidFill>
-                    <a:schemeClr val="tx1"/>
-                  </a:solidFill>
-                  <a:latin typeface="Arial" charset="0"/>
-                  <a:ea typeface="Arial" charset="0"/>
-                  <a:cs typeface="Arial" charset="0"/>
-                </a:defRPr>
-              </a:lvl6pPr>
-              <a:lvl7pPr marL="2971800" indent="-228600" eaLnBrk="0" fontAlgn="base" hangingPunct="0">
-                <a:spcBef>
-                  <a:spcPct val="0"/>
-                </a:spcBef>
-                <a:spcAft>
-                  <a:spcPct val="0"/>
-                </a:spcAft>
-                <a:defRPr>
-                  <a:solidFill>
-                    <a:schemeClr val="tx1"/>
-                  </a:solidFill>
-                  <a:latin typeface="Arial" charset="0"/>
-                  <a:ea typeface="Arial" charset="0"/>
-                  <a:cs typeface="Arial" charset="0"/>
-                </a:defRPr>
-              </a:lvl7pPr>
-              <a:lvl8pPr marL="3429000" indent="-228600" eaLnBrk="0" fontAlgn="base" hangingPunct="0">
-                <a:spcBef>
-                  <a:spcPct val="0"/>
-                </a:spcBef>
-                <a:spcAft>
-                  <a:spcPct val="0"/>
-                </a:spcAft>
-                <a:defRPr>
-                  <a:solidFill>
-                    <a:schemeClr val="tx1"/>
-                  </a:solidFill>
-                  <a:latin typeface="Arial" charset="0"/>
-                  <a:ea typeface="Arial" charset="0"/>
-                  <a:cs typeface="Arial" charset="0"/>
-                </a:defRPr>
-              </a:lvl8pPr>
-              <a:lvl9pPr marL="3886200" indent="-228600" eaLnBrk="0" fontAlgn="base" hangingPunct="0">
-                <a:spcBef>
-                  <a:spcPct val="0"/>
-                </a:spcBef>
-                <a:spcAft>
-                  <a:spcPct val="0"/>
-                </a:spcAft>
-                <a:defRPr>
-                  <a:solidFill>
-                    <a:schemeClr val="tx1"/>
-                  </a:solidFill>
-                  <a:latin typeface="Arial" charset="0"/>
-                  <a:ea typeface="Arial" charset="0"/>
-                  <a:cs typeface="Arial" charset="0"/>
-                </a:defRPr>
-              </a:lvl9pPr>
-            </a:lstStyle>
-            <a:p>
-              <a:pPr eaLnBrk="1" hangingPunct="1">
-                <a:buClr>
-                  <a:srgbClr val="FF6600"/>
-                </a:buClr>
-                <a:buSzPct val="125000"/>
-              </a:pPr>
-              <a:r>
-                <a:rPr lang="de-DE" b="1" dirty="0" smtClean="0">
-                  <a:solidFill>
-                    <a:srgbClr val="004080"/>
-                  </a:solidFill>
-                </a:rPr>
-                <a:t>Beginner</a:t>
-              </a:r>
-              <a:endParaRPr lang="ru-RU" b="1" dirty="0" smtClean="0">
-                <a:solidFill>
-                  <a:srgbClr val="004080"/>
-                </a:solidFill>
-              </a:endParaRPr>
-            </a:p>
-            <a:p>
-              <a:pPr eaLnBrk="1" hangingPunct="1">
-                <a:buClr>
-                  <a:srgbClr val="FF6600"/>
-                </a:buClr>
-                <a:buSzPct val="125000"/>
-              </a:pPr>
-              <a:r>
-                <a:rPr lang="ru-RU" dirty="0" smtClean="0">
-                  <a:solidFill>
-                    <a:srgbClr val="004080"/>
-                  </a:solidFill>
-                </a:rPr>
-                <a:t>Хорошая</a:t>
-              </a:r>
-              <a:r>
-                <a:rPr lang="de-DE" dirty="0" smtClean="0">
-                  <a:solidFill>
-                    <a:srgbClr val="004080"/>
-                  </a:solidFill>
-                </a:rPr>
-                <a:t> </a:t>
-              </a:r>
-              <a:r>
-                <a:rPr lang="ru-RU" dirty="0" smtClean="0">
-                  <a:solidFill>
-                    <a:srgbClr val="004080"/>
-                  </a:solidFill>
-                </a:rPr>
-                <a:t>точка входа</a:t>
-              </a:r>
-              <a:endParaRPr lang="ru-RU" dirty="0">
-                <a:solidFill>
-                  <a:srgbClr val="004080"/>
-                </a:solidFill>
-              </a:endParaRPr>
-            </a:p>
-          </p:txBody>
-        </p:sp>
-        <p:sp>
-          <p:nvSpPr>
-            <p:cNvPr id="8" name="TextBox 7"/>
-            <p:cNvSpPr txBox="1"/>
-            <p:nvPr/>
-          </p:nvSpPr>
-          <p:spPr>
-            <a:xfrm>
-              <a:off x="2219326" y="4305402"/>
-              <a:ext cx="5505450" cy="960120"/>
-            </a:xfrm>
-            <a:prstGeom prst="rect">
-              <a:avLst/>
-            </a:prstGeom>
-            <a:solidFill>
-              <a:schemeClr val="accent2"/>
-            </a:solidFill>
-          </p:spPr>
-          <p:txBody>
-            <a:bodyPr wrap="square" lIns="108000" tIns="108000" rIns="108000" bIns="108000">
-              <a:spAutoFit/>
-            </a:bodyPr>
-            <a:lstStyle>
-              <a:lvl1pPr eaLnBrk="0" hangingPunct="0">
-                <a:defRPr>
-                  <a:solidFill>
-                    <a:schemeClr val="tx1"/>
-                  </a:solidFill>
-                  <a:latin typeface="Arial" charset="0"/>
-                  <a:ea typeface="ＭＳ Ｐゴシック" charset="0"/>
-                  <a:cs typeface="Arial" charset="0"/>
-                </a:defRPr>
-              </a:lvl1pPr>
-              <a:lvl2pPr marL="742950" indent="-285750" eaLnBrk="0" hangingPunct="0">
-                <a:defRPr>
-                  <a:solidFill>
-                    <a:schemeClr val="tx1"/>
-                  </a:solidFill>
-                  <a:latin typeface="Arial" charset="0"/>
-                  <a:ea typeface="Arial" charset="0"/>
-                  <a:cs typeface="Arial" charset="0"/>
-                </a:defRPr>
-              </a:lvl2pPr>
-              <a:lvl3pPr marL="1143000" indent="-228600" eaLnBrk="0" hangingPunct="0">
-                <a:defRPr>
-                  <a:solidFill>
-                    <a:schemeClr val="tx1"/>
-                  </a:solidFill>
-                  <a:latin typeface="Arial" charset="0"/>
-                  <a:ea typeface="Arial" charset="0"/>
-                  <a:cs typeface="Arial" charset="0"/>
-                </a:defRPr>
-              </a:lvl3pPr>
-              <a:lvl4pPr marL="1600200" indent="-228600" eaLnBrk="0" hangingPunct="0">
-                <a:defRPr>
-                  <a:solidFill>
-                    <a:schemeClr val="tx1"/>
-                  </a:solidFill>
-                  <a:latin typeface="Arial" charset="0"/>
-                  <a:ea typeface="Arial" charset="0"/>
-                  <a:cs typeface="Arial" charset="0"/>
-                </a:defRPr>
-              </a:lvl4pPr>
-              <a:lvl5pPr marL="2057400" indent="-228600" eaLnBrk="0" hangingPunct="0">
-                <a:defRPr>
-                  <a:solidFill>
-                    <a:schemeClr val="tx1"/>
-                  </a:solidFill>
-                  <a:latin typeface="Arial" charset="0"/>
-                  <a:ea typeface="Arial" charset="0"/>
-                  <a:cs typeface="Arial" charset="0"/>
-                </a:defRPr>
-              </a:lvl5pPr>
-              <a:lvl6pPr marL="2514600" indent="-228600" eaLnBrk="0" fontAlgn="base" hangingPunct="0">
-                <a:spcBef>
-                  <a:spcPct val="0"/>
-                </a:spcBef>
-                <a:spcAft>
-                  <a:spcPct val="0"/>
-                </a:spcAft>
-                <a:defRPr>
-                  <a:solidFill>
-                    <a:schemeClr val="tx1"/>
-                  </a:solidFill>
-                  <a:latin typeface="Arial" charset="0"/>
-                  <a:ea typeface="Arial" charset="0"/>
-                  <a:cs typeface="Arial" charset="0"/>
-                </a:defRPr>
-              </a:lvl6pPr>
-              <a:lvl7pPr marL="2971800" indent="-228600" eaLnBrk="0" fontAlgn="base" hangingPunct="0">
-                <a:spcBef>
-                  <a:spcPct val="0"/>
-                </a:spcBef>
-                <a:spcAft>
-                  <a:spcPct val="0"/>
-                </a:spcAft>
-                <a:defRPr>
-                  <a:solidFill>
-                    <a:schemeClr val="tx1"/>
-                  </a:solidFill>
-                  <a:latin typeface="Arial" charset="0"/>
-                  <a:ea typeface="Arial" charset="0"/>
-                  <a:cs typeface="Arial" charset="0"/>
-                </a:defRPr>
-              </a:lvl7pPr>
-              <a:lvl8pPr marL="3429000" indent="-228600" eaLnBrk="0" fontAlgn="base" hangingPunct="0">
-                <a:spcBef>
-                  <a:spcPct val="0"/>
-                </a:spcBef>
-                <a:spcAft>
-                  <a:spcPct val="0"/>
-                </a:spcAft>
-                <a:defRPr>
-                  <a:solidFill>
-                    <a:schemeClr val="tx1"/>
-                  </a:solidFill>
-                  <a:latin typeface="Arial" charset="0"/>
-                  <a:ea typeface="Arial" charset="0"/>
-                  <a:cs typeface="Arial" charset="0"/>
-                </a:defRPr>
-              </a:lvl8pPr>
-              <a:lvl9pPr marL="3886200" indent="-228600" eaLnBrk="0" fontAlgn="base" hangingPunct="0">
-                <a:spcBef>
-                  <a:spcPct val="0"/>
-                </a:spcBef>
-                <a:spcAft>
-                  <a:spcPct val="0"/>
-                </a:spcAft>
-                <a:defRPr>
-                  <a:solidFill>
-                    <a:schemeClr val="tx1"/>
-                  </a:solidFill>
-                  <a:latin typeface="Arial" charset="0"/>
-                  <a:ea typeface="Arial" charset="0"/>
-                  <a:cs typeface="Arial" charset="0"/>
-                </a:defRPr>
-              </a:lvl9pPr>
-            </a:lstStyle>
-            <a:p>
-              <a:pPr eaLnBrk="1" hangingPunct="1">
-                <a:buClr>
-                  <a:srgbClr val="FF6600"/>
-                </a:buClr>
-                <a:buSzPct val="125000"/>
-              </a:pPr>
-              <a:r>
-                <a:rPr lang="en-US" b="1" dirty="0" smtClean="0">
-                  <a:solidFill>
-                    <a:srgbClr val="004080"/>
-                  </a:solidFill>
-                </a:rPr>
-                <a:t>Advanced </a:t>
-              </a:r>
-              <a:endParaRPr lang="ru-RU" b="1" dirty="0" smtClean="0">
-                <a:solidFill>
-                  <a:srgbClr val="004080"/>
-                </a:solidFill>
-              </a:endParaRPr>
-            </a:p>
-            <a:p>
-              <a:pPr eaLnBrk="1" hangingPunct="1">
-                <a:buClr>
-                  <a:srgbClr val="FF6600"/>
-                </a:buClr>
-                <a:buSzPct val="125000"/>
-              </a:pPr>
-              <a:r>
-                <a:rPr lang="ru-RU" dirty="0" smtClean="0">
-                  <a:solidFill>
-                    <a:srgbClr val="004080"/>
-                  </a:solidFill>
-                </a:rPr>
-                <a:t>Можно использовать для</a:t>
-              </a:r>
-              <a:r>
-                <a:rPr lang="en-US" dirty="0" smtClean="0">
-                  <a:solidFill>
-                    <a:srgbClr val="004080"/>
-                  </a:solidFill>
-                </a:rPr>
-                <a:t> </a:t>
-              </a:r>
-              <a:r>
-                <a:rPr lang="ru-RU" dirty="0" smtClean="0">
-                  <a:solidFill>
-                    <a:srgbClr val="004080"/>
-                  </a:solidFill>
-                </a:rPr>
-                <a:t>обучения</a:t>
-              </a:r>
-              <a:r>
-                <a:rPr lang="en-US" dirty="0" smtClean="0">
-                  <a:solidFill>
-                    <a:srgbClr val="004080"/>
-                  </a:solidFill>
-                </a:rPr>
-                <a:t> </a:t>
-              </a:r>
-              <a:r>
-                <a:rPr lang="ru-RU" dirty="0" smtClean="0">
-                  <a:solidFill>
-                    <a:srgbClr val="004080"/>
-                  </a:solidFill>
-                </a:rPr>
-                <a:t>и</a:t>
-              </a:r>
-              <a:r>
-                <a:rPr lang="en-US" dirty="0" smtClean="0">
-                  <a:solidFill>
-                    <a:srgbClr val="004080"/>
-                  </a:solidFill>
-                </a:rPr>
-                <a:t> </a:t>
-              </a:r>
-              <a:r>
-                <a:rPr lang="ru-RU" dirty="0" smtClean="0">
-                  <a:solidFill>
-                    <a:srgbClr val="004080"/>
-                  </a:solidFill>
-                </a:rPr>
-                <a:t>проверки других</a:t>
-              </a:r>
-              <a:endParaRPr lang="ru-RU" dirty="0">
-                <a:solidFill>
-                  <a:srgbClr val="004080"/>
-                </a:solidFill>
-              </a:endParaRPr>
-            </a:p>
-          </p:txBody>
-        </p:sp>
-        <p:sp>
-          <p:nvSpPr>
-            <p:cNvPr id="16" name="Rectangle 15"/>
-            <p:cNvSpPr/>
-            <p:nvPr/>
-          </p:nvSpPr>
-          <p:spPr>
-            <a:xfrm>
-              <a:off x="1352550" y="4305402"/>
-              <a:ext cx="752475" cy="960120"/>
-            </a:xfrm>
-            <a:prstGeom prst="rect">
-              <a:avLst/>
-            </a:prstGeom>
-            <a:solidFill>
-              <a:schemeClr val="accent3"/>
-            </a:solidFill>
-            <a:ln>
-              <a:noFill/>
-            </a:ln>
-          </p:spPr>
-          <p:style>
-            <a:lnRef idx="2">
-              <a:schemeClr val="accent1">
-                <a:shade val="50000"/>
-              </a:schemeClr>
-            </a:lnRef>
-            <a:fillRef idx="1">
-              <a:schemeClr val="accent1"/>
-            </a:fillRef>
-            <a:effectRef idx="0">
-              <a:schemeClr val="accent1"/>
-            </a:effectRef>
-            <a:fontRef idx="minor">
-              <a:schemeClr val="lt1"/>
-            </a:fontRef>
-          </p:style>
-          <p:txBody>
-            <a:bodyPr anchor="ctr"/>
-            <a:lstStyle/>
-            <a:p>
-              <a:pPr algn="ctr">
-                <a:defRPr/>
-              </a:pPr>
-              <a:r>
-                <a:rPr lang="ru-RU" sz="5400" b="1" dirty="0"/>
-                <a:t>3</a:t>
-              </a:r>
-            </a:p>
-          </p:txBody>
-        </p:sp>
-        <p:sp>
-          <p:nvSpPr>
-            <p:cNvPr id="17" name="Rectangle 16"/>
-            <p:cNvSpPr/>
-            <p:nvPr/>
-          </p:nvSpPr>
-          <p:spPr>
-            <a:xfrm>
-              <a:off x="1352550" y="3167482"/>
-              <a:ext cx="752475" cy="960120"/>
-            </a:xfrm>
-            <a:prstGeom prst="rect">
-              <a:avLst/>
-            </a:prstGeom>
-            <a:solidFill>
-              <a:schemeClr val="accent3"/>
-            </a:solidFill>
-            <a:ln>
-              <a:noFill/>
-            </a:ln>
-          </p:spPr>
-          <p:style>
-            <a:lnRef idx="2">
-              <a:schemeClr val="accent1">
-                <a:shade val="50000"/>
-              </a:schemeClr>
-            </a:lnRef>
-            <a:fillRef idx="1">
-              <a:schemeClr val="accent1"/>
-            </a:fillRef>
-            <a:effectRef idx="0">
-              <a:schemeClr val="accent1"/>
-            </a:effectRef>
-            <a:fontRef idx="minor">
-              <a:schemeClr val="lt1"/>
-            </a:fontRef>
-          </p:style>
-          <p:txBody>
-            <a:bodyPr anchor="ctr"/>
-            <a:lstStyle/>
-            <a:p>
-              <a:pPr algn="ctr">
-                <a:defRPr/>
-              </a:pPr>
-              <a:r>
-                <a:rPr lang="ru-RU" sz="5400" b="1" dirty="0"/>
-                <a:t>2</a:t>
-              </a:r>
-            </a:p>
-          </p:txBody>
-        </p:sp>
-        <p:sp>
-          <p:nvSpPr>
-            <p:cNvPr id="18" name="Rectangle 17"/>
-            <p:cNvSpPr/>
-            <p:nvPr/>
-          </p:nvSpPr>
-          <p:spPr>
-            <a:xfrm>
-              <a:off x="1352550" y="2035583"/>
-              <a:ext cx="752475" cy="960120"/>
-            </a:xfrm>
-            <a:prstGeom prst="rect">
-              <a:avLst/>
-            </a:prstGeom>
-            <a:solidFill>
-              <a:schemeClr val="accent3"/>
-            </a:solidFill>
-            <a:ln>
-              <a:noFill/>
-            </a:ln>
-          </p:spPr>
-          <p:style>
-            <a:lnRef idx="2">
-              <a:schemeClr val="accent1">
-                <a:shade val="50000"/>
-              </a:schemeClr>
-            </a:lnRef>
-            <a:fillRef idx="1">
-              <a:schemeClr val="accent1"/>
-            </a:fillRef>
-            <a:effectRef idx="0">
-              <a:schemeClr val="accent1"/>
-            </a:effectRef>
-            <a:fontRef idx="minor">
-              <a:schemeClr val="lt1"/>
-            </a:fontRef>
-          </p:style>
-          <p:txBody>
-            <a:bodyPr anchor="ctr"/>
-            <a:lstStyle/>
-            <a:p>
-              <a:pPr algn="ctr">
-                <a:defRPr/>
-              </a:pPr>
-              <a:r>
-                <a:rPr lang="ru-RU" sz="5400" b="1" dirty="0"/>
-                <a:t>1</a:t>
-              </a:r>
-            </a:p>
-          </p:txBody>
-        </p:sp>
-      </p:grpSp>
-      <p:sp>
-        <p:nvSpPr>
-          <p:cNvPr id="5" name="TextBox 4"/>
-          <p:cNvSpPr txBox="1"/>
-          <p:nvPr/>
-        </p:nvSpPr>
-        <p:spPr>
-          <a:xfrm>
-            <a:off x="8731250" y="6683375"/>
-            <a:ext cx="184666" cy="369332"/>
-          </a:xfrm>
-          <a:prstGeom prst="rect">
-            <a:avLst/>
-          </a:prstGeom>
-          <a:noFill/>
-        </p:spPr>
-        <p:txBody>
-          <a:bodyPr wrap="none" rtlCol="0">
-            <a:spAutoFit/>
-          </a:bodyPr>
-          <a:lstStyle/>
-          <a:p>
-            <a:endParaRPr lang="en-US" dirty="0"/>
-          </a:p>
-        </p:txBody>
-      </p:sp>
-    </p:spTree>
-    <p:extLst>
-      <p:ext uri="{BB962C8B-B14F-4D97-AF65-F5344CB8AC3E}">
-        <p14:creationId xmlns:p14="http://schemas.microsoft.com/office/powerpoint/2010/main" val="1987314718"/>
-      </p:ext>
-    </p:extLst>
-  </p:cSld>
-  <p:clrMapOvr>
-    <a:masterClrMapping/>
-  </p:clrMapOvr>
-  <p:transition xmlns:p14="http://schemas.microsoft.com/office/powerpoint/2010/main" spd="slow">
-    <p:fade/>
-  </p:transition>
-  <p:timing>
-    <p:tnLst>
-      <p:par>
-        <p:cTn xmlns:p14="http://schemas.microsoft.com/office/powerpoint/2010/main" id="1" dur="indefinite" restart="never" nodeType="tmRoot"/>
-      </p:par>
-    </p:tnLst>
-  </p:timing>
-</p:sld>
-</file>
-
-<file path=ppt/slides/slide3.xml><?xml version="1.0" encoding="utf-8"?>
 <p:sld xmlns:a="http://schemas.openxmlformats.org/drawingml/2006/main" xmlns:r="http://schemas.openxmlformats.org/officeDocument/2006/relationships" xmlns:p="http://schemas.openxmlformats.org/presentationml/2006/main">
   <p:cSld>
     <p:spTree>
@@ -23397,13 +22158,172 @@
   <p:clrMapOvr>
     <a:masterClrMapping/>
   </p:clrMapOvr>
-  <p:transition xmlns:p14="http://schemas.microsoft.com/office/powerpoint/2010/main" spd="slow">
+  <p:transition spd="slow">
     <p:fade/>
   </p:transition>
   <p:timing>
     <p:tnLst>
       <p:par>
-        <p:cTn xmlns:p14="http://schemas.microsoft.com/office/powerpoint/2010/main" id="1" dur="indefinite" restart="never" nodeType="tmRoot"/>
+        <p:cTn id="1" dur="indefinite" restart="never" nodeType="tmRoot"/>
+      </p:par>
+    </p:tnLst>
+  </p:timing>
+</p:sld>
+</file>
+
+<file path=ppt/slides/slide3.xml><?xml version="1.0" encoding="utf-8"?>
+<p:sld xmlns:a="http://schemas.openxmlformats.org/drawingml/2006/main" xmlns:r="http://schemas.openxmlformats.org/officeDocument/2006/relationships" xmlns:p="http://schemas.openxmlformats.org/presentationml/2006/main">
+  <p:cSld>
+    <p:spTree>
+      <p:nvGrpSpPr>
+        <p:cNvPr id="1" name=""/>
+        <p:cNvGrpSpPr/>
+        <p:nvPr/>
+      </p:nvGrpSpPr>
+      <p:grpSpPr>
+        <a:xfrm>
+          <a:off x="0" y="0"/>
+          <a:ext cx="0" cy="0"/>
+          <a:chOff x="0" y="0"/>
+          <a:chExt cx="0" cy="0"/>
+        </a:xfrm>
+      </p:grpSpPr>
+      <p:sp>
+        <p:nvSpPr>
+          <p:cNvPr id="2" name="Title 1"/>
+          <p:cNvSpPr>
+            <a:spLocks noGrp="1"/>
+          </p:cNvSpPr>
+          <p:nvPr>
+            <p:ph type="title"/>
+          </p:nvPr>
+        </p:nvSpPr>
+        <p:spPr/>
+        <p:txBody>
+          <a:bodyPr/>
+          <a:lstStyle/>
+          <a:p>
+            <a:r>
+              <a:rPr lang="ru-RU" dirty="0"/>
+              <a:t>Слишком простой код</a:t>
+            </a:r>
+            <a:endParaRPr lang="en-US" dirty="0"/>
+          </a:p>
+        </p:txBody>
+      </p:sp>
+      <p:sp>
+        <p:nvSpPr>
+          <p:cNvPr id="5" name="Rectangle 4"/>
+          <p:cNvSpPr>
+            <a:spLocks noChangeArrowheads="1"/>
+          </p:cNvSpPr>
+          <p:nvPr>
+            <p:custDataLst>
+              <p:tags r:id="rId1"/>
+            </p:custDataLst>
+          </p:nvPr>
+        </p:nvSpPr>
+        <p:spPr bwMode="auto">
+          <a:xfrm>
+            <a:off x="2000878" y="2062698"/>
+            <a:ext cx="5023841" cy="2178606"/>
+          </a:xfrm>
+          <a:prstGeom prst="rect">
+            <a:avLst/>
+          </a:prstGeom>
+          <a:noFill/>
+          <a:ln w="19050">
+            <a:noFill/>
+            <a:miter lim="800000"/>
+            <a:headEnd/>
+            <a:tailEnd/>
+          </a:ln>
+        </p:spPr>
+        <p:txBody>
+          <a:bodyPr wrap="square" lIns="93296" tIns="144000" rIns="93296" bIns="93296">
+            <a:spAutoFit/>
+          </a:bodyPr>
+          <a:lstStyle/>
+          <a:p>
+            <a:pPr marL="287338" indent="-287338" defTabSz="803275">
+              <a:buClr>
+                <a:srgbClr val="FF6600"/>
+              </a:buClr>
+              <a:buSzPct val="125000"/>
+              <a:buFont typeface="Wingdings" charset="0"/>
+              <a:buChar char="§"/>
+            </a:pPr>
+            <a:r>
+              <a:rPr lang="ru-RU" dirty="0">
+                <a:solidFill>
+                  <a:schemeClr val="accent4"/>
+                </a:solidFill>
+              </a:rPr>
+              <a:t>Как правило, так кажется только в момент его </a:t>
+            </a:r>
+            <a:r>
+              <a:rPr lang="ru-RU" dirty="0" smtClean="0">
+                <a:solidFill>
+                  <a:schemeClr val="accent4"/>
+                </a:solidFill>
+              </a:rPr>
+              <a:t>написания</a:t>
+            </a:r>
+            <a:endParaRPr lang="en-US" dirty="0" smtClean="0">
+              <a:solidFill>
+                <a:schemeClr val="accent4"/>
+              </a:solidFill>
+            </a:endParaRPr>
+          </a:p>
+          <a:p>
+            <a:pPr marL="287338" indent="-287338" defTabSz="803275">
+              <a:buClr>
+                <a:srgbClr val="FF6600"/>
+              </a:buClr>
+              <a:buSzPct val="125000"/>
+              <a:buFont typeface="Wingdings" charset="0"/>
+              <a:buChar char="§"/>
+            </a:pPr>
+            <a:endParaRPr lang="ru-RU" dirty="0">
+              <a:solidFill>
+                <a:schemeClr val="accent4"/>
+              </a:solidFill>
+            </a:endParaRPr>
+          </a:p>
+          <a:p>
+            <a:pPr marL="287338" indent="-287338" defTabSz="803275">
+              <a:buClr>
+                <a:srgbClr val="FF6600"/>
+              </a:buClr>
+              <a:buSzPct val="125000"/>
+              <a:buFont typeface="Wingdings" charset="0"/>
+              <a:buChar char="§"/>
+            </a:pPr>
+            <a:r>
+              <a:rPr lang="ru-RU" dirty="0">
+                <a:solidFill>
+                  <a:schemeClr val="accent4"/>
+                </a:solidFill>
+              </a:rPr>
+              <a:t>Через полгода (а может и через пару недель) связи этого кода с другими могут показаться не такими очевидными, а сам код – не таким уж и простым</a:t>
+            </a:r>
+          </a:p>
+        </p:txBody>
+      </p:sp>
+    </p:spTree>
+    <p:extLst>
+      <p:ext uri="{BB962C8B-B14F-4D97-AF65-F5344CB8AC3E}">
+        <p14:creationId xmlns:p14="http://schemas.microsoft.com/office/powerpoint/2010/main" val="13292627"/>
+      </p:ext>
+    </p:extLst>
+  </p:cSld>
+  <p:clrMapOvr>
+    <a:masterClrMapping/>
+  </p:clrMapOvr>
+  <p:timing>
+    <p:tnLst>
+      <p:par>
+        <p:cTn id="1" dur="indefinite" restart="never" nodeType="tmRoot"/>
       </p:par>
     </p:tnLst>
   </p:timing>
@@ -23444,7 +22364,7 @@
           <a:p>
             <a:r>
               <a:rPr lang="ru-RU" dirty="0"/>
-              <a:t>Слишком простой код</a:t>
+              <a:t>Тесты сложнее, чем сам код</a:t>
             </a:r>
             <a:endParaRPr lang="en-US" dirty="0"/>
           </a:p>
@@ -23465,7 +22385,7 @@
         <p:spPr bwMode="auto">
           <a:xfrm>
             <a:off x="2000878" y="2062698"/>
-            <a:ext cx="5023841" cy="2178606"/>
+            <a:ext cx="5023841" cy="3286601"/>
           </a:xfrm>
           <a:prstGeom prst="rect">
             <a:avLst/>
@@ -23498,7 +22418,7 @@
                   <a:schemeClr val="accent4"/>
                 </a:solidFill>
               </a:rPr>
-              <a:t>Как правило, так кажется только в момент его </a:t>
+              <a:t>Как правило, такая ситуация возникает в двух случаях</a:t>
             </a:r>
             <a:r>
               <a:rPr lang="ru-RU" dirty="0" smtClean="0">
@@ -23506,7 +22426,7 @@
                   <a:schemeClr val="accent4"/>
                 </a:solidFill>
               </a:rPr>
-              <a:t>написания</a:t>
+              <a:t>:</a:t>
             </a:r>
             <a:endParaRPr lang="en-US" dirty="0" smtClean="0">
               <a:solidFill>
@@ -23530,6 +22450,70 @@
             </a:endParaRPr>
           </a:p>
           <a:p>
+            <a:pPr marL="744538" lvl="1" indent="-287338" defTabSz="803275">
+              <a:buClr>
+                <a:srgbClr val="FF6600"/>
+              </a:buClr>
+              <a:buSzPct val="125000"/>
+              <a:buFont typeface="Wingdings" charset="0"/>
+              <a:buChar char="§"/>
+            </a:pPr>
+            <a:r>
+              <a:rPr lang="ru-RU" dirty="0">
+                <a:solidFill>
+                  <a:schemeClr val="accent4"/>
+                </a:solidFill>
+              </a:rPr>
+              <a:t>низкая квалификация разработчика</a:t>
+            </a:r>
+          </a:p>
+          <a:p>
+            <a:pPr marL="744538" lvl="1" indent="-287338" defTabSz="803275">
+              <a:buClr>
+                <a:srgbClr val="FF6600"/>
+              </a:buClr>
+              <a:buSzPct val="125000"/>
+              <a:buFont typeface="Wingdings" charset="0"/>
+              <a:buChar char="§"/>
+            </a:pPr>
+            <a:r>
+              <a:rPr lang="ru-RU" dirty="0">
+                <a:solidFill>
+                  <a:schemeClr val="accent4"/>
+                </a:solidFill>
+              </a:rPr>
+              <a:t>плохой дизайн тестируемого </a:t>
+            </a:r>
+            <a:r>
+              <a:rPr lang="ru-RU" dirty="0" smtClean="0">
+                <a:solidFill>
+                  <a:schemeClr val="accent4"/>
+                </a:solidFill>
+              </a:rPr>
+              <a:t>кода</a:t>
+            </a:r>
+            <a:endParaRPr lang="en-US" dirty="0" smtClean="0">
+              <a:solidFill>
+                <a:schemeClr val="accent4"/>
+              </a:solidFill>
+            </a:endParaRPr>
+          </a:p>
+          <a:p>
+            <a:pPr marL="744538" lvl="1" indent="-287338" defTabSz="803275">
+              <a:buClr>
+                <a:srgbClr val="FF6600"/>
+              </a:buClr>
+              <a:buSzPct val="125000"/>
+              <a:buFont typeface="Wingdings" charset="0"/>
+              <a:buChar char="§"/>
+            </a:pPr>
+            <a:endParaRPr lang="ru-RU" dirty="0">
+              <a:solidFill>
+                <a:schemeClr val="accent4"/>
+              </a:solidFill>
+            </a:endParaRPr>
+          </a:p>
+          <a:p>
             <a:pPr marL="287338" indent="-287338" defTabSz="803275">
               <a:buClr>
                 <a:srgbClr val="FF6600"/>
@@ -23544,7 +22528,7 @@
                   <a:schemeClr val="accent4"/>
                 </a:solidFill>
               </a:rPr>
-              <a:t>Через полгода (а может и через пару недель) связи этого кода с другими могут показаться не такими очевидными, а сам код – не таким уж и простым</a:t>
+              <a:t>Возникают ситуации, когда протестировать класс практически невозможно – напр. необходимо зарегистрировать пользователя, добавить данные в БД, предоставить config-файлы и т.д.</a:t>
             </a:r>
           </a:p>
         </p:txBody>
@@ -23552,7 +22536,7 @@
     </p:spTree>
     <p:extLst>
       <p:ext uri="{BB962C8B-B14F-4D97-AF65-F5344CB8AC3E}">
-        <p14:creationId xmlns:p14="http://schemas.microsoft.com/office/powerpoint/2010/main" val="13292627"/>
+        <p14:creationId xmlns:p14="http://schemas.microsoft.com/office/powerpoint/2010/main" val="475668314"/>
       </p:ext>
     </p:extLst>
   </p:cSld>
@@ -23562,7 +22546,7 @@
   <p:timing>
     <p:tnLst>
       <p:par>
-        <p:cTn xmlns:p14="http://schemas.microsoft.com/office/powerpoint/2010/main" id="1" dur="indefinite" restart="never" nodeType="tmRoot"/>
+        <p:cTn id="1" dur="indefinite" restart="never" nodeType="tmRoot"/>
       </p:par>
     </p:tnLst>
   </p:timing>
@@ -23624,7 +22608,7 @@
         <p:spPr bwMode="auto">
           <a:xfrm>
             <a:off x="2000878" y="2062698"/>
-            <a:ext cx="5023841" cy="3286601"/>
+            <a:ext cx="5023841" cy="3009602"/>
           </a:xfrm>
           <a:prstGeom prst="rect">
             <a:avLst/>
@@ -23657,7 +22641,7 @@
                   <a:schemeClr val="accent4"/>
                 </a:solidFill>
               </a:rPr>
-              <a:t>Как правило, такая ситуация возникает в двух случаях</a:t>
+              <a:t>Все это говорит о плохом дизайне системы – классы очень сильно зависят друг от друга, иногда нетривиальным </a:t>
             </a:r>
             <a:r>
               <a:rPr lang="ru-RU" dirty="0" smtClean="0">
@@ -23665,7 +22649,7 @@
                   <a:schemeClr val="accent4"/>
                 </a:solidFill>
               </a:rPr>
-              <a:t>:</a:t>
+              <a:t>образом</a:t>
             </a:r>
             <a:endParaRPr lang="en-US" dirty="0" smtClean="0">
               <a:solidFill>
@@ -23689,7 +22673,7 @@
             </a:endParaRPr>
           </a:p>
           <a:p>
-            <a:pPr marL="744538" lvl="1" indent="-287338" defTabSz="803275">
+            <a:pPr marL="287338" indent="-287338" defTabSz="803275">
               <a:buClr>
                 <a:srgbClr val="FF6600"/>
               </a:buClr>
@@ -23703,33 +22687,15 @@
                   <a:schemeClr val="accent4"/>
                 </a:solidFill>
               </a:rPr>
-              <a:t>низкая квалификация разработчика</a:t>
-            </a:r>
-          </a:p>
-          <a:p>
-            <a:pPr marL="744538" lvl="1" indent="-287338" defTabSz="803275">
-              <a:buClr>
-                <a:srgbClr val="FF6600"/>
-              </a:buClr>
-              <a:buSzPct val="125000"/>
-              <a:buFont typeface="Wingdings" charset="0"/>
-              <a:buChar char="§"/>
-            </a:pPr>
-            <a:r>
-              <a:rPr lang="ru-RU" dirty="0">
+              <a:t>Новые тесты писать при этом очень сложно, они часто </a:t>
+            </a:r>
+            <a:r>
+              <a:rPr lang="ru-RU" dirty="0" smtClean="0">
                 <a:solidFill>
                   <a:schemeClr val="accent4"/>
                 </a:solidFill>
               </a:rPr>
-              <a:t>плохой дизайн тестируемого </a:t>
-            </a:r>
-            <a:r>
-              <a:rPr lang="ru-RU" dirty="0" smtClean="0">
-                <a:solidFill>
-                  <a:schemeClr val="accent4"/>
-                </a:solidFill>
-              </a:rPr>
-              <a:t>кода</a:t>
+              <a:t>ломаются</a:t>
             </a:r>
             <a:endParaRPr lang="en-US" dirty="0" smtClean="0">
               <a:solidFill>
@@ -23738,7 +22704,7 @@
             </a:endParaRPr>
           </a:p>
           <a:p>
-            <a:pPr marL="744538" lvl="1" indent="-287338" defTabSz="803275">
+            <a:pPr marL="287338" indent="-287338" defTabSz="803275">
               <a:buClr>
                 <a:srgbClr val="FF6600"/>
               </a:buClr>
@@ -23767,7 +22733,7 @@
                   <a:schemeClr val="accent4"/>
                 </a:solidFill>
               </a:rPr>
-              <a:t>Возникают ситуации, когда протестировать класс практически невозможно – напр. необходимо зарегистрировать пользователя, добавить данные в БД, предоставить config-файлы и т.д.</a:t>
+              <a:t>В этом случае стоит начать написание тестов с простейших классов с минимальным числом зависимостей</a:t>
             </a:r>
           </a:p>
         </p:txBody>
@@ -23775,7 +22741,7 @@
     </p:spTree>
     <p:extLst>
       <p:ext uri="{BB962C8B-B14F-4D97-AF65-F5344CB8AC3E}">
-        <p14:creationId xmlns:p14="http://schemas.microsoft.com/office/powerpoint/2010/main" val="475668314"/>
+        <p14:creationId xmlns:p14="http://schemas.microsoft.com/office/powerpoint/2010/main" val="1779310214"/>
       </p:ext>
     </p:extLst>
   </p:cSld>
@@ -23785,7 +22751,7 @@
   <p:timing>
     <p:tnLst>
       <p:par>
-        <p:cTn xmlns:p14="http://schemas.microsoft.com/office/powerpoint/2010/main" id="1" dur="indefinite" restart="never" nodeType="tmRoot"/>
+        <p:cTn id="1" dur="indefinite" restart="never" nodeType="tmRoot"/>
       </p:par>
     </p:tnLst>
   </p:timing>
@@ -23980,7 +22946,7 @@
     </p:spTree>
     <p:extLst>
       <p:ext uri="{BB962C8B-B14F-4D97-AF65-F5344CB8AC3E}">
-        <p14:creationId xmlns:p14="http://schemas.microsoft.com/office/powerpoint/2010/main" val="1779310214"/>
+        <p14:creationId xmlns:p14="http://schemas.microsoft.com/office/powerpoint/2010/main" val="1326373775"/>
       </p:ext>
     </p:extLst>
   </p:cSld>
@@ -23990,7 +22956,7 @@
   <p:timing>
     <p:tnLst>
       <p:par>
-        <p:cTn xmlns:p14="http://schemas.microsoft.com/office/powerpoint/2010/main" id="1" dur="indefinite" restart="never" nodeType="tmRoot"/>
+        <p:cTn id="1" dur="indefinite" restart="never" nodeType="tmRoot"/>
       </p:par>
     </p:tnLst>
   </p:timing>
@@ -24085,7 +23051,7 @@
                   <a:schemeClr val="accent4"/>
                 </a:solidFill>
               </a:rPr>
-              <a:t>Все это говорит о плохом дизайне системы – классы очень сильно зависят друг от друга, иногда нетривиальным </a:t>
+              <a:t>Каждый класс, как и его тест, должны быть небольшими и </a:t>
             </a:r>
             <a:r>
               <a:rPr lang="ru-RU" dirty="0" smtClean="0">
@@ -24093,7 +23059,7 @@
                   <a:schemeClr val="accent4"/>
                 </a:solidFill>
               </a:rPr>
-              <a:t>образом</a:t>
+              <a:t>понятными</a:t>
             </a:r>
             <a:endParaRPr lang="en-US" dirty="0" smtClean="0">
               <a:solidFill>
@@ -24131,7 +23097,7 @@
                   <a:schemeClr val="accent4"/>
                 </a:solidFill>
               </a:rPr>
-              <a:t>Новые тесты писать при этом очень сложно, они часто </a:t>
+              <a:t>После того, как будет покрыт простейший функционал, можно перемещаться на более «высокие» уровни </a:t>
             </a:r>
             <a:r>
               <a:rPr lang="ru-RU" dirty="0" smtClean="0">
@@ -24139,7 +23105,7 @@
                   <a:schemeClr val="accent4"/>
                 </a:solidFill>
               </a:rPr>
-              <a:t>ломаются</a:t>
+              <a:t>системы</a:t>
             </a:r>
             <a:endParaRPr lang="en-US" dirty="0" smtClean="0">
               <a:solidFill>
@@ -24177,7 +23143,7 @@
                   <a:schemeClr val="accent4"/>
                 </a:solidFill>
               </a:rPr>
-              <a:t>В этом случае стоит начать написание тестов с простейших классов с минимальным числом зависимостей</a:t>
+              <a:t>Одновременно с этим производить рефакторинг кода для уменьшения связности классов</a:t>
             </a:r>
           </a:p>
         </p:txBody>
@@ -24185,7 +23151,7 @@
     </p:spTree>
     <p:extLst>
       <p:ext uri="{BB962C8B-B14F-4D97-AF65-F5344CB8AC3E}">
-        <p14:creationId xmlns:p14="http://schemas.microsoft.com/office/powerpoint/2010/main" val="1326373775"/>
+        <p14:creationId xmlns:p14="http://schemas.microsoft.com/office/powerpoint/2010/main" val="3315414402"/>
       </p:ext>
     </p:extLst>
   </p:cSld>
@@ -24195,7 +23161,7 @@
   <p:timing>
     <p:tnLst>
       <p:par>
-        <p:cTn xmlns:p14="http://schemas.microsoft.com/office/powerpoint/2010/main" id="1" dur="indefinite" restart="never" nodeType="tmRoot"/>
+        <p:cTn id="1" dur="indefinite" restart="never" nodeType="tmRoot"/>
       </p:par>
     </p:tnLst>
   </p:timing>
@@ -24236,7 +23202,7 @@
           <a:p>
             <a:r>
               <a:rPr lang="ru-RU" dirty="0"/>
-              <a:t>Тесты сложнее, чем сам код</a:t>
+              <a:t>Недостаточно времени</a:t>
             </a:r>
             <a:endParaRPr lang="en-US" dirty="0"/>
           </a:p>
@@ -24256,8 +23222,8 @@
         </p:nvSpPr>
         <p:spPr bwMode="auto">
           <a:xfrm>
-            <a:off x="2000878" y="2062698"/>
-            <a:ext cx="5023841" cy="3009602"/>
+            <a:off x="2000878" y="2339697"/>
+            <a:ext cx="5023841" cy="2178606"/>
           </a:xfrm>
           <a:prstGeom prst="rect">
             <a:avLst/>
@@ -24290,7 +23256,7 @@
                   <a:schemeClr val="accent4"/>
                 </a:solidFill>
               </a:rPr>
-              <a:t>Каждый класс, как и его тест, должны быть небольшими и </a:t>
+              <a:t>Если сравнивать написание классов с тестами и без, то безусловно, во втором варианте времени понадобится </a:t>
             </a:r>
             <a:r>
               <a:rPr lang="ru-RU" dirty="0" smtClean="0">
@@ -24298,7 +23264,7 @@
                   <a:schemeClr val="accent4"/>
                 </a:solidFill>
               </a:rPr>
-              <a:t>понятными</a:t>
+              <a:t>больше</a:t>
             </a:r>
             <a:endParaRPr lang="en-US" dirty="0" smtClean="0">
               <a:solidFill>
@@ -24336,53 +23302,7 @@
                   <a:schemeClr val="accent4"/>
                 </a:solidFill>
               </a:rPr>
-              <a:t>После того, как будет покрыт простейший функционал, можно перемещаться на более «высокие» уровни </a:t>
-            </a:r>
-            <a:r>
-              <a:rPr lang="ru-RU" dirty="0" smtClean="0">
-                <a:solidFill>
-                  <a:schemeClr val="accent4"/>
-                </a:solidFill>
-              </a:rPr>
-              <a:t>системы</a:t>
-            </a:r>
-            <a:endParaRPr lang="en-US" dirty="0" smtClean="0">
-              <a:solidFill>
-                <a:schemeClr val="accent4"/>
-              </a:solidFill>
-            </a:endParaRPr>
-          </a:p>
-          <a:p>
-            <a:pPr marL="287338" indent="-287338" defTabSz="803275">
-              <a:buClr>
-                <a:srgbClr val="FF6600"/>
-              </a:buClr>
-              <a:buSzPct val="125000"/>
-              <a:buFont typeface="Wingdings" charset="0"/>
-              <a:buChar char="§"/>
-            </a:pPr>
-            <a:endParaRPr lang="ru-RU" dirty="0">
-              <a:solidFill>
-                <a:schemeClr val="accent4"/>
-              </a:solidFill>
-            </a:endParaRPr>
-          </a:p>
-          <a:p>
-            <a:pPr marL="287338" indent="-287338" defTabSz="803275">
-              <a:buClr>
-                <a:srgbClr val="FF6600"/>
-              </a:buClr>
-              <a:buSzPct val="125000"/>
-              <a:buFont typeface="Wingdings" charset="0"/>
-              <a:buChar char="§"/>
-            </a:pPr>
-            <a:r>
-              <a:rPr lang="ru-RU" dirty="0">
-                <a:solidFill>
-                  <a:schemeClr val="accent4"/>
-                </a:solidFill>
-              </a:rPr>
-              <a:t>Одновременно с этим производить рефакторинг кода для уменьшения связности классов</a:t>
+              <a:t>Однако давайте посмотрим на процесс разработки и написания тестов более широко</a:t>
             </a:r>
           </a:p>
         </p:txBody>
@@ -24390,7 +23310,7 @@
     </p:spTree>
     <p:extLst>
       <p:ext uri="{BB962C8B-B14F-4D97-AF65-F5344CB8AC3E}">
-        <p14:creationId xmlns:p14="http://schemas.microsoft.com/office/powerpoint/2010/main" val="3315414402"/>
+        <p14:creationId xmlns:p14="http://schemas.microsoft.com/office/powerpoint/2010/main" val="1568091144"/>
       </p:ext>
     </p:extLst>
   </p:cSld>
@@ -24400,7 +23320,7 @@
   <p:timing>
     <p:tnLst>
       <p:par>
-        <p:cTn xmlns:p14="http://schemas.microsoft.com/office/powerpoint/2010/main" id="1" dur="indefinite" restart="never" nodeType="tmRoot"/>
+        <p:cTn id="1" dur="indefinite" restart="never" nodeType="tmRoot"/>
       </p:par>
     </p:tnLst>
   </p:timing>
@@ -24462,7 +23382,7 @@
         <p:spPr bwMode="auto">
           <a:xfrm>
             <a:off x="2000878" y="2339697"/>
-            <a:ext cx="5023841" cy="2178606"/>
+            <a:ext cx="5023841" cy="2732604"/>
           </a:xfrm>
           <a:prstGeom prst="rect">
             <a:avLst/>
@@ -24495,7 +23415,7 @@
                   <a:schemeClr val="accent4"/>
                 </a:solidFill>
               </a:rPr>
-              <a:t>Если сравнивать написание классов с тестами и без, то безусловно, во втором варианте времени понадобится </a:t>
+              <a:t>При наличии модульных тестов, пишется только тот код, который необходим для их успешного </a:t>
             </a:r>
             <a:r>
               <a:rPr lang="ru-RU" dirty="0" smtClean="0">
@@ -24503,7 +23423,7 @@
                   <a:schemeClr val="accent4"/>
                 </a:solidFill>
               </a:rPr>
-              <a:t>больше</a:t>
+              <a:t>выполнения</a:t>
             </a:r>
             <a:endParaRPr lang="en-US" dirty="0" smtClean="0">
               <a:solidFill>
@@ -24541,7 +23461,61 @@
                   <a:schemeClr val="accent4"/>
                 </a:solidFill>
               </a:rPr>
-              <a:t>Однако давайте посмотрим на процесс разработки и написания тестов более широко</a:t>
+              <a:t>Классы становятся меньше по размеру и выполняют четко определенный набор </a:t>
+            </a:r>
+            <a:r>
+              <a:rPr lang="ru-RU" dirty="0" smtClean="0">
+                <a:solidFill>
+                  <a:schemeClr val="accent4"/>
+                </a:solidFill>
+              </a:rPr>
+              <a:t>функций</a:t>
+            </a:r>
+            <a:endParaRPr lang="en-US" dirty="0" smtClean="0">
+              <a:solidFill>
+                <a:schemeClr val="accent4"/>
+              </a:solidFill>
+            </a:endParaRPr>
+          </a:p>
+          <a:p>
+            <a:pPr marL="287338" indent="-287338" defTabSz="803275">
+              <a:buClr>
+                <a:srgbClr val="FF6600"/>
+              </a:buClr>
+              <a:buSzPct val="125000"/>
+              <a:buFont typeface="Wingdings" charset="0"/>
+              <a:buChar char="§"/>
+            </a:pPr>
+            <a:endParaRPr lang="ru-RU" dirty="0">
+              <a:solidFill>
+                <a:schemeClr val="accent4"/>
+              </a:solidFill>
+            </a:endParaRPr>
+          </a:p>
+          <a:p>
+            <a:pPr marL="287338" indent="-287338" defTabSz="803275">
+              <a:buClr>
+                <a:srgbClr val="FF6600"/>
+              </a:buClr>
+              <a:buSzPct val="125000"/>
+              <a:buFont typeface="Wingdings" charset="0"/>
+              <a:buChar char="§"/>
+            </a:pPr>
+            <a:r>
+              <a:rPr lang="ru-RU" dirty="0">
+                <a:solidFill>
+                  <a:schemeClr val="accent4"/>
+                </a:solidFill>
+              </a:rPr>
+              <a:t>Таким образом, </a:t>
+            </a:r>
+            <a:r>
+              <a:rPr lang="ru-RU" b="1" dirty="0">
+                <a:solidFill>
+                  <a:schemeClr val="accent4"/>
+                </a:solidFill>
+              </a:rPr>
+              <a:t>пишется меньше кода</a:t>
             </a:r>
           </a:p>
         </p:txBody>
@@ -24549,7 +23523,7 @@
     </p:spTree>
     <p:extLst>
       <p:ext uri="{BB962C8B-B14F-4D97-AF65-F5344CB8AC3E}">
-        <p14:creationId xmlns:p14="http://schemas.microsoft.com/office/powerpoint/2010/main" val="1568091144"/>
+        <p14:creationId xmlns:p14="http://schemas.microsoft.com/office/powerpoint/2010/main" val="680117490"/>
       </p:ext>
     </p:extLst>
   </p:cSld>
@@ -24559,7 +23533,7 @@
   <p:timing>
     <p:tnLst>
       <p:par>
-        <p:cTn xmlns:p14="http://schemas.microsoft.com/office/powerpoint/2010/main" id="1" dur="indefinite" restart="never" nodeType="tmRoot"/>
+        <p:cTn id="1" dur="indefinite" restart="never" nodeType="tmRoot"/>
       </p:par>
     </p:tnLst>
   </p:timing>

--- a/Test Driven Development/materials/pptx/13. TDD-Evangelists.pptx
+++ b/Test Driven Development/materials/pptx/13. TDD-Evangelists.pptx
@@ -211,7 +211,7 @@
           <a:p>
             <a:fld id="{B946ECE3-FD69-FE4C-B5B3-E9526994F809}" type="datetimeFigureOut">
               <a:rPr lang="en-US" smtClean="0"/>
-              <a:t>12/10/2012</a:t>
+              <a:t>12/21/12</a:t>
             </a:fld>
             <a:endParaRPr lang="en-US"/>
           </a:p>
@@ -1937,7 +1937,7 @@
           <a:p>
             <a:fld id="{7793EDCB-5B64-3143-AFED-AA1357A092FA}" type="datetimeFigureOut">
               <a:rPr lang="en-US" smtClean="0"/>
-              <a:t>12/10/2012</a:t>
+              <a:t>12/21/12</a:t>
             </a:fld>
             <a:endParaRPr lang="en-US"/>
           </a:p>
@@ -2107,7 +2107,7 @@
           <a:p>
             <a:fld id="{7793EDCB-5B64-3143-AFED-AA1357A092FA}" type="datetimeFigureOut">
               <a:rPr lang="en-US" smtClean="0"/>
-              <a:t>12/10/2012</a:t>
+              <a:t>12/21/12</a:t>
             </a:fld>
             <a:endParaRPr lang="en-US"/>
           </a:p>
@@ -2287,7 +2287,7 @@
           <a:p>
             <a:fld id="{7793EDCB-5B64-3143-AFED-AA1357A092FA}" type="datetimeFigureOut">
               <a:rPr lang="en-US" smtClean="0"/>
-              <a:t>12/10/2012</a:t>
+              <a:t>12/21/12</a:t>
             </a:fld>
             <a:endParaRPr lang="en-US"/>
           </a:p>
@@ -2399,14 +2399,14 @@
             <a:noFill/>
           </a:ln>
           <a:extLst>
-            <a:ext uri="{909E8E84-426E-40DD-AFC4-6F175D3DCCD1}">
+            <a:ext uri="{909E8E84-426E-40dd-AFC4-6F175D3DCCD1}">
               <a14:hiddenFill xmlns:a14="http://schemas.microsoft.com/office/drawing/2010/main">
                 <a:solidFill>
                   <a:srgbClr val="FFFFFF"/>
                 </a:solidFill>
               </a14:hiddenFill>
             </a:ext>
-            <a:ext uri="{91240B29-F687-4F45-9708-019B960494DF}">
+            <a:ext uri="{91240B29-F687-4f45-9708-019B960494DF}">
               <a14:hiddenLine xmlns:a14="http://schemas.microsoft.com/office/drawing/2010/main" w="9525">
                 <a:solidFill>
                   <a:srgbClr val="000000"/>
@@ -2453,14 +2453,14 @@
             <a:noFill/>
           </a:ln>
           <a:extLst>
-            <a:ext uri="{909E8E84-426E-40DD-AFC4-6F175D3DCCD1}">
+            <a:ext uri="{909E8E84-426E-40dd-AFC4-6F175D3DCCD1}">
               <a14:hiddenFill xmlns:a14="http://schemas.microsoft.com/office/drawing/2010/main">
                 <a:solidFill>
                   <a:srgbClr val="FFFFFF"/>
                 </a:solidFill>
               </a14:hiddenFill>
             </a:ext>
-            <a:ext uri="{91240B29-F687-4F45-9708-019B960494DF}">
+            <a:ext uri="{91240B29-F687-4f45-9708-019B960494DF}">
               <a14:hiddenLine xmlns:a14="http://schemas.microsoft.com/office/drawing/2010/main" w="9525">
                 <a:solidFill>
                   <a:srgbClr val="000000"/>
@@ -2555,7 +2555,7 @@
   <p:clrMapOvr>
     <a:masterClrMapping/>
   </p:clrMapOvr>
-  <p:transition spd="slow">
+  <p:transition xmlns:p14="http://schemas.microsoft.com/office/powerpoint/2010/main" spd="slow">
     <p:fade/>
   </p:transition>
 </p:sldLayout>
@@ -2784,7 +2784,7 @@
   <p:clrMapOvr>
     <a:masterClrMapping/>
   </p:clrMapOvr>
-  <p:transition spd="slow">
+  <p:transition xmlns:p14="http://schemas.microsoft.com/office/powerpoint/2010/main" spd="slow">
     <p:fade/>
   </p:transition>
 </p:sldLayout>
@@ -3026,7 +3026,7 @@
   <p:clrMapOvr>
     <a:masterClrMapping/>
   </p:clrMapOvr>
-  <p:transition spd="slow">
+  <p:transition xmlns:p14="http://schemas.microsoft.com/office/powerpoint/2010/main" spd="slow">
     <p:fade/>
   </p:transition>
 </p:sldLayout>
@@ -3440,7 +3440,7 @@
   <p:clrMapOvr>
     <a:masterClrMapping/>
   </p:clrMapOvr>
-  <p:transition spd="slow">
+  <p:transition xmlns:p14="http://schemas.microsoft.com/office/powerpoint/2010/main" spd="slow">
     <p:fade/>
   </p:transition>
 </p:sldLayout>
@@ -3810,7 +3810,7 @@
   <p:clrMapOvr>
     <a:masterClrMapping/>
   </p:clrMapOvr>
-  <p:transition spd="slow">
+  <p:transition xmlns:p14="http://schemas.microsoft.com/office/powerpoint/2010/main" spd="slow">
     <p:fade/>
   </p:transition>
 </p:sldLayout>
@@ -4480,7 +4480,7 @@
   <p:clrMapOvr>
     <a:masterClrMapping/>
   </p:clrMapOvr>
-  <p:transition spd="slow">
+  <p:transition xmlns:p14="http://schemas.microsoft.com/office/powerpoint/2010/main" spd="slow">
     <p:fade/>
   </p:transition>
 </p:sldLayout>
@@ -4805,7 +4805,7 @@
   <p:clrMapOvr>
     <a:masterClrMapping/>
   </p:clrMapOvr>
-  <p:transition spd="slow">
+  <p:transition xmlns:p14="http://schemas.microsoft.com/office/powerpoint/2010/main" spd="slow">
     <p:fade/>
   </p:transition>
 </p:sldLayout>
@@ -5215,7 +5215,7 @@
   <p:clrMapOvr>
     <a:masterClrMapping/>
   </p:clrMapOvr>
-  <p:transition spd="slow">
+  <p:transition xmlns:p14="http://schemas.microsoft.com/office/powerpoint/2010/main" spd="slow">
     <p:fade/>
   </p:transition>
 </p:sldLayout>
@@ -5330,7 +5330,7 @@
           <a:p>
             <a:fld id="{7793EDCB-5B64-3143-AFED-AA1357A092FA}" type="datetimeFigureOut">
               <a:rPr lang="en-US" smtClean="0"/>
-              <a:t>12/10/2012</a:t>
+              <a:t>12/21/12</a:t>
             </a:fld>
             <a:endParaRPr lang="en-US"/>
           </a:p>
@@ -5710,7 +5710,7 @@
   <p:clrMapOvr>
     <a:masterClrMapping/>
   </p:clrMapOvr>
-  <p:transition spd="slow">
+  <p:transition xmlns:p14="http://schemas.microsoft.com/office/powerpoint/2010/main" spd="slow">
     <p:fade/>
   </p:transition>
 </p:sldLayout>
@@ -6120,7 +6120,7 @@
   <p:clrMapOvr>
     <a:masterClrMapping/>
   </p:clrMapOvr>
-  <p:transition spd="slow">
+  <p:transition xmlns:p14="http://schemas.microsoft.com/office/powerpoint/2010/main" spd="slow">
     <p:fade/>
   </p:transition>
 </p:sldLayout>
@@ -6445,7 +6445,7 @@
   <p:clrMapOvr>
     <a:masterClrMapping/>
   </p:clrMapOvr>
-  <p:transition spd="slow">
+  <p:transition xmlns:p14="http://schemas.microsoft.com/office/powerpoint/2010/main" spd="slow">
     <p:fade/>
   </p:transition>
 </p:sldLayout>
@@ -6770,7 +6770,7 @@
   <p:clrMapOvr>
     <a:masterClrMapping/>
   </p:clrMapOvr>
-  <p:transition spd="slow">
+  <p:transition xmlns:p14="http://schemas.microsoft.com/office/powerpoint/2010/main" spd="slow">
     <p:fade/>
   </p:transition>
 </p:sldLayout>
@@ -7180,7 +7180,7 @@
   <p:clrMapOvr>
     <a:masterClrMapping/>
   </p:clrMapOvr>
-  <p:transition spd="slow">
+  <p:transition xmlns:p14="http://schemas.microsoft.com/office/powerpoint/2010/main" spd="slow">
     <p:fade/>
   </p:transition>
 </p:sldLayout>
@@ -7590,7 +7590,7 @@
   <p:clrMapOvr>
     <a:masterClrMapping/>
   </p:clrMapOvr>
-  <p:transition spd="slow">
+  <p:transition xmlns:p14="http://schemas.microsoft.com/office/powerpoint/2010/main" spd="slow">
     <p:fade/>
   </p:transition>
 </p:sldLayout>
@@ -7782,7 +7782,7 @@
   <p:clrMapOvr>
     <a:masterClrMapping/>
   </p:clrMapOvr>
-  <p:transition spd="slow">
+  <p:transition xmlns:p14="http://schemas.microsoft.com/office/powerpoint/2010/main" spd="slow">
     <p:fade/>
   </p:transition>
 </p:sldLayout>
@@ -7868,7 +7868,7 @@
   <p:clrMapOvr>
     <a:masterClrMapping/>
   </p:clrMapOvr>
-  <p:transition spd="slow">
+  <p:transition xmlns:p14="http://schemas.microsoft.com/office/powerpoint/2010/main" spd="slow">
     <p:fade/>
   </p:transition>
 </p:sldLayout>
@@ -8022,7 +8022,7 @@
                   <a:spcPct val="0"/>
                 </a:spcAft>
               </a:pPr>
-              <a:t>10.12.2012</a:t>
+              <a:t>12/21/12</a:t>
             </a:fld>
             <a:endParaRPr lang="ru-RU">
               <a:solidFill>
@@ -8192,7 +8192,7 @@
   <p:clrMapOvr>
     <a:masterClrMapping/>
   </p:clrMapOvr>
-  <p:transition spd="slow">
+  <p:transition xmlns:p14="http://schemas.microsoft.com/office/powerpoint/2010/main" spd="slow">
     <p:fade/>
   </p:transition>
 </p:sldLayout>
@@ -8383,7 +8383,7 @@
           <a:p>
             <a:fld id="{7793EDCB-5B64-3143-AFED-AA1357A092FA}" type="datetimeFigureOut">
               <a:rPr lang="en-US" smtClean="0"/>
-              <a:t>12/10/2012</a:t>
+              <a:t>12/21/12</a:t>
             </a:fld>
             <a:endParaRPr lang="en-US"/>
           </a:p>
@@ -8626,14 +8626,14 @@
             <a:noFill/>
           </a:ln>
           <a:extLst>
-            <a:ext uri="{909E8E84-426E-40DD-AFC4-6F175D3DCCD1}">
+            <a:ext uri="{909E8E84-426E-40dd-AFC4-6F175D3DCCD1}">
               <a14:hiddenFill xmlns:a14="http://schemas.microsoft.com/office/drawing/2010/main">
                 <a:solidFill>
                   <a:srgbClr val="FFFFFF"/>
                 </a:solidFill>
               </a14:hiddenFill>
             </a:ext>
-            <a:ext uri="{91240B29-F687-4F45-9708-019B960494DF}">
+            <a:ext uri="{91240B29-F687-4f45-9708-019B960494DF}">
               <a14:hiddenLine xmlns:a14="http://schemas.microsoft.com/office/drawing/2010/main" w="9525">
                 <a:solidFill>
                   <a:srgbClr val="000000"/>
@@ -8769,14 +8769,14 @@
             <a:noFill/>
           </a:ln>
           <a:extLst>
-            <a:ext uri="{909E8E84-426E-40DD-AFC4-6F175D3DCCD1}">
+            <a:ext uri="{909E8E84-426E-40dd-AFC4-6F175D3DCCD1}">
               <a14:hiddenFill xmlns:a14="http://schemas.microsoft.com/office/drawing/2010/main">
                 <a:solidFill>
                   <a:srgbClr val="FFFFFF"/>
                 </a:solidFill>
               </a14:hiddenFill>
             </a:ext>
-            <a:ext uri="{91240B29-F687-4F45-9708-019B960494DF}">
+            <a:ext uri="{91240B29-F687-4f45-9708-019B960494DF}">
               <a14:hiddenLine xmlns:a14="http://schemas.microsoft.com/office/drawing/2010/main" w="9525">
                 <a:solidFill>
                   <a:srgbClr val="000000"/>
@@ -8823,14 +8823,14 @@
             <a:noFill/>
           </a:ln>
           <a:extLst>
-            <a:ext uri="{909E8E84-426E-40DD-AFC4-6F175D3DCCD1}">
+            <a:ext uri="{909E8E84-426E-40dd-AFC4-6F175D3DCCD1}">
               <a14:hiddenFill xmlns:a14="http://schemas.microsoft.com/office/drawing/2010/main">
                 <a:solidFill>
                   <a:srgbClr val="FFFFFF"/>
                 </a:solidFill>
               </a14:hiddenFill>
             </a:ext>
-            <a:ext uri="{91240B29-F687-4F45-9708-019B960494DF}">
+            <a:ext uri="{91240B29-F687-4f45-9708-019B960494DF}">
               <a14:hiddenLine xmlns:a14="http://schemas.microsoft.com/office/drawing/2010/main" w="9525">
                 <a:solidFill>
                   <a:srgbClr val="000000"/>
@@ -9099,7 +9099,7 @@
   <p:clrMapOvr>
     <a:masterClrMapping/>
   </p:clrMapOvr>
-  <p:transition>
+  <p:transition xmlns:p14="http://schemas.microsoft.com/office/powerpoint/2010/main">
     <p:zoom/>
   </p:transition>
 </p:sldLayout>
@@ -9328,7 +9328,7 @@
   <p:clrMapOvr>
     <a:masterClrMapping/>
   </p:clrMapOvr>
-  <p:transition spd="slow">
+  <p:transition xmlns:p14="http://schemas.microsoft.com/office/powerpoint/2010/main" spd="slow">
     <p:fade/>
   </p:transition>
 </p:sldLayout>
@@ -9385,14 +9385,14 @@
             <a:noFill/>
           </a:ln>
           <a:extLst>
-            <a:ext uri="{909E8E84-426E-40DD-AFC4-6F175D3DCCD1}">
+            <a:ext uri="{909E8E84-426E-40dd-AFC4-6F175D3DCCD1}">
               <a14:hiddenFill xmlns:a14="http://schemas.microsoft.com/office/drawing/2010/main">
                 <a:solidFill>
                   <a:srgbClr val="FFFFFF"/>
                 </a:solidFill>
               </a14:hiddenFill>
             </a:ext>
-            <a:ext uri="{91240B29-F687-4F45-9708-019B960494DF}">
+            <a:ext uri="{91240B29-F687-4f45-9708-019B960494DF}">
               <a14:hiddenLine xmlns:a14="http://schemas.microsoft.com/office/drawing/2010/main" w="9525">
                 <a:solidFill>
                   <a:srgbClr val="000000"/>
@@ -9528,14 +9528,14 @@
             <a:noFill/>
           </a:ln>
           <a:extLst>
-            <a:ext uri="{909E8E84-426E-40DD-AFC4-6F175D3DCCD1}">
+            <a:ext uri="{909E8E84-426E-40dd-AFC4-6F175D3DCCD1}">
               <a14:hiddenFill xmlns:a14="http://schemas.microsoft.com/office/drawing/2010/main">
                 <a:solidFill>
                   <a:srgbClr val="FFFFFF"/>
                 </a:solidFill>
               </a14:hiddenFill>
             </a:ext>
-            <a:ext uri="{91240B29-F687-4F45-9708-019B960494DF}">
+            <a:ext uri="{91240B29-F687-4f45-9708-019B960494DF}">
               <a14:hiddenLine xmlns:a14="http://schemas.microsoft.com/office/drawing/2010/main" w="9525">
                 <a:solidFill>
                   <a:srgbClr val="000000"/>
@@ -9582,14 +9582,14 @@
             <a:noFill/>
           </a:ln>
           <a:extLst>
-            <a:ext uri="{909E8E84-426E-40DD-AFC4-6F175D3DCCD1}">
+            <a:ext uri="{909E8E84-426E-40dd-AFC4-6F175D3DCCD1}">
               <a14:hiddenFill xmlns:a14="http://schemas.microsoft.com/office/drawing/2010/main">
                 <a:solidFill>
                   <a:srgbClr val="FFFFFF"/>
                 </a:solidFill>
               </a14:hiddenFill>
             </a:ext>
-            <a:ext uri="{91240B29-F687-4F45-9708-019B960494DF}">
+            <a:ext uri="{91240B29-F687-4f45-9708-019B960494DF}">
               <a14:hiddenLine xmlns:a14="http://schemas.microsoft.com/office/drawing/2010/main" w="9525">
                 <a:solidFill>
                   <a:srgbClr val="000000"/>
@@ -9858,7 +9858,7 @@
   <p:clrMapOvr>
     <a:masterClrMapping/>
   </p:clrMapOvr>
-  <p:transition>
+  <p:transition xmlns:p14="http://schemas.microsoft.com/office/powerpoint/2010/main">
     <p:zoom/>
   </p:transition>
 </p:sldLayout>
@@ -9915,14 +9915,14 @@
             <a:noFill/>
           </a:ln>
           <a:extLst>
-            <a:ext uri="{909E8E84-426E-40DD-AFC4-6F175D3DCCD1}">
+            <a:ext uri="{909E8E84-426E-40dd-AFC4-6F175D3DCCD1}">
               <a14:hiddenFill xmlns:a14="http://schemas.microsoft.com/office/drawing/2010/main">
                 <a:solidFill>
                   <a:srgbClr val="FFFFFF"/>
                 </a:solidFill>
               </a14:hiddenFill>
             </a:ext>
-            <a:ext uri="{91240B29-F687-4F45-9708-019B960494DF}">
+            <a:ext uri="{91240B29-F687-4f45-9708-019B960494DF}">
               <a14:hiddenLine xmlns:a14="http://schemas.microsoft.com/office/drawing/2010/main" w="9525">
                 <a:solidFill>
                   <a:srgbClr val="000000"/>
@@ -10058,14 +10058,14 @@
             <a:noFill/>
           </a:ln>
           <a:extLst>
-            <a:ext uri="{909E8E84-426E-40DD-AFC4-6F175D3DCCD1}">
+            <a:ext uri="{909E8E84-426E-40dd-AFC4-6F175D3DCCD1}">
               <a14:hiddenFill xmlns:a14="http://schemas.microsoft.com/office/drawing/2010/main">
                 <a:solidFill>
                   <a:srgbClr val="FFFFFF"/>
                 </a:solidFill>
               </a14:hiddenFill>
             </a:ext>
-            <a:ext uri="{91240B29-F687-4F45-9708-019B960494DF}">
+            <a:ext uri="{91240B29-F687-4f45-9708-019B960494DF}">
               <a14:hiddenLine xmlns:a14="http://schemas.microsoft.com/office/drawing/2010/main" w="9525">
                 <a:solidFill>
                   <a:srgbClr val="000000"/>
@@ -10112,14 +10112,14 @@
             <a:noFill/>
           </a:ln>
           <a:extLst>
-            <a:ext uri="{909E8E84-426E-40DD-AFC4-6F175D3DCCD1}">
+            <a:ext uri="{909E8E84-426E-40dd-AFC4-6F175D3DCCD1}">
               <a14:hiddenFill xmlns:a14="http://schemas.microsoft.com/office/drawing/2010/main">
                 <a:solidFill>
                   <a:srgbClr val="FFFFFF"/>
                 </a:solidFill>
               </a14:hiddenFill>
             </a:ext>
-            <a:ext uri="{91240B29-F687-4F45-9708-019B960494DF}">
+            <a:ext uri="{91240B29-F687-4f45-9708-019B960494DF}">
               <a14:hiddenLine xmlns:a14="http://schemas.microsoft.com/office/drawing/2010/main" w="9525">
                 <a:solidFill>
                   <a:srgbClr val="000000"/>
@@ -10388,7 +10388,7 @@
   <p:clrMapOvr>
     <a:masterClrMapping/>
   </p:clrMapOvr>
-  <p:transition>
+  <p:transition xmlns:p14="http://schemas.microsoft.com/office/powerpoint/2010/main">
     <p:zoom/>
   </p:transition>
   <p:hf hdr="0" ftr="0" dt="0"/>
@@ -10500,14 +10500,14 @@
             <a:noFill/>
           </a:ln>
           <a:extLst>
-            <a:ext uri="{909E8E84-426E-40DD-AFC4-6F175D3DCCD1}">
+            <a:ext uri="{909E8E84-426E-40dd-AFC4-6F175D3DCCD1}">
               <a14:hiddenFill xmlns:a14="http://schemas.microsoft.com/office/drawing/2010/main">
                 <a:solidFill>
                   <a:srgbClr val="FFFFFF"/>
                 </a:solidFill>
               </a14:hiddenFill>
             </a:ext>
-            <a:ext uri="{91240B29-F687-4F45-9708-019B960494DF}">
+            <a:ext uri="{91240B29-F687-4f45-9708-019B960494DF}">
               <a14:hiddenLine xmlns:a14="http://schemas.microsoft.com/office/drawing/2010/main" w="9525">
                 <a:solidFill>
                   <a:srgbClr val="000000"/>
@@ -10554,14 +10554,14 @@
             <a:noFill/>
           </a:ln>
           <a:extLst>
-            <a:ext uri="{909E8E84-426E-40DD-AFC4-6F175D3DCCD1}">
+            <a:ext uri="{909E8E84-426E-40dd-AFC4-6F175D3DCCD1}">
               <a14:hiddenFill xmlns:a14="http://schemas.microsoft.com/office/drawing/2010/main">
                 <a:solidFill>
                   <a:srgbClr val="FFFFFF"/>
                 </a:solidFill>
               </a14:hiddenFill>
             </a:ext>
-            <a:ext uri="{91240B29-F687-4F45-9708-019B960494DF}">
+            <a:ext uri="{91240B29-F687-4f45-9708-019B960494DF}">
               <a14:hiddenLine xmlns:a14="http://schemas.microsoft.com/office/drawing/2010/main" w="9525">
                 <a:solidFill>
                   <a:srgbClr val="000000"/>
@@ -10665,14 +10665,14 @@
             <a:noFill/>
           </a:ln>
           <a:extLst>
-            <a:ext uri="{909E8E84-426E-40DD-AFC4-6F175D3DCCD1}">
+            <a:ext uri="{909E8E84-426E-40dd-AFC4-6F175D3DCCD1}">
               <a14:hiddenFill xmlns:a14="http://schemas.microsoft.com/office/drawing/2010/main">
                 <a:solidFill>
                   <a:srgbClr val="FFFFFF"/>
                 </a:solidFill>
               </a14:hiddenFill>
             </a:ext>
-            <a:ext uri="{91240B29-F687-4F45-9708-019B960494DF}">
+            <a:ext uri="{91240B29-F687-4f45-9708-019B960494DF}">
               <a14:hiddenLine xmlns:a14="http://schemas.microsoft.com/office/drawing/2010/main" w="9525">
                 <a:solidFill>
                   <a:srgbClr val="000000"/>
@@ -10784,7 +10784,7 @@
   <p:clrMapOvr>
     <a:masterClrMapping/>
   </p:clrMapOvr>
-  <p:transition>
+  <p:transition xmlns:p14="http://schemas.microsoft.com/office/powerpoint/2010/main">
     <p:zoom/>
   </p:transition>
   <p:hf hdr="0" ftr="0" dt="0"/>
@@ -10898,7 +10898,7 @@
   <p:clrMapOvr>
     <a:masterClrMapping/>
   </p:clrMapOvr>
-  <p:transition>
+  <p:transition xmlns:p14="http://schemas.microsoft.com/office/powerpoint/2010/main">
     <p:zoom/>
   </p:transition>
   <p:hf hdr="0" ftr="0" dt="0"/>
@@ -12175,7 +12175,7 @@
   <p:clrMapOvr>
     <a:masterClrMapping/>
   </p:clrMapOvr>
-  <p:transition>
+  <p:transition xmlns:p14="http://schemas.microsoft.com/office/powerpoint/2010/main">
     <p:zoom/>
   </p:transition>
   <p:hf hdr="0" ftr="0" dt="0"/>
@@ -12976,7 +12976,7 @@
   <p:clrMapOvr>
     <a:masterClrMapping/>
   </p:clrMapOvr>
-  <p:transition>
+  <p:transition xmlns:p14="http://schemas.microsoft.com/office/powerpoint/2010/main">
     <p:zoom/>
   </p:transition>
   <p:hf hdr="0" ftr="0" dt="0"/>
@@ -13119,7 +13119,7 @@
   <p:clrMapOvr>
     <a:masterClrMapping/>
   </p:clrMapOvr>
-  <p:transition>
+  <p:transition xmlns:p14="http://schemas.microsoft.com/office/powerpoint/2010/main">
     <p:zoom/>
   </p:transition>
   <p:hf hdr="0" ftr="0" dt="0"/>
@@ -13353,7 +13353,7 @@
           <a:p>
             <a:fld id="{7793EDCB-5B64-3143-AFED-AA1357A092FA}" type="datetimeFigureOut">
               <a:rPr lang="en-US" smtClean="0"/>
-              <a:t>12/10/2012</a:t>
+              <a:t>12/21/12</a:t>
             </a:fld>
             <a:endParaRPr lang="en-US"/>
           </a:p>
@@ -13560,7 +13560,7 @@
   <p:clrMapOvr>
     <a:masterClrMapping/>
   </p:clrMapOvr>
-  <p:transition>
+  <p:transition xmlns:p14="http://schemas.microsoft.com/office/powerpoint/2010/main">
     <p:zoom/>
   </p:transition>
   <p:hf hdr="0" ftr="0" dt="0"/>
@@ -13711,7 +13711,7 @@
   <p:clrMapOvr>
     <a:masterClrMapping/>
   </p:clrMapOvr>
-  <p:transition>
+  <p:transition xmlns:p14="http://schemas.microsoft.com/office/powerpoint/2010/main">
     <p:zoom/>
   </p:transition>
   <p:hf hdr="0" ftr="0" dt="0"/>
@@ -13769,14 +13769,14 @@
             <a:noFill/>
           </a:ln>
           <a:extLst>
-            <a:ext uri="{909E8E84-426E-40DD-AFC4-6F175D3DCCD1}">
+            <a:ext uri="{909E8E84-426E-40dd-AFC4-6F175D3DCCD1}">
               <a14:hiddenFill xmlns:a14="http://schemas.microsoft.com/office/drawing/2010/main">
                 <a:solidFill>
                   <a:srgbClr val="FFFFFF"/>
                 </a:solidFill>
               </a14:hiddenFill>
             </a:ext>
-            <a:ext uri="{91240B29-F687-4F45-9708-019B960494DF}">
+            <a:ext uri="{91240B29-F687-4f45-9708-019B960494DF}">
               <a14:hiddenLine xmlns:a14="http://schemas.microsoft.com/office/drawing/2010/main" w="9525">
                 <a:solidFill>
                   <a:srgbClr val="000000"/>
@@ -13879,14 +13879,14 @@
             <a:noFill/>
           </a:ln>
           <a:extLst>
-            <a:ext uri="{909E8E84-426E-40DD-AFC4-6F175D3DCCD1}">
+            <a:ext uri="{909E8E84-426E-40dd-AFC4-6F175D3DCCD1}">
               <a14:hiddenFill xmlns:a14="http://schemas.microsoft.com/office/drawing/2010/main">
                 <a:solidFill>
                   <a:srgbClr val="FFFFFF"/>
                 </a:solidFill>
               </a14:hiddenFill>
             </a:ext>
-            <a:ext uri="{91240B29-F687-4F45-9708-019B960494DF}">
+            <a:ext uri="{91240B29-F687-4f45-9708-019B960494DF}">
               <a14:hiddenLine xmlns:a14="http://schemas.microsoft.com/office/drawing/2010/main" w="9525">
                 <a:solidFill>
                   <a:srgbClr val="000000"/>
@@ -13933,14 +13933,14 @@
             <a:noFill/>
           </a:ln>
           <a:extLst>
-            <a:ext uri="{909E8E84-426E-40DD-AFC4-6F175D3DCCD1}">
+            <a:ext uri="{909E8E84-426E-40dd-AFC4-6F175D3DCCD1}">
               <a14:hiddenFill xmlns:a14="http://schemas.microsoft.com/office/drawing/2010/main">
                 <a:solidFill>
                   <a:srgbClr val="FFFFFF"/>
                 </a:solidFill>
               </a14:hiddenFill>
             </a:ext>
-            <a:ext uri="{91240B29-F687-4F45-9708-019B960494DF}">
+            <a:ext uri="{91240B29-F687-4f45-9708-019B960494DF}">
               <a14:hiddenLine xmlns:a14="http://schemas.microsoft.com/office/drawing/2010/main" w="9525">
                 <a:solidFill>
                   <a:srgbClr val="000000"/>
@@ -14243,7 +14243,7 @@
   <p:clrMapOvr>
     <a:masterClrMapping/>
   </p:clrMapOvr>
-  <p:transition>
+  <p:transition xmlns:p14="http://schemas.microsoft.com/office/powerpoint/2010/main">
     <p:zoom/>
   </p:transition>
   <p:hf hdr="0" ftr="0" dt="0"/>
@@ -14473,7 +14473,7 @@
   <p:clrMapOvr>
     <a:masterClrMapping/>
   </p:clrMapOvr>
-  <p:transition spd="slow">
+  <p:transition xmlns:p14="http://schemas.microsoft.com/office/powerpoint/2010/main" spd="slow">
     <p:fade/>
   </p:transition>
 </p:sldLayout>
@@ -14971,7 +14971,7 @@
           <a:p>
             <a:fld id="{7793EDCB-5B64-3143-AFED-AA1357A092FA}" type="datetimeFigureOut">
               <a:rPr lang="en-US" smtClean="0"/>
-              <a:t>12/10/2012</a:t>
+              <a:t>12/21/12</a:t>
             </a:fld>
             <a:endParaRPr lang="en-US"/>
           </a:p>
@@ -15089,7 +15089,7 @@
           <a:p>
             <a:fld id="{7793EDCB-5B64-3143-AFED-AA1357A092FA}" type="datetimeFigureOut">
               <a:rPr lang="en-US" smtClean="0"/>
-              <a:t>12/10/2012</a:t>
+              <a:t>12/21/12</a:t>
             </a:fld>
             <a:endParaRPr lang="en-US"/>
           </a:p>
@@ -15184,7 +15184,7 @@
           <a:p>
             <a:fld id="{7793EDCB-5B64-3143-AFED-AA1357A092FA}" type="datetimeFigureOut">
               <a:rPr lang="en-US" smtClean="0"/>
-              <a:t>12/10/2012</a:t>
+              <a:t>12/21/12</a:t>
             </a:fld>
             <a:endParaRPr lang="en-US"/>
           </a:p>
@@ -15461,7 +15461,7 @@
           <a:p>
             <a:fld id="{7793EDCB-5B64-3143-AFED-AA1357A092FA}" type="datetimeFigureOut">
               <a:rPr lang="en-US" smtClean="0"/>
-              <a:t>12/10/2012</a:t>
+              <a:t>12/21/12</a:t>
             </a:fld>
             <a:endParaRPr lang="en-US"/>
           </a:p>
@@ -15714,7 +15714,7 @@
           <a:p>
             <a:fld id="{7793EDCB-5B64-3143-AFED-AA1357A092FA}" type="datetimeFigureOut">
               <a:rPr lang="en-US" smtClean="0"/>
-              <a:t>12/10/2012</a:t>
+              <a:t>12/21/12</a:t>
             </a:fld>
             <a:endParaRPr lang="en-US"/>
           </a:p>
@@ -15927,7 +15927,7 @@
           <a:p>
             <a:fld id="{7793EDCB-5B64-3143-AFED-AA1357A092FA}" type="datetimeFigureOut">
               <a:rPr lang="en-US" smtClean="0"/>
-              <a:t>12/10/2012</a:t>
+              <a:t>12/21/12</a:t>
             </a:fld>
             <a:endParaRPr lang="en-US"/>
           </a:p>
@@ -16344,14 +16344,14 @@
             <a:noFill/>
           </a:ln>
           <a:extLst>
-            <a:ext uri="{909E8E84-426E-40DD-AFC4-6F175D3DCCD1}">
+            <a:ext uri="{909E8E84-426E-40dd-AFC4-6F175D3DCCD1}">
               <a14:hiddenFill xmlns:a14="http://schemas.microsoft.com/office/drawing/2010/main">
                 <a:solidFill>
                   <a:srgbClr val="FFFFFF"/>
                 </a:solidFill>
               </a14:hiddenFill>
             </a:ext>
-            <a:ext uri="{91240B29-F687-4F45-9708-019B960494DF}">
+            <a:ext uri="{91240B29-F687-4f45-9708-019B960494DF}">
               <a14:hiddenLine xmlns:a14="http://schemas.microsoft.com/office/drawing/2010/main" w="9525">
                 <a:solidFill>
                   <a:srgbClr val="000000"/>
@@ -16387,14 +16387,14 @@
             <a:noFill/>
           </a:ln>
           <a:extLst>
-            <a:ext uri="{909E8E84-426E-40DD-AFC4-6F175D3DCCD1}">
+            <a:ext uri="{909E8E84-426E-40dd-AFC4-6F175D3DCCD1}">
               <a14:hiddenFill xmlns:a14="http://schemas.microsoft.com/office/drawing/2010/main">
                 <a:solidFill>
                   <a:srgbClr val="FFFFFF"/>
                 </a:solidFill>
               </a14:hiddenFill>
             </a:ext>
-            <a:ext uri="{91240B29-F687-4F45-9708-019B960494DF}">
+            <a:ext uri="{91240B29-F687-4f45-9708-019B960494DF}">
               <a14:hiddenLine xmlns:a14="http://schemas.microsoft.com/office/drawing/2010/main" w="9525">
                 <a:solidFill>
                   <a:srgbClr val="000000"/>
@@ -16405,7 +16405,7 @@
               </a14:hiddenLine>
             </a:ext>
             <a:ext uri="{FAA26D3D-D897-4be2-8F04-BA451C77F1D7}">
-              <ma14:placeholderFlag xmlns:ma14="http://schemas.microsoft.com/office/mac/drawingml/2011/main" xmlns="" val="1"/>
+              <ma14:placeholderFlag xmlns:ma14="http://schemas.microsoft.com/office/mac/drawingml/2011/main" val="1"/>
             </a:ext>
           </a:extLst>
         </p:spPr>
@@ -16448,14 +16448,14 @@
             <a:noFill/>
           </a:ln>
           <a:extLst>
-            <a:ext uri="{909E8E84-426E-40DD-AFC4-6F175D3DCCD1}">
+            <a:ext uri="{909E8E84-426E-40dd-AFC4-6F175D3DCCD1}">
               <a14:hiddenFill xmlns:a14="http://schemas.microsoft.com/office/drawing/2010/main">
                 <a:solidFill>
                   <a:srgbClr val="FFFFFF"/>
                 </a:solidFill>
               </a14:hiddenFill>
             </a:ext>
-            <a:ext uri="{91240B29-F687-4F45-9708-019B960494DF}">
+            <a:ext uri="{91240B29-F687-4f45-9708-019B960494DF}">
               <a14:hiddenLine xmlns:a14="http://schemas.microsoft.com/office/drawing/2010/main" w="9525">
                 <a:solidFill>
                   <a:srgbClr val="000000"/>
@@ -16466,7 +16466,7 @@
               </a14:hiddenLine>
             </a:ext>
             <a:ext uri="{FAA26D3D-D897-4be2-8F04-BA451C77F1D7}">
-              <ma14:placeholderFlag xmlns:ma14="http://schemas.microsoft.com/office/mac/drawingml/2011/main" xmlns="" val="1"/>
+              <ma14:placeholderFlag xmlns:ma14="http://schemas.microsoft.com/office/mac/drawingml/2011/main" val="1"/>
             </a:ext>
           </a:extLst>
         </p:spPr>
@@ -16548,14 +16548,14 @@
             <a:noFill/>
           </a:ln>
           <a:extLst>
-            <a:ext uri="{909E8E84-426E-40DD-AFC4-6F175D3DCCD1}">
+            <a:ext uri="{909E8E84-426E-40dd-AFC4-6F175D3DCCD1}">
               <a14:hiddenFill xmlns:a14="http://schemas.microsoft.com/office/drawing/2010/main">
                 <a:solidFill>
                   <a:srgbClr val="FFFFFF"/>
                 </a:solidFill>
               </a14:hiddenFill>
             </a:ext>
-            <a:ext uri="{91240B29-F687-4F45-9708-019B960494DF}">
+            <a:ext uri="{91240B29-F687-4f45-9708-019B960494DF}">
               <a14:hiddenLine xmlns:a14="http://schemas.microsoft.com/office/drawing/2010/main" w="9525">
                 <a:solidFill>
                   <a:srgbClr val="000000"/>
@@ -16781,14 +16781,14 @@
             <a:noFill/>
           </a:ln>
           <a:extLst>
-            <a:ext uri="{909E8E84-426E-40DD-AFC4-6F175D3DCCD1}">
+            <a:ext uri="{909E8E84-426E-40dd-AFC4-6F175D3DCCD1}">
               <a14:hiddenFill xmlns:a14="http://schemas.microsoft.com/office/drawing/2010/main">
                 <a:solidFill>
                   <a:srgbClr val="FFFFFF"/>
                 </a:solidFill>
               </a14:hiddenFill>
             </a:ext>
-            <a:ext uri="{91240B29-F687-4F45-9708-019B960494DF}">
+            <a:ext uri="{91240B29-F687-4f45-9708-019B960494DF}">
               <a14:hiddenLine xmlns:a14="http://schemas.microsoft.com/office/drawing/2010/main" w="9525">
                 <a:solidFill>
                   <a:srgbClr val="000000"/>
@@ -16832,7 +16832,7 @@
     <p:sldLayoutId id="2147483681" r:id="rId20"/>
     <p:sldLayoutId id="2147483693" r:id="rId21"/>
   </p:sldLayoutIdLst>
-  <p:transition spd="slow">
+  <p:transition xmlns:p14="http://schemas.microsoft.com/office/powerpoint/2010/main" spd="slow">
     <p:fade/>
   </p:transition>
   <p:hf hdr="0" ftr="0" dt="0"/>
@@ -17374,14 +17374,14 @@
             <a:noFill/>
           </a:ln>
           <a:extLst>
-            <a:ext uri="{909E8E84-426E-40DD-AFC4-6F175D3DCCD1}">
+            <a:ext uri="{909E8E84-426E-40dd-AFC4-6F175D3DCCD1}">
               <a14:hiddenFill xmlns:a14="http://schemas.microsoft.com/office/drawing/2010/main">
                 <a:solidFill>
                   <a:srgbClr val="FFFFFF"/>
                 </a:solidFill>
               </a14:hiddenFill>
             </a:ext>
-            <a:ext uri="{91240B29-F687-4F45-9708-019B960494DF}">
+            <a:ext uri="{91240B29-F687-4f45-9708-019B960494DF}">
               <a14:hiddenLine xmlns:a14="http://schemas.microsoft.com/office/drawing/2010/main" w="9525">
                 <a:solidFill>
                   <a:srgbClr val="000000"/>
@@ -17392,7 +17392,7 @@
               </a14:hiddenLine>
             </a:ext>
             <a:ext uri="{FAA26D3D-D897-4be2-8F04-BA451C77F1D7}">
-              <ma14:placeholderFlag xmlns:ma14="http://schemas.microsoft.com/office/mac/drawingml/2011/main" xmlns="" val="1"/>
+              <ma14:placeholderFlag xmlns:ma14="http://schemas.microsoft.com/office/mac/drawingml/2011/main" val="1"/>
             </a:ext>
           </a:extLst>
         </p:spPr>
@@ -17613,14 +17613,14 @@
             <a:noFill/>
           </a:ln>
           <a:extLst>
-            <a:ext uri="{909E8E84-426E-40DD-AFC4-6F175D3DCCD1}">
+            <a:ext uri="{909E8E84-426E-40dd-AFC4-6F175D3DCCD1}">
               <a14:hiddenFill xmlns:a14="http://schemas.microsoft.com/office/drawing/2010/main">
                 <a:solidFill>
                   <a:srgbClr val="FFFFFF"/>
                 </a:solidFill>
               </a14:hiddenFill>
             </a:ext>
-            <a:ext uri="{91240B29-F687-4F45-9708-019B960494DF}">
+            <a:ext uri="{91240B29-F687-4f45-9708-019B960494DF}">
               <a14:hiddenLine xmlns:a14="http://schemas.microsoft.com/office/drawing/2010/main" w="9525">
                 <a:solidFill>
                   <a:srgbClr val="000000"/>
@@ -17782,14 +17782,14 @@
             <a:noFill/>
           </a:ln>
           <a:extLst>
-            <a:ext uri="{909E8E84-426E-40DD-AFC4-6F175D3DCCD1}">
+            <a:ext uri="{909E8E84-426E-40dd-AFC4-6F175D3DCCD1}">
               <a14:hiddenFill xmlns:a14="http://schemas.microsoft.com/office/drawing/2010/main">
                 <a:solidFill>
                   <a:srgbClr val="FFFFFF"/>
                 </a:solidFill>
               </a14:hiddenFill>
             </a:ext>
-            <a:ext uri="{91240B29-F687-4F45-9708-019B960494DF}">
+            <a:ext uri="{91240B29-F687-4f45-9708-019B960494DF}">
               <a14:hiddenLine xmlns:a14="http://schemas.microsoft.com/office/drawing/2010/main" w="9525">
                 <a:solidFill>
                   <a:srgbClr val="000000"/>
@@ -17800,7 +17800,7 @@
               </a14:hiddenLine>
             </a:ext>
             <a:ext uri="{FAA26D3D-D897-4be2-8F04-BA451C77F1D7}">
-              <ma14:placeholderFlag xmlns:ma14="http://schemas.microsoft.com/office/mac/drawingml/2011/main" xmlns="" val="1"/>
+              <ma14:placeholderFlag xmlns:ma14="http://schemas.microsoft.com/office/mac/drawingml/2011/main" val="1"/>
             </a:ext>
           </a:extLst>
         </p:spPr>
@@ -18034,14 +18034,14 @@
             <a:noFill/>
           </a:ln>
           <a:extLst>
-            <a:ext uri="{909E8E84-426E-40DD-AFC4-6F175D3DCCD1}">
+            <a:ext uri="{909E8E84-426E-40dd-AFC4-6F175D3DCCD1}">
               <a14:hiddenFill xmlns:a14="http://schemas.microsoft.com/office/drawing/2010/main">
                 <a:solidFill>
                   <a:srgbClr val="FFFFFF"/>
                 </a:solidFill>
               </a14:hiddenFill>
             </a:ext>
-            <a:ext uri="{91240B29-F687-4F45-9708-019B960494DF}">
+            <a:ext uri="{91240B29-F687-4f45-9708-019B960494DF}">
               <a14:hiddenLine xmlns:a14="http://schemas.microsoft.com/office/drawing/2010/main" w="9525">
                 <a:solidFill>
                   <a:srgbClr val="000000"/>
@@ -18071,13 +18071,13 @@
     <p:sldLayoutId id="2147483705" r:id="rId11"/>
     <p:sldLayoutId id="2147483706" r:id="rId12"/>
   </p:sldLayoutIdLst>
-  <p:transition spd="slow">
+  <p:transition xmlns:p14="http://schemas.microsoft.com/office/powerpoint/2010/main" spd="slow">
     <p:fade/>
   </p:transition>
   <p:timing>
     <p:tnLst>
       <p:par>
-        <p:cTn id="1" dur="indefinite" restart="never" nodeType="tmRoot"/>
+        <p:cTn xmlns:p14="http://schemas.microsoft.com/office/powerpoint/2010/main" id="1" dur="indefinite" restart="never" nodeType="tmRoot"/>
       </p:par>
     </p:tnLst>
   </p:timing>
@@ -18577,13 +18577,13 @@
   <p:clrMapOvr>
     <a:masterClrMapping/>
   </p:clrMapOvr>
-  <p:transition>
+  <p:transition xmlns:p14="http://schemas.microsoft.com/office/powerpoint/2010/main">
     <p:zoom/>
   </p:transition>
   <p:timing>
     <p:tnLst>
       <p:par>
-        <p:cTn id="1" dur="indefinite" restart="never" nodeType="tmRoot"/>
+        <p:cTn xmlns:p14="http://schemas.microsoft.com/office/powerpoint/2010/main" id="1" dur="indefinite" restart="never" nodeType="tmRoot"/>
       </p:par>
     </p:tnLst>
   </p:timing>
@@ -18644,8 +18644,8 @@
         </p:nvSpPr>
         <p:spPr bwMode="auto">
           <a:xfrm>
-            <a:off x="2000878" y="2339697"/>
-            <a:ext cx="5023841" cy="2732604"/>
+            <a:off x="1066800" y="2339697"/>
+            <a:ext cx="6781800" cy="2455605"/>
           </a:xfrm>
           <a:prstGeom prst="rect">
             <a:avLst/>
@@ -18677,6 +18677,8 @@
                 <a:solidFill>
                   <a:schemeClr val="accent4"/>
                 </a:solidFill>
+                <a:latin typeface="Arial"/>
+                <a:cs typeface="Arial"/>
               </a:rPr>
               <a:t>Разрабатывая небольшими шагами, вы всегда знаете, что вас ждет дальше – вы двигаетесь без </a:t>
             </a:r>
@@ -18685,6 +18687,8 @@
                 <a:solidFill>
                   <a:schemeClr val="accent4"/>
                 </a:solidFill>
+                <a:latin typeface="Arial"/>
+                <a:cs typeface="Arial"/>
               </a:rPr>
               <a:t>промедления</a:t>
             </a:r>
@@ -18692,6 +18696,8 @@
               <a:solidFill>
                 <a:schemeClr val="accent4"/>
               </a:solidFill>
+              <a:latin typeface="Arial"/>
+              <a:cs typeface="Arial"/>
             </a:endParaRPr>
           </a:p>
           <a:p>
@@ -18707,6 +18713,8 @@
               <a:solidFill>
                 <a:schemeClr val="accent4"/>
               </a:solidFill>
+              <a:latin typeface="Arial"/>
+              <a:cs typeface="Arial"/>
             </a:endParaRPr>
           </a:p>
           <a:p>
@@ -18723,6 +18731,8 @@
                 <a:solidFill>
                   <a:schemeClr val="accent4"/>
                 </a:solidFill>
+                <a:latin typeface="Arial"/>
+                <a:cs typeface="Arial"/>
               </a:rPr>
               <a:t>Использование unit-тестов существенно сокращает время, проводимое в </a:t>
             </a:r>
@@ -18731,6 +18741,8 @@
                 <a:solidFill>
                   <a:schemeClr val="accent4"/>
                 </a:solidFill>
+                <a:latin typeface="Arial"/>
+                <a:cs typeface="Arial"/>
               </a:rPr>
               <a:t>отладчике</a:t>
             </a:r>
@@ -18738,6 +18750,8 @@
               <a:solidFill>
                 <a:schemeClr val="accent4"/>
               </a:solidFill>
+              <a:latin typeface="Arial"/>
+              <a:cs typeface="Arial"/>
             </a:endParaRPr>
           </a:p>
           <a:p>
@@ -18753,6 +18767,8 @@
               <a:solidFill>
                 <a:schemeClr val="accent4"/>
               </a:solidFill>
+              <a:latin typeface="Arial"/>
+              <a:cs typeface="Arial"/>
             </a:endParaRPr>
           </a:p>
           <a:p>
@@ -18769,6 +18785,8 @@
                 <a:solidFill>
                   <a:schemeClr val="accent4"/>
                 </a:solidFill>
+                <a:latin typeface="Arial"/>
+                <a:cs typeface="Arial"/>
               </a:rPr>
               <a:t>Добавив </a:t>
             </a:r>
@@ -18777,6 +18795,8 @@
                 <a:solidFill>
                   <a:schemeClr val="accent4"/>
                 </a:solidFill>
+                <a:latin typeface="Arial"/>
+                <a:cs typeface="Arial"/>
               </a:rPr>
               <a:t>небольшую порцию кода, мы тут же убеждаемся в его работоспособности</a:t>
             </a:r>
@@ -18796,7 +18816,7 @@
   <p:timing>
     <p:tnLst>
       <p:par>
-        <p:cTn id="1" dur="indefinite" restart="never" nodeType="tmRoot"/>
+        <p:cTn xmlns:p14="http://schemas.microsoft.com/office/powerpoint/2010/main" id="1" dur="indefinite" restart="never" nodeType="tmRoot"/>
       </p:par>
     </p:tnLst>
   </p:timing>
@@ -18857,8 +18877,8 @@
         </p:nvSpPr>
         <p:spPr bwMode="auto">
           <a:xfrm>
-            <a:off x="2000878" y="1924199"/>
-            <a:ext cx="5023841" cy="3009602"/>
+            <a:off x="1371600" y="1924199"/>
+            <a:ext cx="6553200" cy="2455605"/>
           </a:xfrm>
           <a:prstGeom prst="rect">
             <a:avLst/>
@@ -18890,6 +18910,8 @@
                 <a:solidFill>
                   <a:schemeClr val="accent4"/>
                 </a:solidFill>
+                <a:latin typeface="Arial"/>
+                <a:cs typeface="Arial"/>
               </a:rPr>
               <a:t>Внеся </a:t>
             </a:r>
@@ -18898,6 +18920,8 @@
                 <a:solidFill>
                   <a:schemeClr val="accent4"/>
                 </a:solidFill>
+                <a:latin typeface="Arial"/>
+                <a:cs typeface="Arial"/>
               </a:rPr>
               <a:t>изменения в классы, мы тут же убеждаемся, что не нарушили работы остальных </a:t>
             </a:r>
@@ -18906,6 +18930,8 @@
                 <a:solidFill>
                   <a:schemeClr val="accent4"/>
                 </a:solidFill>
+                <a:latin typeface="Arial"/>
+                <a:cs typeface="Arial"/>
               </a:rPr>
               <a:t>классов</a:t>
             </a:r>
@@ -18923,6 +18949,8 @@
               <a:solidFill>
                 <a:schemeClr val="accent4"/>
               </a:solidFill>
+              <a:latin typeface="Arial"/>
+              <a:cs typeface="Arial"/>
             </a:endParaRPr>
           </a:p>
           <a:p>
@@ -18939,6 +18967,8 @@
                 <a:solidFill>
                   <a:schemeClr val="accent4"/>
                 </a:solidFill>
+                <a:latin typeface="Arial"/>
+                <a:cs typeface="Arial"/>
               </a:rPr>
               <a:t>Интеграция модулей проходит легче и быстрее, поскольку каждый из них хорошо </a:t>
             </a:r>
@@ -18947,6 +18977,8 @@
                 <a:solidFill>
                   <a:schemeClr val="accent4"/>
                 </a:solidFill>
+                <a:latin typeface="Arial"/>
+                <a:cs typeface="Arial"/>
               </a:rPr>
               <a:t>оттестирован</a:t>
             </a:r>
@@ -18964,6 +18996,8 @@
               <a:solidFill>
                 <a:schemeClr val="accent4"/>
               </a:solidFill>
+              <a:latin typeface="Arial"/>
+              <a:cs typeface="Arial"/>
             </a:endParaRPr>
           </a:p>
           <a:p>
@@ -18980,6 +19014,8 @@
                 <a:solidFill>
                   <a:schemeClr val="accent4"/>
                 </a:solidFill>
+                <a:latin typeface="Arial"/>
+                <a:cs typeface="Arial"/>
               </a:rPr>
               <a:t>Уменьшается количество ошибок в коде, а так же время на их поиск и исправление</a:t>
             </a:r>
@@ -18999,7 +19035,7 @@
   <p:timing>
     <p:tnLst>
       <p:par>
-        <p:cTn id="1" dur="indefinite" restart="never" nodeType="tmRoot"/>
+        <p:cTn xmlns:p14="http://schemas.microsoft.com/office/powerpoint/2010/main" id="1" dur="indefinite" restart="never" nodeType="tmRoot"/>
       </p:par>
     </p:tnLst>
   </p:timing>
@@ -19060,8 +19096,8 @@
         </p:nvSpPr>
         <p:spPr bwMode="auto">
           <a:xfrm>
-            <a:off x="2000878" y="2755196"/>
-            <a:ext cx="5023841" cy="1347609"/>
+            <a:off x="1219200" y="2755196"/>
+            <a:ext cx="6705600" cy="1070610"/>
           </a:xfrm>
           <a:prstGeom prst="rect">
             <a:avLst/>
@@ -19093,6 +19129,8 @@
                 <a:solidFill>
                   <a:schemeClr val="accent4"/>
                 </a:solidFill>
+                <a:latin typeface="Arial"/>
+                <a:cs typeface="Arial"/>
               </a:rPr>
               <a:t>Более качественный дизайн полученный в ходе такой разработки, помогает в дальнейшем улучшать код, делая это очень быстро</a:t>
             </a:r>
@@ -19112,7 +19150,7 @@
   <p:timing>
     <p:tnLst>
       <p:par>
-        <p:cTn id="1" dur="indefinite" restart="never" nodeType="tmRoot"/>
+        <p:cTn xmlns:p14="http://schemas.microsoft.com/office/powerpoint/2010/main" id="1" dur="indefinite" restart="never" nodeType="tmRoot"/>
       </p:par>
     </p:tnLst>
   </p:timing>
@@ -19181,8 +19219,8 @@
         </p:nvSpPr>
         <p:spPr bwMode="auto">
           <a:xfrm>
-            <a:off x="2000878" y="2062698"/>
-            <a:ext cx="5023841" cy="2732604"/>
+            <a:off x="1104900" y="2339697"/>
+            <a:ext cx="6934200" cy="2178606"/>
           </a:xfrm>
           <a:prstGeom prst="rect">
             <a:avLst/>
@@ -19214,6 +19252,8 @@
                 <a:solidFill>
                   <a:schemeClr val="accent4"/>
                 </a:solidFill>
+                <a:latin typeface="Arial"/>
+                <a:cs typeface="Arial"/>
               </a:rPr>
               <a:t>В этом нет ничего страшного, т.к. не обязательно сразу начинать тестировать сложные компоненты, используя все возможности xUnit и </a:t>
             </a:r>
@@ -19222,6 +19262,8 @@
                 <a:solidFill>
                   <a:schemeClr val="accent4"/>
                 </a:solidFill>
+                <a:latin typeface="Arial"/>
+                <a:cs typeface="Arial"/>
               </a:rPr>
               <a:t>mock-фреймворков</a:t>
             </a:r>
@@ -19239,6 +19281,8 @@
               <a:solidFill>
                 <a:schemeClr val="accent4"/>
               </a:solidFill>
+              <a:latin typeface="Arial"/>
+              <a:cs typeface="Arial"/>
             </a:endParaRPr>
           </a:p>
           <a:p>
@@ -19255,6 +19299,8 @@
                 <a:solidFill>
                   <a:schemeClr val="accent4"/>
                 </a:solidFill>
+                <a:latin typeface="Arial"/>
+                <a:cs typeface="Arial"/>
               </a:rPr>
               <a:t>Для начала можно попытаться воспроизвести в тестах действия, которые разработчик делает вручную при тестировании модуля</a:t>
             </a:r>
@@ -19274,7 +19320,7 @@
   <p:timing>
     <p:tnLst>
       <p:par>
-        <p:cTn id="1" dur="indefinite" restart="never" nodeType="tmRoot"/>
+        <p:cTn xmlns:p14="http://schemas.microsoft.com/office/powerpoint/2010/main" id="1" dur="indefinite" restart="never" nodeType="tmRoot"/>
       </p:par>
     </p:tnLst>
   </p:timing>
@@ -19343,8 +19389,8 @@
         </p:nvSpPr>
         <p:spPr bwMode="auto">
           <a:xfrm>
-            <a:off x="2000878" y="2062698"/>
-            <a:ext cx="5023841" cy="2732604"/>
+            <a:off x="1104900" y="2339697"/>
+            <a:ext cx="6934200" cy="2178606"/>
           </a:xfrm>
           <a:prstGeom prst="rect">
             <a:avLst/>
@@ -19376,6 +19422,8 @@
                 <a:solidFill>
                   <a:schemeClr val="accent4"/>
                 </a:solidFill>
+                <a:latin typeface="Arial"/>
+                <a:cs typeface="Arial"/>
               </a:rPr>
               <a:t>Даже небольшая и «неуклюжая» тестовая обвязка намного лучше, чем еще не написанная «гибкая система модульного тестирования, покрывающая 100% функционала</a:t>
             </a:r>
@@ -19384,6 +19432,8 @@
                 <a:solidFill>
                   <a:schemeClr val="accent4"/>
                 </a:solidFill>
+                <a:latin typeface="Arial"/>
+                <a:cs typeface="Arial"/>
               </a:rPr>
               <a:t>»</a:t>
             </a:r>
@@ -19401,6 +19451,8 @@
               <a:solidFill>
                 <a:schemeClr val="accent4"/>
               </a:solidFill>
+              <a:latin typeface="Arial"/>
+              <a:cs typeface="Arial"/>
             </a:endParaRPr>
           </a:p>
           <a:p>
@@ -19417,6 +19469,8 @@
                 <a:solidFill>
                   <a:schemeClr val="accent4"/>
                 </a:solidFill>
+                <a:latin typeface="Arial"/>
+                <a:cs typeface="Arial"/>
               </a:rPr>
               <a:t>Начинайте с простых приемочных тестов или тестирования классов низших уровней и продвигайтесь далее в глубь системы</a:t>
             </a:r>
@@ -19436,7 +19490,7 @@
   <p:timing>
     <p:tnLst>
       <p:par>
-        <p:cTn id="1" dur="indefinite" restart="never" nodeType="tmRoot"/>
+        <p:cTn xmlns:p14="http://schemas.microsoft.com/office/powerpoint/2010/main" id="1" dur="indefinite" restart="never" nodeType="tmRoot"/>
       </p:par>
     </p:tnLst>
   </p:timing>
@@ -19497,8 +19551,8 @@
         </p:nvSpPr>
         <p:spPr bwMode="auto">
           <a:xfrm>
-            <a:off x="1371600" y="2062698"/>
-            <a:ext cx="6477000" cy="2732604"/>
+            <a:off x="838200" y="2201198"/>
+            <a:ext cx="7315200" cy="2455605"/>
           </a:xfrm>
           <a:prstGeom prst="rect">
             <a:avLst/>
@@ -19530,6 +19584,8 @@
                 <a:solidFill>
                   <a:schemeClr val="accent4"/>
                 </a:solidFill>
+                <a:latin typeface="Arial"/>
+                <a:cs typeface="Arial"/>
               </a:rPr>
               <a:t>По мнению некоторых разработчиков, модульные тесты – это двукратное увеличение кода</a:t>
             </a:r>
@@ -19538,6 +19594,8 @@
                 <a:solidFill>
                   <a:schemeClr val="accent4"/>
                 </a:solidFill>
+                <a:latin typeface="Arial"/>
+                <a:cs typeface="Arial"/>
               </a:rPr>
               <a:t>!</a:t>
             </a:r>
@@ -19555,6 +19613,8 @@
               <a:solidFill>
                 <a:schemeClr val="accent4"/>
               </a:solidFill>
+              <a:latin typeface="Arial"/>
+              <a:cs typeface="Arial"/>
             </a:endParaRPr>
           </a:p>
           <a:p>
@@ -19571,6 +19631,8 @@
                 <a:solidFill>
                   <a:schemeClr val="accent4"/>
                 </a:solidFill>
+                <a:latin typeface="Arial"/>
+                <a:cs typeface="Arial"/>
               </a:rPr>
               <a:t>Это не </a:t>
             </a:r>
@@ -19579,6 +19641,8 @@
                 <a:solidFill>
                   <a:schemeClr val="accent4"/>
                 </a:solidFill>
+                <a:latin typeface="Arial"/>
+                <a:cs typeface="Arial"/>
               </a:rPr>
               <a:t>так</a:t>
             </a:r>
@@ -19596,6 +19660,8 @@
               <a:solidFill>
                 <a:schemeClr val="accent4"/>
               </a:solidFill>
+              <a:latin typeface="Arial"/>
+              <a:cs typeface="Arial"/>
             </a:endParaRPr>
           </a:p>
           <a:p>
@@ -19612,6 +19678,8 @@
                 <a:solidFill>
                   <a:schemeClr val="accent4"/>
                 </a:solidFill>
+                <a:latin typeface="Arial"/>
+                <a:cs typeface="Arial"/>
               </a:rPr>
               <a:t>На самом деле оно троекратное (или даже больше</a:t>
             </a:r>
@@ -19620,6 +19688,8 @@
                 <a:solidFill>
                   <a:schemeClr val="accent4"/>
                 </a:solidFill>
+                <a:latin typeface="Arial"/>
+                <a:cs typeface="Arial"/>
               </a:rPr>
               <a:t>)</a:t>
             </a:r>
@@ -19637,6 +19707,8 @@
               <a:solidFill>
                 <a:schemeClr val="accent4"/>
               </a:solidFill>
+              <a:latin typeface="Arial"/>
+              <a:cs typeface="Arial"/>
             </a:endParaRPr>
           </a:p>
           <a:p>
@@ -19653,6 +19725,8 @@
                 <a:solidFill>
                   <a:schemeClr val="accent4"/>
                 </a:solidFill>
+                <a:latin typeface="Arial"/>
+                <a:cs typeface="Arial"/>
               </a:rPr>
               <a:t>Однако давайте рассмотрим и другие стороны этого вопроса</a:t>
             </a:r>
@@ -19672,7 +19746,7 @@
   <p:timing>
     <p:tnLst>
       <p:par>
-        <p:cTn id="1" dur="indefinite" restart="never" nodeType="tmRoot"/>
+        <p:cTn xmlns:p14="http://schemas.microsoft.com/office/powerpoint/2010/main" id="1" dur="indefinite" restart="never" nodeType="tmRoot"/>
       </p:par>
     </p:tnLst>
   </p:timing>
@@ -19733,8 +19807,8 @@
         </p:nvSpPr>
         <p:spPr bwMode="auto">
           <a:xfrm>
-            <a:off x="2000878" y="2062698"/>
-            <a:ext cx="5023841" cy="3286601"/>
+            <a:off x="1333500" y="2062698"/>
+            <a:ext cx="6477000" cy="2732604"/>
           </a:xfrm>
           <a:prstGeom prst="rect">
             <a:avLst/>
@@ -19766,6 +19840,8 @@
                 <a:solidFill>
                   <a:schemeClr val="accent4"/>
                 </a:solidFill>
+                <a:latin typeface="Arial"/>
+                <a:cs typeface="Arial"/>
               </a:rPr>
               <a:t>Конечно, можно спроектировать систему так, чтобы изначально обязанности классов были распределены оптимальным </a:t>
             </a:r>
@@ -19774,6 +19850,8 @@
                 <a:solidFill>
                   <a:schemeClr val="accent4"/>
                 </a:solidFill>
+                <a:latin typeface="Arial"/>
+                <a:cs typeface="Arial"/>
               </a:rPr>
               <a:t>образом</a:t>
             </a:r>
@@ -19791,6 +19869,8 @@
               <a:solidFill>
                 <a:schemeClr val="accent4"/>
               </a:solidFill>
+              <a:latin typeface="Arial"/>
+              <a:cs typeface="Arial"/>
             </a:endParaRPr>
           </a:p>
           <a:p>
@@ -19807,6 +19887,8 @@
                 <a:solidFill>
                   <a:schemeClr val="accent4"/>
                 </a:solidFill>
+                <a:latin typeface="Arial"/>
+                <a:cs typeface="Arial"/>
               </a:rPr>
               <a:t>Однако на практике это практически невозможно</a:t>
             </a:r>
@@ -19815,6 +19897,8 @@
                 <a:solidFill>
                   <a:schemeClr val="accent4"/>
                 </a:solidFill>
+                <a:latin typeface="Arial"/>
+                <a:cs typeface="Arial"/>
               </a:rPr>
               <a:t>:</a:t>
             </a:r>
@@ -19832,6 +19916,8 @@
               <a:solidFill>
                 <a:schemeClr val="accent4"/>
               </a:solidFill>
+              <a:latin typeface="Arial"/>
+              <a:cs typeface="Arial"/>
             </a:endParaRPr>
           </a:p>
           <a:p>
@@ -19848,6 +19934,8 @@
                 <a:solidFill>
                   <a:schemeClr val="accent4"/>
                 </a:solidFill>
+                <a:latin typeface="Arial"/>
+                <a:cs typeface="Arial"/>
               </a:rPr>
               <a:t>никто не может увидеть всей картины </a:t>
             </a:r>
@@ -19856,6 +19944,8 @@
                 <a:solidFill>
                   <a:schemeClr val="accent4"/>
                 </a:solidFill>
+                <a:latin typeface="Arial"/>
+                <a:cs typeface="Arial"/>
               </a:rPr>
               <a:t>целиком</a:t>
             </a:r>
@@ -19873,6 +19963,8 @@
               <a:solidFill>
                 <a:schemeClr val="accent4"/>
               </a:solidFill>
+              <a:latin typeface="Arial"/>
+              <a:cs typeface="Arial"/>
             </a:endParaRPr>
           </a:p>
           <a:p>
@@ -19889,6 +19981,8 @@
                 <a:solidFill>
                   <a:schemeClr val="accent4"/>
                 </a:solidFill>
+                <a:latin typeface="Arial"/>
+                <a:cs typeface="Arial"/>
               </a:rPr>
               <a:t>требования к системе могут меняться</a:t>
             </a:r>
@@ -19908,7 +20002,7 @@
   <p:timing>
     <p:tnLst>
       <p:par>
-        <p:cTn id="1" dur="indefinite" restart="never" nodeType="tmRoot"/>
+        <p:cTn xmlns:p14="http://schemas.microsoft.com/office/powerpoint/2010/main" id="1" dur="indefinite" restart="never" nodeType="tmRoot"/>
       </p:par>
     </p:tnLst>
   </p:timing>
@@ -19970,13 +20064,13 @@
   <p:clrMapOvr>
     <a:masterClrMapping/>
   </p:clrMapOvr>
-  <p:transition>
+  <p:transition xmlns:p14="http://schemas.microsoft.com/office/powerpoint/2010/main">
     <p:zoom/>
   </p:transition>
   <p:timing>
     <p:tnLst>
       <p:par>
-        <p:cTn id="1" dur="indefinite" restart="never" nodeType="tmRoot"/>
+        <p:cTn xmlns:p14="http://schemas.microsoft.com/office/powerpoint/2010/main" id="1" dur="indefinite" restart="never" nodeType="tmRoot"/>
       </p:par>
     </p:tnLst>
   </p:timing>
@@ -20196,7 +20290,7 @@
   <p:clrMapOvr>
     <a:masterClrMapping/>
   </p:clrMapOvr>
-  <p:transition>
+  <p:transition xmlns:p14="http://schemas.microsoft.com/office/powerpoint/2010/main">
     <p:zoom/>
   </p:transition>
 </p:sld>
@@ -20510,6 +20604,30 @@
                 </a:buClr>
                 <a:buSzPct val="125000"/>
               </a:pPr>
+              <a:r>
+                <a:rPr lang="ru-RU" dirty="0" smtClean="0">
+                  <a:solidFill>
+                    <a:srgbClr val="004080"/>
+                  </a:solidFill>
+                </a:rPr>
+                <a:t>Причины почему </a:t>
+              </a:r>
+              <a:r>
+                <a:rPr lang="en-US" dirty="0" smtClean="0">
+                  <a:solidFill>
+                    <a:srgbClr val="004080"/>
+                  </a:solidFill>
+                </a:rPr>
+                <a:t>TDD </a:t>
+              </a:r>
+              <a:r>
+                <a:rPr lang="ru-RU" dirty="0" smtClean="0">
+                  <a:solidFill>
+                    <a:srgbClr val="004080"/>
+                  </a:solidFill>
+                </a:rPr>
+                <a:t>тяжело внедряется</a:t>
+              </a:r>
               <a:endParaRPr lang="ru-RU" dirty="0">
                 <a:solidFill>
                   <a:srgbClr val="004080"/>
@@ -22158,13 +22276,13 @@
   <p:clrMapOvr>
     <a:masterClrMapping/>
   </p:clrMapOvr>
-  <p:transition spd="slow">
+  <p:transition xmlns:p14="http://schemas.microsoft.com/office/powerpoint/2010/main" spd="slow">
     <p:fade/>
   </p:transition>
   <p:timing>
     <p:tnLst>
       <p:par>
-        <p:cTn id="1" dur="indefinite" restart="never" nodeType="tmRoot"/>
+        <p:cTn xmlns:p14="http://schemas.microsoft.com/office/powerpoint/2010/main" id="1" dur="indefinite" restart="never" nodeType="tmRoot"/>
       </p:par>
     </p:tnLst>
   </p:timing>
@@ -22225,8 +22343,8 @@
         </p:nvSpPr>
         <p:spPr bwMode="auto">
           <a:xfrm>
-            <a:off x="2000878" y="2062698"/>
-            <a:ext cx="5023841" cy="2178606"/>
+            <a:off x="990600" y="2616696"/>
+            <a:ext cx="7315200" cy="1624608"/>
           </a:xfrm>
           <a:prstGeom prst="rect">
             <a:avLst/>
@@ -22258,6 +22376,8 @@
                 <a:solidFill>
                   <a:schemeClr val="accent4"/>
                 </a:solidFill>
+                <a:latin typeface="Arial"/>
+                <a:cs typeface="Arial"/>
               </a:rPr>
               <a:t>Как правило, так кажется только в момент его </a:t>
             </a:r>
@@ -22266,6 +22386,8 @@
                 <a:solidFill>
                   <a:schemeClr val="accent4"/>
                 </a:solidFill>
+                <a:latin typeface="Arial"/>
+                <a:cs typeface="Arial"/>
               </a:rPr>
               <a:t>написания</a:t>
             </a:r>
@@ -22273,6 +22395,8 @@
               <a:solidFill>
                 <a:schemeClr val="accent4"/>
               </a:solidFill>
+              <a:latin typeface="Arial"/>
+              <a:cs typeface="Arial"/>
             </a:endParaRPr>
           </a:p>
           <a:p>
@@ -22288,6 +22412,8 @@
               <a:solidFill>
                 <a:schemeClr val="accent4"/>
               </a:solidFill>
+              <a:latin typeface="Arial"/>
+              <a:cs typeface="Arial"/>
             </a:endParaRPr>
           </a:p>
           <a:p>
@@ -22304,6 +22430,8 @@
                 <a:solidFill>
                   <a:schemeClr val="accent4"/>
                 </a:solidFill>
+                <a:latin typeface="Arial"/>
+                <a:cs typeface="Arial"/>
               </a:rPr>
               <a:t>Через полгода (а может и через пару недель) связи этого кода с другими могут показаться не такими очевидными, а сам код – не таким уж и простым</a:t>
             </a:r>
@@ -22323,7 +22451,7 @@
   <p:timing>
     <p:tnLst>
       <p:par>
-        <p:cTn id="1" dur="indefinite" restart="never" nodeType="tmRoot"/>
+        <p:cTn xmlns:p14="http://schemas.microsoft.com/office/powerpoint/2010/main" id="1" dur="indefinite" restart="never" nodeType="tmRoot"/>
       </p:par>
     </p:tnLst>
   </p:timing>
@@ -22384,8 +22512,8 @@
         </p:nvSpPr>
         <p:spPr bwMode="auto">
           <a:xfrm>
-            <a:off x="2000878" y="2062698"/>
-            <a:ext cx="5023841" cy="3286601"/>
+            <a:off x="1028700" y="2062698"/>
+            <a:ext cx="7086600" cy="2732604"/>
           </a:xfrm>
           <a:prstGeom prst="rect">
             <a:avLst/>
@@ -22417,6 +22545,8 @@
                 <a:solidFill>
                   <a:schemeClr val="accent4"/>
                 </a:solidFill>
+                <a:latin typeface="Arial"/>
+                <a:cs typeface="Arial"/>
               </a:rPr>
               <a:t>Как правило, такая ситуация возникает в двух случаях</a:t>
             </a:r>
@@ -22425,6 +22555,8 @@
                 <a:solidFill>
                   <a:schemeClr val="accent4"/>
                 </a:solidFill>
+                <a:latin typeface="Arial"/>
+                <a:cs typeface="Arial"/>
               </a:rPr>
               <a:t>:</a:t>
             </a:r>
@@ -22432,6 +22564,8 @@
               <a:solidFill>
                 <a:schemeClr val="accent4"/>
               </a:solidFill>
+              <a:latin typeface="Arial"/>
+              <a:cs typeface="Arial"/>
             </a:endParaRPr>
           </a:p>
           <a:p>
@@ -22447,6 +22581,8 @@
               <a:solidFill>
                 <a:schemeClr val="accent4"/>
               </a:solidFill>
+              <a:latin typeface="Arial"/>
+              <a:cs typeface="Arial"/>
             </a:endParaRPr>
           </a:p>
           <a:p>
@@ -22463,6 +22599,8 @@
                 <a:solidFill>
                   <a:schemeClr val="accent4"/>
                 </a:solidFill>
+                <a:latin typeface="Arial"/>
+                <a:cs typeface="Arial"/>
               </a:rPr>
               <a:t>низкая квалификация разработчика</a:t>
             </a:r>
@@ -22481,6 +22619,8 @@
                 <a:solidFill>
                   <a:schemeClr val="accent4"/>
                 </a:solidFill>
+                <a:latin typeface="Arial"/>
+                <a:cs typeface="Arial"/>
               </a:rPr>
               <a:t>плохой дизайн тестируемого </a:t>
             </a:r>
@@ -22489,6 +22629,8 @@
                 <a:solidFill>
                   <a:schemeClr val="accent4"/>
                 </a:solidFill>
+                <a:latin typeface="Arial"/>
+                <a:cs typeface="Arial"/>
               </a:rPr>
               <a:t>кода</a:t>
             </a:r>
@@ -22496,6 +22638,8 @@
               <a:solidFill>
                 <a:schemeClr val="accent4"/>
               </a:solidFill>
+              <a:latin typeface="Arial"/>
+              <a:cs typeface="Arial"/>
             </a:endParaRPr>
           </a:p>
           <a:p>
@@ -22511,6 +22655,8 @@
               <a:solidFill>
                 <a:schemeClr val="accent4"/>
               </a:solidFill>
+              <a:latin typeface="Arial"/>
+              <a:cs typeface="Arial"/>
             </a:endParaRPr>
           </a:p>
           <a:p>
@@ -22527,6 +22673,8 @@
                 <a:solidFill>
                   <a:schemeClr val="accent4"/>
                 </a:solidFill>
+                <a:latin typeface="Arial"/>
+                <a:cs typeface="Arial"/>
               </a:rPr>
               <a:t>Возникают ситуации, когда протестировать класс практически невозможно – напр. необходимо зарегистрировать пользователя, добавить данные в БД, предоставить config-файлы и т.д.</a:t>
             </a:r>
@@ -22546,7 +22694,7 @@
   <p:timing>
     <p:tnLst>
       <p:par>
-        <p:cTn id="1" dur="indefinite" restart="never" nodeType="tmRoot"/>
+        <p:cTn xmlns:p14="http://schemas.microsoft.com/office/powerpoint/2010/main" id="1" dur="indefinite" restart="never" nodeType="tmRoot"/>
       </p:par>
     </p:tnLst>
   </p:timing>
@@ -22607,8 +22755,8 @@
         </p:nvSpPr>
         <p:spPr bwMode="auto">
           <a:xfrm>
-            <a:off x="2000878" y="2062698"/>
-            <a:ext cx="5023841" cy="3009602"/>
+            <a:off x="1524000" y="1924199"/>
+            <a:ext cx="6096000" cy="3009603"/>
           </a:xfrm>
           <a:prstGeom prst="rect">
             <a:avLst/>
@@ -22640,6 +22788,8 @@
                 <a:solidFill>
                   <a:schemeClr val="accent4"/>
                 </a:solidFill>
+                <a:latin typeface="Arial"/>
+                <a:cs typeface="Arial"/>
               </a:rPr>
               <a:t>Все это говорит о плохом дизайне системы – классы очень сильно зависят друг от друга, иногда нетривиальным </a:t>
             </a:r>
@@ -22648,6 +22798,8 @@
                 <a:solidFill>
                   <a:schemeClr val="accent4"/>
                 </a:solidFill>
+                <a:latin typeface="Arial"/>
+                <a:cs typeface="Arial"/>
               </a:rPr>
               <a:t>образом</a:t>
             </a:r>
@@ -22655,6 +22807,8 @@
               <a:solidFill>
                 <a:schemeClr val="accent4"/>
               </a:solidFill>
+              <a:latin typeface="Arial"/>
+              <a:cs typeface="Arial"/>
             </a:endParaRPr>
           </a:p>
           <a:p>
@@ -22670,6 +22824,8 @@
               <a:solidFill>
                 <a:schemeClr val="accent4"/>
               </a:solidFill>
+              <a:latin typeface="Arial"/>
+              <a:cs typeface="Arial"/>
             </a:endParaRPr>
           </a:p>
           <a:p>
@@ -22686,6 +22842,8 @@
                 <a:solidFill>
                   <a:schemeClr val="accent4"/>
                 </a:solidFill>
+                <a:latin typeface="Arial"/>
+                <a:cs typeface="Arial"/>
               </a:rPr>
               <a:t>Новые тесты писать при этом очень сложно, они часто </a:t>
             </a:r>
@@ -22694,6 +22852,8 @@
                 <a:solidFill>
                   <a:schemeClr val="accent4"/>
                 </a:solidFill>
+                <a:latin typeface="Arial"/>
+                <a:cs typeface="Arial"/>
               </a:rPr>
               <a:t>ломаются</a:t>
             </a:r>
@@ -22701,6 +22861,8 @@
               <a:solidFill>
                 <a:schemeClr val="accent4"/>
               </a:solidFill>
+              <a:latin typeface="Arial"/>
+              <a:cs typeface="Arial"/>
             </a:endParaRPr>
           </a:p>
           <a:p>
@@ -22716,6 +22878,8 @@
               <a:solidFill>
                 <a:schemeClr val="accent4"/>
               </a:solidFill>
+              <a:latin typeface="Arial"/>
+              <a:cs typeface="Arial"/>
             </a:endParaRPr>
           </a:p>
           <a:p>
@@ -22732,6 +22896,8 @@
                 <a:solidFill>
                   <a:schemeClr val="accent4"/>
                 </a:solidFill>
+                <a:latin typeface="Arial"/>
+                <a:cs typeface="Arial"/>
               </a:rPr>
               <a:t>В этом случае стоит начать написание тестов с простейших классов с минимальным числом зависимостей</a:t>
             </a:r>
@@ -22751,7 +22917,7 @@
   <p:timing>
     <p:tnLst>
       <p:par>
-        <p:cTn id="1" dur="indefinite" restart="never" nodeType="tmRoot"/>
+        <p:cTn xmlns:p14="http://schemas.microsoft.com/office/powerpoint/2010/main" id="1" dur="indefinite" restart="never" nodeType="tmRoot"/>
       </p:par>
     </p:tnLst>
   </p:timing>
@@ -22812,8 +22978,8 @@
         </p:nvSpPr>
         <p:spPr bwMode="auto">
           <a:xfrm>
-            <a:off x="2000878" y="2062698"/>
-            <a:ext cx="5023841" cy="3009602"/>
+            <a:off x="1143000" y="2201198"/>
+            <a:ext cx="6858000" cy="2455605"/>
           </a:xfrm>
           <a:prstGeom prst="rect">
             <a:avLst/>
@@ -22956,7 +23122,7 @@
   <p:timing>
     <p:tnLst>
       <p:par>
-        <p:cTn id="1" dur="indefinite" restart="never" nodeType="tmRoot"/>
+        <p:cTn xmlns:p14="http://schemas.microsoft.com/office/powerpoint/2010/main" id="1" dur="indefinite" restart="never" nodeType="tmRoot"/>
       </p:par>
     </p:tnLst>
   </p:timing>
@@ -23017,8 +23183,8 @@
         </p:nvSpPr>
         <p:spPr bwMode="auto">
           <a:xfrm>
-            <a:off x="2000878" y="2062698"/>
-            <a:ext cx="5023841" cy="3009602"/>
+            <a:off x="914400" y="2201198"/>
+            <a:ext cx="7315200" cy="2455605"/>
           </a:xfrm>
           <a:prstGeom prst="rect">
             <a:avLst/>
@@ -23050,6 +23216,8 @@
                 <a:solidFill>
                   <a:schemeClr val="accent4"/>
                 </a:solidFill>
+                <a:latin typeface="Arial"/>
+                <a:cs typeface="Arial"/>
               </a:rPr>
               <a:t>Каждый класс, как и его тест, должны быть небольшими и </a:t>
             </a:r>
@@ -23058,6 +23226,8 @@
                 <a:solidFill>
                   <a:schemeClr val="accent4"/>
                 </a:solidFill>
+                <a:latin typeface="Arial"/>
+                <a:cs typeface="Arial"/>
               </a:rPr>
               <a:t>понятными</a:t>
             </a:r>
@@ -23065,6 +23235,8 @@
               <a:solidFill>
                 <a:schemeClr val="accent4"/>
               </a:solidFill>
+              <a:latin typeface="Arial"/>
+              <a:cs typeface="Arial"/>
             </a:endParaRPr>
           </a:p>
           <a:p>
@@ -23080,6 +23252,8 @@
               <a:solidFill>
                 <a:schemeClr val="accent4"/>
               </a:solidFill>
+              <a:latin typeface="Arial"/>
+              <a:cs typeface="Arial"/>
             </a:endParaRPr>
           </a:p>
           <a:p>
@@ -23096,6 +23270,8 @@
                 <a:solidFill>
                   <a:schemeClr val="accent4"/>
                 </a:solidFill>
+                <a:latin typeface="Arial"/>
+                <a:cs typeface="Arial"/>
               </a:rPr>
               <a:t>После того, как будет покрыт простейший функционал, можно перемещаться на более «высокие» уровни </a:t>
             </a:r>
@@ -23104,6 +23280,8 @@
                 <a:solidFill>
                   <a:schemeClr val="accent4"/>
                 </a:solidFill>
+                <a:latin typeface="Arial"/>
+                <a:cs typeface="Arial"/>
               </a:rPr>
               <a:t>системы</a:t>
             </a:r>
@@ -23111,6 +23289,8 @@
               <a:solidFill>
                 <a:schemeClr val="accent4"/>
               </a:solidFill>
+              <a:latin typeface="Arial"/>
+              <a:cs typeface="Arial"/>
             </a:endParaRPr>
           </a:p>
           <a:p>
@@ -23126,6 +23306,8 @@
               <a:solidFill>
                 <a:schemeClr val="accent4"/>
               </a:solidFill>
+              <a:latin typeface="Arial"/>
+              <a:cs typeface="Arial"/>
             </a:endParaRPr>
           </a:p>
           <a:p>
@@ -23142,6 +23324,8 @@
                 <a:solidFill>
                   <a:schemeClr val="accent4"/>
                 </a:solidFill>
+                <a:latin typeface="Arial"/>
+                <a:cs typeface="Arial"/>
               </a:rPr>
               <a:t>Одновременно с этим производить рефакторинг кода для уменьшения связности классов</a:t>
             </a:r>
@@ -23161,7 +23345,7 @@
   <p:timing>
     <p:tnLst>
       <p:par>
-        <p:cTn id="1" dur="indefinite" restart="never" nodeType="tmRoot"/>
+        <p:cTn xmlns:p14="http://schemas.microsoft.com/office/powerpoint/2010/main" id="1" dur="indefinite" restart="never" nodeType="tmRoot"/>
       </p:par>
     </p:tnLst>
   </p:timing>
@@ -23222,8 +23406,8 @@
         </p:nvSpPr>
         <p:spPr bwMode="auto">
           <a:xfrm>
-            <a:off x="2000878" y="2339697"/>
-            <a:ext cx="5023841" cy="2178606"/>
+            <a:off x="1143000" y="2478197"/>
+            <a:ext cx="6858000" cy="1901607"/>
           </a:xfrm>
           <a:prstGeom prst="rect">
             <a:avLst/>
@@ -23255,6 +23439,8 @@
                 <a:solidFill>
                   <a:schemeClr val="accent4"/>
                 </a:solidFill>
+                <a:latin typeface="Arial"/>
+                <a:cs typeface="Arial"/>
               </a:rPr>
               <a:t>Если сравнивать написание классов с тестами и без, то безусловно, во втором варианте времени понадобится </a:t>
             </a:r>
@@ -23263,6 +23449,8 @@
                 <a:solidFill>
                   <a:schemeClr val="accent4"/>
                 </a:solidFill>
+                <a:latin typeface="Arial"/>
+                <a:cs typeface="Arial"/>
               </a:rPr>
               <a:t>больше</a:t>
             </a:r>
@@ -23270,6 +23458,8 @@
               <a:solidFill>
                 <a:schemeClr val="accent4"/>
               </a:solidFill>
+              <a:latin typeface="Arial"/>
+              <a:cs typeface="Arial"/>
             </a:endParaRPr>
           </a:p>
           <a:p>
@@ -23285,6 +23475,8 @@
               <a:solidFill>
                 <a:schemeClr val="accent4"/>
               </a:solidFill>
+              <a:latin typeface="Arial"/>
+              <a:cs typeface="Arial"/>
             </a:endParaRPr>
           </a:p>
           <a:p>
@@ -23301,6 +23493,8 @@
                 <a:solidFill>
                   <a:schemeClr val="accent4"/>
                 </a:solidFill>
+                <a:latin typeface="Arial"/>
+                <a:cs typeface="Arial"/>
               </a:rPr>
               <a:t>Однако давайте посмотрим на процесс разработки и написания тестов более широко</a:t>
             </a:r>
@@ -23320,7 +23514,7 @@
   <p:timing>
     <p:tnLst>
       <p:par>
-        <p:cTn id="1" dur="indefinite" restart="never" nodeType="tmRoot"/>
+        <p:cTn xmlns:p14="http://schemas.microsoft.com/office/powerpoint/2010/main" id="1" dur="indefinite" restart="never" nodeType="tmRoot"/>
       </p:par>
     </p:tnLst>
   </p:timing>
@@ -23381,8 +23575,8 @@
         </p:nvSpPr>
         <p:spPr bwMode="auto">
           <a:xfrm>
-            <a:off x="2000878" y="2339697"/>
-            <a:ext cx="5023841" cy="2732604"/>
+            <a:off x="1371600" y="2339697"/>
+            <a:ext cx="6553200" cy="2178606"/>
           </a:xfrm>
           <a:prstGeom prst="rect">
             <a:avLst/>
@@ -23414,6 +23608,8 @@
                 <a:solidFill>
                   <a:schemeClr val="accent4"/>
                 </a:solidFill>
+                <a:latin typeface="Arial"/>
+                <a:cs typeface="Arial"/>
               </a:rPr>
               <a:t>При наличии модульных тестов, пишется только тот код, который необходим для их успешного </a:t>
             </a:r>
@@ -23422,6 +23618,8 @@
                 <a:solidFill>
                   <a:schemeClr val="accent4"/>
                 </a:solidFill>
+                <a:latin typeface="Arial"/>
+                <a:cs typeface="Arial"/>
               </a:rPr>
               <a:t>выполнения</a:t>
             </a:r>
@@ -23429,6 +23627,8 @@
               <a:solidFill>
                 <a:schemeClr val="accent4"/>
               </a:solidFill>
+              <a:latin typeface="Arial"/>
+              <a:cs typeface="Arial"/>
             </a:endParaRPr>
           </a:p>
           <a:p>
@@ -23444,6 +23644,8 @@
               <a:solidFill>
                 <a:schemeClr val="accent4"/>
               </a:solidFill>
+              <a:latin typeface="Arial"/>
+              <a:cs typeface="Arial"/>
             </a:endParaRPr>
           </a:p>
           <a:p>
@@ -23460,6 +23662,8 @@
                 <a:solidFill>
                   <a:schemeClr val="accent4"/>
                 </a:solidFill>
+                <a:latin typeface="Arial"/>
+                <a:cs typeface="Arial"/>
               </a:rPr>
               <a:t>Классы становятся меньше по размеру и выполняют четко определенный набор </a:t>
             </a:r>
@@ -23468,6 +23672,8 @@
                 <a:solidFill>
                   <a:schemeClr val="accent4"/>
                 </a:solidFill>
+                <a:latin typeface="Arial"/>
+                <a:cs typeface="Arial"/>
               </a:rPr>
               <a:t>функций</a:t>
             </a:r>
@@ -23475,6 +23681,8 @@
               <a:solidFill>
                 <a:schemeClr val="accent4"/>
               </a:solidFill>
+              <a:latin typeface="Arial"/>
+              <a:cs typeface="Arial"/>
             </a:endParaRPr>
           </a:p>
           <a:p>
@@ -23490,6 +23698,8 @@
               <a:solidFill>
                 <a:schemeClr val="accent4"/>
               </a:solidFill>
+              <a:latin typeface="Arial"/>
+              <a:cs typeface="Arial"/>
             </a:endParaRPr>
           </a:p>
           <a:p>
@@ -23506,6 +23716,8 @@
                 <a:solidFill>
                   <a:schemeClr val="accent4"/>
                 </a:solidFill>
+                <a:latin typeface="Arial"/>
+                <a:cs typeface="Arial"/>
               </a:rPr>
               <a:t>Таким образом, </a:t>
             </a:r>
@@ -23514,6 +23726,8 @@
                 <a:solidFill>
                   <a:schemeClr val="accent4"/>
                 </a:solidFill>
+                <a:latin typeface="Arial"/>
+                <a:cs typeface="Arial"/>
               </a:rPr>
               <a:t>пишется меньше кода</a:t>
             </a:r>
@@ -23533,7 +23747,7 @@
   <p:timing>
     <p:tnLst>
       <p:par>
-        <p:cTn id="1" dur="indefinite" restart="never" nodeType="tmRoot"/>
+        <p:cTn xmlns:p14="http://schemas.microsoft.com/office/powerpoint/2010/main" id="1" dur="indefinite" restart="never" nodeType="tmRoot"/>
       </p:par>
     </p:tnLst>
   </p:timing>
